--- a/Ausbildung/Wie kann ich bewerten, ob mein Algorithmus performant ist/Wie kann ich bewerten, ob mein Algorithmus performant ist.pptx
+++ b/Ausbildung/Wie kann ich bewerten, ob mein Algorithmus performant ist/Wie kann ich bewerten, ob mein Algorithmus performant ist.pptx
@@ -5,7 +5,7 @@
     <p:sldMasterId id="2147483660" r:id="rId1"/>
   </p:sldMasterIdLst>
   <p:notesMasterIdLst>
-    <p:notesMasterId r:id="rId14"/>
+    <p:notesMasterId r:id="rId15"/>
   </p:notesMasterIdLst>
   <p:sldIdLst>
     <p:sldId id="256" r:id="rId2"/>
@@ -20,6 +20,7 @@
     <p:sldId id="267" r:id="rId11"/>
     <p:sldId id="265" r:id="rId12"/>
     <p:sldId id="266" r:id="rId13"/>
+    <p:sldId id="268" r:id="rId14"/>
   </p:sldIdLst>
   <p:sldSz cx="12192000" cy="6858000"/>
   <p:notesSz cx="6858000" cy="9144000"/>
@@ -118,6 +119,11 @@
       </a:defRPr>
     </a:lvl9pPr>
   </p:defaultTextStyle>
+  <p:extLst>
+    <p:ext uri="{EFAFB233-063F-42B5-8137-9DF3F51BA10A}">
+      <p15:sldGuideLst xmlns:p15="http://schemas.microsoft.com/office/powerpoint/2012/main"/>
+    </p:ext>
+  </p:extLst>
 </p:presentation>
 </file>
 
@@ -15057,7 +15063,79 @@
           <a:bodyPr/>
           <a:lstStyle/>
           <a:p>
-            <a:endParaRPr lang="de-DE"/>
+            <a:r>
+              <a:rPr lang="de-DE" dirty="0"/>
+              <a:t>Fokussieren auf Laufzeit &amp; Speicherverbrauch</a:t>
+            </a:r>
+          </a:p>
+          <a:p>
+            <a:pPr lvl="1"/>
+            <a:r>
+              <a:rPr lang="de-DE" dirty="0"/>
+              <a:t>Divide-and-</a:t>
+            </a:r>
+            <a:r>
+              <a:rPr lang="de-DE" dirty="0" err="1"/>
+              <a:t>Conquer</a:t>
+            </a:r>
+            <a:endParaRPr lang="de-DE" dirty="0"/>
+          </a:p>
+          <a:p>
+            <a:pPr lvl="1"/>
+            <a:endParaRPr lang="de-DE" dirty="0"/>
+          </a:p>
+          <a:p>
+            <a:r>
+              <a:rPr lang="de-DE" dirty="0"/>
+              <a:t>Optimieren von Datenstrukturen</a:t>
+            </a:r>
+          </a:p>
+          <a:p>
+            <a:pPr lvl="1"/>
+            <a:r>
+              <a:rPr lang="de-DE" dirty="0"/>
+              <a:t>bspw. </a:t>
+            </a:r>
+            <a:r>
+              <a:rPr lang="de-DE" dirty="0" err="1"/>
+              <a:t>ArrayList</a:t>
+            </a:r>
+            <a:r>
+              <a:rPr lang="de-DE" dirty="0"/>
+              <a:t> vs. </a:t>
+            </a:r>
+            <a:r>
+              <a:rPr lang="de-DE" dirty="0" err="1"/>
+              <a:t>LinkedList</a:t>
+            </a:r>
+            <a:endParaRPr lang="de-DE" dirty="0"/>
+          </a:p>
+          <a:p>
+            <a:pPr lvl="1"/>
+            <a:endParaRPr lang="de-DE" dirty="0"/>
+          </a:p>
+          <a:p>
+            <a:r>
+              <a:rPr lang="de-DE" dirty="0"/>
+              <a:t>Parallelisierung / Multithreading</a:t>
+            </a:r>
+          </a:p>
+          <a:p>
+            <a:pPr lvl="1"/>
+            <a:r>
+              <a:rPr lang="de-DE" dirty="0"/>
+              <a:t>Aufteilen von Aufgaben</a:t>
+            </a:r>
+          </a:p>
+          <a:p>
+            <a:pPr lvl="1"/>
+            <a:endParaRPr lang="de-DE" dirty="0"/>
+          </a:p>
+          <a:p>
+            <a:r>
+              <a:rPr lang="de-DE" dirty="0"/>
+              <a:t>Trade-Offs: Performance vs. Lesbarkeit/Wartbarkeit</a:t>
+            </a:r>
           </a:p>
         </p:txBody>
       </p:sp>
@@ -15169,7 +15247,22 @@
           <a:bodyPr/>
           <a:lstStyle/>
           <a:p>
-            <a:endParaRPr lang="de-DE"/>
+            <a:r>
+              <a:rPr lang="de-DE" dirty="0"/>
+              <a:t>nie perfekt</a:t>
+            </a:r>
+          </a:p>
+          <a:p>
+            <a:r>
+              <a:rPr lang="de-DE" dirty="0"/>
+              <a:t>vom Anwendungsfall abhängig</a:t>
+            </a:r>
+          </a:p>
+          <a:p>
+            <a:r>
+              <a:rPr lang="de-DE" dirty="0"/>
+              <a:t>ein iterativer Prozess</a:t>
+            </a:r>
           </a:p>
         </p:txBody>
       </p:sp>
@@ -15206,6 +15299,182 @@
     <p:extLst>
       <p:ext uri="{BB962C8B-B14F-4D97-AF65-F5344CB8AC3E}">
         <p14:creationId xmlns:p14="http://schemas.microsoft.com/office/powerpoint/2010/main" val="2243170630"/>
+      </p:ext>
+    </p:extLst>
+  </p:cSld>
+  <p:clrMapOvr>
+    <a:masterClrMapping/>
+  </p:clrMapOvr>
+</p:sld>
+</file>
+
+<file path=ppt/slides/slide13.xml><?xml version="1.0" encoding="utf-8"?>
+<p:sld xmlns:a="http://schemas.openxmlformats.org/drawingml/2006/main" xmlns:r="http://schemas.openxmlformats.org/officeDocument/2006/relationships" xmlns:p="http://schemas.openxmlformats.org/presentationml/2006/main">
+  <p:cSld>
+    <p:spTree>
+      <p:nvGrpSpPr>
+        <p:cNvPr id="1" name=""/>
+        <p:cNvGrpSpPr/>
+        <p:nvPr/>
+      </p:nvGrpSpPr>
+      <p:grpSpPr>
+        <a:xfrm>
+          <a:off x="0" y="0"/>
+          <a:ext cx="0" cy="0"/>
+          <a:chOff x="0" y="0"/>
+          <a:chExt cx="0" cy="0"/>
+        </a:xfrm>
+      </p:grpSpPr>
+      <p:sp>
+        <p:nvSpPr>
+          <p:cNvPr id="2" name="Titel 1">
+            <a:extLst>
+              <a:ext uri="{FF2B5EF4-FFF2-40B4-BE49-F238E27FC236}">
+                <a16:creationId xmlns:a16="http://schemas.microsoft.com/office/drawing/2014/main" id="{422D216F-60C1-9E5D-B0C8-5ED2A136EAD0}"/>
+              </a:ext>
+            </a:extLst>
+          </p:cNvPr>
+          <p:cNvSpPr>
+            <a:spLocks noGrp="1"/>
+          </p:cNvSpPr>
+          <p:nvPr>
+            <p:ph type="title"/>
+          </p:nvPr>
+        </p:nvSpPr>
+        <p:spPr/>
+        <p:txBody>
+          <a:bodyPr/>
+          <a:lstStyle/>
+          <a:p>
+            <a:r>
+              <a:rPr lang="de-DE" dirty="0"/>
+              <a:t>Noch Fragen?</a:t>
+            </a:r>
+          </a:p>
+        </p:txBody>
+      </p:sp>
+      <p:sp>
+        <p:nvSpPr>
+          <p:cNvPr id="3" name="Inhaltsplatzhalter 2">
+            <a:extLst>
+              <a:ext uri="{FF2B5EF4-FFF2-40B4-BE49-F238E27FC236}">
+                <a16:creationId xmlns:a16="http://schemas.microsoft.com/office/drawing/2014/main" id="{896996A9-D726-D117-EB77-3A06D4A4B7D7}"/>
+              </a:ext>
+            </a:extLst>
+          </p:cNvPr>
+          <p:cNvSpPr>
+            <a:spLocks noGrp="1"/>
+          </p:cNvSpPr>
+          <p:nvPr>
+            <p:ph idx="1"/>
+          </p:nvPr>
+        </p:nvSpPr>
+        <p:spPr/>
+        <p:txBody>
+          <a:bodyPr/>
+          <a:lstStyle/>
+          <a:p>
+            <a:pPr marL="0" indent="0">
+              <a:buNone/>
+            </a:pPr>
+            <a:r>
+              <a:rPr lang="de-DE" dirty="0"/>
+              <a:t>Quellen</a:t>
+            </a:r>
+            <a:endParaRPr lang="de-DE" dirty="0">
+              <a:hlinkClick r:id="rId2"/>
+            </a:endParaRPr>
+          </a:p>
+          <a:p>
+            <a:r>
+              <a:rPr lang="de-DE" dirty="0">
+                <a:hlinkClick r:id="rId2"/>
+              </a:rPr>
+              <a:t>https://de.wikipedia.org/wiki/Teile-und-herrsche-Verfahren</a:t>
+            </a:r>
+            <a:endParaRPr lang="de-DE" dirty="0"/>
+          </a:p>
+          <a:p>
+            <a:r>
+              <a:rPr lang="de-DE" dirty="0">
+                <a:hlinkClick r:id="rId3"/>
+              </a:rPr>
+              <a:t>https://www.jetbrains.com/pages/intellij-idea-profiler/</a:t>
+            </a:r>
+            <a:endParaRPr lang="de-DE" dirty="0"/>
+          </a:p>
+          <a:p>
+            <a:r>
+              <a:rPr lang="de-DE" dirty="0">
+                <a:hlinkClick r:id="rId4"/>
+              </a:rPr>
+              <a:t>https://www.bosch-sensortec.com/software/bme/docs/process-steps/evaluate-algorithms.html</a:t>
+            </a:r>
+            <a:endParaRPr lang="de-DE" dirty="0"/>
+          </a:p>
+          <a:p>
+            <a:r>
+              <a:rPr lang="de-DE" dirty="0">
+                <a:hlinkClick r:id="rId5"/>
+              </a:rPr>
+              <a:t>https://de.wikipedia.org/wiki/Effizienz_(Informatik)</a:t>
+            </a:r>
+            <a:endParaRPr lang="de-DE" dirty="0"/>
+          </a:p>
+          <a:p>
+            <a:r>
+              <a:rPr lang="de-DE" dirty="0"/>
+              <a:t>Struktur: </a:t>
+            </a:r>
+            <a:r>
+              <a:rPr lang="de-DE" dirty="0">
+                <a:hlinkClick r:id="rId6"/>
+              </a:rPr>
+              <a:t>https://chatgpt.com/</a:t>
+            </a:r>
+            <a:endParaRPr lang="de-DE" dirty="0"/>
+          </a:p>
+          <a:p>
+            <a:r>
+              <a:rPr lang="de-DE" dirty="0"/>
+              <a:t>Self-Experience</a:t>
+            </a:r>
+          </a:p>
+        </p:txBody>
+      </p:sp>
+      <p:sp>
+        <p:nvSpPr>
+          <p:cNvPr id="4" name="Foliennummernplatzhalter 3">
+            <a:extLst>
+              <a:ext uri="{FF2B5EF4-FFF2-40B4-BE49-F238E27FC236}">
+                <a16:creationId xmlns:a16="http://schemas.microsoft.com/office/drawing/2014/main" id="{43650EF0-12B9-7831-508E-A10F0929D0B5}"/>
+              </a:ext>
+            </a:extLst>
+          </p:cNvPr>
+          <p:cNvSpPr>
+            <a:spLocks noGrp="1"/>
+          </p:cNvSpPr>
+          <p:nvPr>
+            <p:ph type="sldNum" sz="quarter" idx="12"/>
+          </p:nvPr>
+        </p:nvSpPr>
+        <p:spPr/>
+        <p:txBody>
+          <a:bodyPr/>
+          <a:lstStyle/>
+          <a:p>
+            <a:fld id="{09424A48-D681-4D16-914C-14144854F3C2}" type="slidenum">
+              <a:rPr lang="de-DE" smtClean="0"/>
+              <a:t>13</a:t>
+            </a:fld>
+            <a:endParaRPr lang="de-DE"/>
+          </a:p>
+        </p:txBody>
+      </p:sp>
+    </p:spTree>
+    <p:extLst>
+      <p:ext uri="{BB962C8B-B14F-4D97-AF65-F5344CB8AC3E}">
+        <p14:creationId xmlns:p14="http://schemas.microsoft.com/office/powerpoint/2010/main" val="2431689857"/>
       </p:ext>
     </p:extLst>
   </p:cSld>

--- a/Ausbildung/Wie kann ich bewerten, ob mein Algorithmus performant ist/Wie kann ich bewerten, ob mein Algorithmus performant ist.pptx
+++ b/Ausbildung/Wie kann ich bewerten, ob mein Algorithmus performant ist/Wie kann ich bewerten, ob mein Algorithmus performant ist.pptx
@@ -2882,6 +2882,927 @@
     <dgm:txLinClrLst/>
     <dgm:txFillClrLst meth="repeat">
       <a:schemeClr val="tx1"/>
+    </dgm:txFillClrLst>
+    <dgm:txEffectClrLst/>
+  </dgm:styleLbl>
+</dgm:colorsDef>
+</file>
+
+<file path=ppt/diagrams/colors4.xml><?xml version="1.0" encoding="utf-8"?>
+<dgm:colorsDef xmlns:dgm="http://schemas.openxmlformats.org/drawingml/2006/diagram" xmlns:a="http://schemas.openxmlformats.org/drawingml/2006/main" uniqueId="urn:microsoft.com/office/officeart/2018/5/colors/Iconchunking_neutralicontext_colorful1">
+  <dgm:title val=""/>
+  <dgm:desc val=""/>
+  <dgm:catLst>
+    <dgm:cat type="colorful" pri="10100"/>
+  </dgm:catLst>
+  <dgm:styleLbl name="node0">
+    <dgm:fillClrLst meth="repeat">
+      <a:schemeClr val="accent1"/>
+    </dgm:fillClrLst>
+    <dgm:linClrLst meth="repeat">
+      <a:schemeClr val="lt1"/>
+    </dgm:linClrLst>
+    <dgm:effectClrLst/>
+    <dgm:txLinClrLst/>
+    <dgm:txFillClrLst/>
+    <dgm:txEffectClrLst/>
+  </dgm:styleLbl>
+  <dgm:styleLbl name="node1">
+    <dgm:fillClrLst meth="repeat">
+      <a:schemeClr val="bg1"/>
+    </dgm:fillClrLst>
+    <dgm:linClrLst meth="repeat">
+      <a:schemeClr val="lt1">
+        <a:alpha val="0"/>
+      </a:schemeClr>
+    </dgm:linClrLst>
+    <dgm:effectClrLst/>
+    <dgm:txLinClrLst/>
+    <dgm:txFillClrLst meth="repeat">
+      <a:schemeClr val="dk1"/>
+    </dgm:txFillClrLst>
+    <dgm:txEffectClrLst/>
+  </dgm:styleLbl>
+  <dgm:styleLbl name="alignNode1">
+    <dgm:fillClrLst meth="repeat">
+      <a:schemeClr val="accent2"/>
+      <a:schemeClr val="accent3"/>
+      <a:schemeClr val="accent4"/>
+      <a:schemeClr val="accent5"/>
+      <a:schemeClr val="accent6"/>
+    </dgm:fillClrLst>
+    <dgm:linClrLst meth="repeat">
+      <a:schemeClr val="accent2"/>
+      <a:schemeClr val="accent3"/>
+      <a:schemeClr val="accent4"/>
+      <a:schemeClr val="accent5"/>
+      <a:schemeClr val="accent6"/>
+    </dgm:linClrLst>
+    <dgm:effectClrLst/>
+    <dgm:txLinClrLst/>
+    <dgm:txFillClrLst/>
+    <dgm:txEffectClrLst/>
+  </dgm:styleLbl>
+  <dgm:styleLbl name="lnNode1">
+    <dgm:fillClrLst meth="repeat">
+      <a:schemeClr val="accent2"/>
+      <a:schemeClr val="accent3"/>
+      <a:schemeClr val="accent4"/>
+      <a:schemeClr val="accent5"/>
+      <a:schemeClr val="accent6"/>
+    </dgm:fillClrLst>
+    <dgm:linClrLst meth="repeat">
+      <a:schemeClr val="lt1"/>
+    </dgm:linClrLst>
+    <dgm:effectClrLst/>
+    <dgm:txLinClrLst/>
+    <dgm:txFillClrLst/>
+    <dgm:txEffectClrLst/>
+  </dgm:styleLbl>
+  <dgm:styleLbl name="vennNode1">
+    <dgm:fillClrLst meth="repeat">
+      <a:schemeClr val="accent2">
+        <a:alpha val="50000"/>
+      </a:schemeClr>
+      <a:schemeClr val="accent3">
+        <a:alpha val="50000"/>
+      </a:schemeClr>
+      <a:schemeClr val="accent4">
+        <a:alpha val="50000"/>
+      </a:schemeClr>
+      <a:schemeClr val="accent5">
+        <a:alpha val="50000"/>
+      </a:schemeClr>
+      <a:schemeClr val="accent6">
+        <a:alpha val="50000"/>
+      </a:schemeClr>
+    </dgm:fillClrLst>
+    <dgm:linClrLst meth="repeat">
+      <a:schemeClr val="lt1"/>
+    </dgm:linClrLst>
+    <dgm:effectClrLst/>
+    <dgm:txLinClrLst/>
+    <dgm:txFillClrLst/>
+    <dgm:txEffectClrLst/>
+  </dgm:styleLbl>
+  <dgm:styleLbl name="node2">
+    <dgm:fillClrLst>
+      <a:schemeClr val="accent2"/>
+    </dgm:fillClrLst>
+    <dgm:linClrLst meth="repeat">
+      <a:schemeClr val="lt1"/>
+    </dgm:linClrLst>
+    <dgm:effectClrLst/>
+    <dgm:txLinClrLst/>
+    <dgm:txFillClrLst/>
+    <dgm:txEffectClrLst/>
+  </dgm:styleLbl>
+  <dgm:styleLbl name="node3">
+    <dgm:fillClrLst>
+      <a:schemeClr val="accent3"/>
+    </dgm:fillClrLst>
+    <dgm:linClrLst meth="repeat">
+      <a:schemeClr val="lt1"/>
+    </dgm:linClrLst>
+    <dgm:effectClrLst/>
+    <dgm:txLinClrLst/>
+    <dgm:txFillClrLst/>
+    <dgm:txEffectClrLst/>
+  </dgm:styleLbl>
+  <dgm:styleLbl name="node4">
+    <dgm:fillClrLst>
+      <a:schemeClr val="accent4"/>
+    </dgm:fillClrLst>
+    <dgm:linClrLst meth="repeat">
+      <a:schemeClr val="lt1"/>
+    </dgm:linClrLst>
+    <dgm:effectClrLst/>
+    <dgm:txLinClrLst/>
+    <dgm:txFillClrLst/>
+    <dgm:txEffectClrLst/>
+  </dgm:styleLbl>
+  <dgm:styleLbl name="fgImgPlace1">
+    <dgm:fillClrLst meth="repeat">
+      <a:schemeClr val="accent2">
+        <a:tint val="50000"/>
+      </a:schemeClr>
+      <a:schemeClr val="accent3">
+        <a:tint val="50000"/>
+      </a:schemeClr>
+      <a:schemeClr val="accent4">
+        <a:tint val="50000"/>
+      </a:schemeClr>
+      <a:schemeClr val="accent5">
+        <a:tint val="50000"/>
+      </a:schemeClr>
+      <a:schemeClr val="accent6">
+        <a:tint val="50000"/>
+      </a:schemeClr>
+    </dgm:fillClrLst>
+    <dgm:linClrLst meth="repeat">
+      <a:schemeClr val="lt1"/>
+    </dgm:linClrLst>
+    <dgm:effectClrLst/>
+    <dgm:txLinClrLst/>
+    <dgm:txFillClrLst meth="repeat">
+      <a:schemeClr val="lt1"/>
+    </dgm:txFillClrLst>
+    <dgm:txEffectClrLst/>
+  </dgm:styleLbl>
+  <dgm:styleLbl name="alignImgPlace1">
+    <dgm:fillClrLst>
+      <a:schemeClr val="accent1">
+        <a:tint val="50000"/>
+      </a:schemeClr>
+      <a:schemeClr val="accent2">
+        <a:tint val="20000"/>
+      </a:schemeClr>
+    </dgm:fillClrLst>
+    <dgm:linClrLst meth="repeat">
+      <a:schemeClr val="lt1"/>
+    </dgm:linClrLst>
+    <dgm:effectClrLst/>
+    <dgm:txLinClrLst/>
+    <dgm:txFillClrLst meth="repeat">
+      <a:schemeClr val="lt1"/>
+    </dgm:txFillClrLst>
+    <dgm:txEffectClrLst/>
+  </dgm:styleLbl>
+  <dgm:styleLbl name="bgImgPlace1">
+    <dgm:fillClrLst>
+      <a:schemeClr val="accent1">
+        <a:tint val="50000"/>
+      </a:schemeClr>
+      <a:schemeClr val="accent2">
+        <a:tint val="20000"/>
+      </a:schemeClr>
+    </dgm:fillClrLst>
+    <dgm:linClrLst meth="repeat">
+      <a:schemeClr val="lt1"/>
+    </dgm:linClrLst>
+    <dgm:effectClrLst/>
+    <dgm:txLinClrLst/>
+    <dgm:txFillClrLst meth="repeat">
+      <a:schemeClr val="lt1"/>
+    </dgm:txFillClrLst>
+    <dgm:txEffectClrLst/>
+  </dgm:styleLbl>
+  <dgm:styleLbl name="sibTrans2D1">
+    <dgm:fillClrLst meth="repeat">
+      <a:schemeClr val="accent2"/>
+      <a:schemeClr val="accent3"/>
+      <a:schemeClr val="accent4"/>
+      <a:schemeClr val="accent5"/>
+      <a:schemeClr val="accent6"/>
+    </dgm:fillClrLst>
+    <dgm:linClrLst meth="cycle">
+      <a:schemeClr val="lt1"/>
+    </dgm:linClrLst>
+    <dgm:effectClrLst/>
+    <dgm:txLinClrLst/>
+    <dgm:txFillClrLst/>
+    <dgm:txEffectClrLst/>
+  </dgm:styleLbl>
+  <dgm:styleLbl name="fgSibTrans2D1">
+    <dgm:fillClrLst meth="repeat">
+      <a:schemeClr val="accent2"/>
+      <a:schemeClr val="accent3"/>
+      <a:schemeClr val="accent4"/>
+      <a:schemeClr val="accent5"/>
+      <a:schemeClr val="accent6"/>
+    </dgm:fillClrLst>
+    <dgm:linClrLst meth="cycle">
+      <a:schemeClr val="lt1"/>
+    </dgm:linClrLst>
+    <dgm:effectClrLst/>
+    <dgm:txLinClrLst/>
+    <dgm:txFillClrLst meth="repeat">
+      <a:schemeClr val="lt1"/>
+    </dgm:txFillClrLst>
+    <dgm:txEffectClrLst/>
+  </dgm:styleLbl>
+  <dgm:styleLbl name="bgSibTrans2D1">
+    <dgm:fillClrLst meth="repeat">
+      <a:schemeClr val="accent2"/>
+      <a:schemeClr val="accent3"/>
+      <a:schemeClr val="accent4"/>
+      <a:schemeClr val="accent5"/>
+      <a:schemeClr val="accent6"/>
+    </dgm:fillClrLst>
+    <dgm:linClrLst meth="cycle">
+      <a:schemeClr val="lt1"/>
+    </dgm:linClrLst>
+    <dgm:effectClrLst/>
+    <dgm:txLinClrLst/>
+    <dgm:txFillClrLst meth="repeat">
+      <a:schemeClr val="lt1"/>
+    </dgm:txFillClrLst>
+    <dgm:txEffectClrLst/>
+  </dgm:styleLbl>
+  <dgm:styleLbl name="sibTrans1D1">
+    <dgm:fillClrLst meth="repeat">
+      <a:schemeClr val="accent2"/>
+      <a:schemeClr val="accent3"/>
+      <a:schemeClr val="accent4"/>
+      <a:schemeClr val="accent5"/>
+      <a:schemeClr val="accent6"/>
+    </dgm:fillClrLst>
+    <dgm:linClrLst meth="repeat">
+      <a:schemeClr val="accent2"/>
+      <a:schemeClr val="accent3"/>
+      <a:schemeClr val="accent4"/>
+      <a:schemeClr val="accent5"/>
+      <a:schemeClr val="accent6"/>
+    </dgm:linClrLst>
+    <dgm:effectClrLst/>
+    <dgm:txLinClrLst/>
+    <dgm:txFillClrLst meth="repeat">
+      <a:schemeClr val="tx1"/>
+    </dgm:txFillClrLst>
+    <dgm:txEffectClrLst/>
+  </dgm:styleLbl>
+  <dgm:styleLbl name="callout">
+    <dgm:fillClrLst meth="repeat">
+      <a:schemeClr val="accent2"/>
+    </dgm:fillClrLst>
+    <dgm:linClrLst meth="repeat">
+      <a:schemeClr val="accent2">
+        <a:tint val="50000"/>
+      </a:schemeClr>
+    </dgm:linClrLst>
+    <dgm:effectClrLst/>
+    <dgm:txLinClrLst/>
+    <dgm:txFillClrLst meth="repeat">
+      <a:schemeClr val="tx1"/>
+    </dgm:txFillClrLst>
+    <dgm:txEffectClrLst/>
+  </dgm:styleLbl>
+  <dgm:styleLbl name="asst0">
+    <dgm:fillClrLst meth="repeat">
+      <a:schemeClr val="accent1"/>
+    </dgm:fillClrLst>
+    <dgm:linClrLst meth="repeat">
+      <a:schemeClr val="lt1"/>
+    </dgm:linClrLst>
+    <dgm:effectClrLst/>
+    <dgm:txLinClrLst/>
+    <dgm:txFillClrLst/>
+    <dgm:txEffectClrLst/>
+  </dgm:styleLbl>
+  <dgm:styleLbl name="asst1">
+    <dgm:fillClrLst meth="repeat">
+      <a:schemeClr val="accent2"/>
+    </dgm:fillClrLst>
+    <dgm:linClrLst meth="repeat">
+      <a:schemeClr val="lt1"/>
+    </dgm:linClrLst>
+    <dgm:effectClrLst/>
+    <dgm:txLinClrLst/>
+    <dgm:txFillClrLst/>
+    <dgm:txEffectClrLst/>
+  </dgm:styleLbl>
+  <dgm:styleLbl name="asst2">
+    <dgm:fillClrLst>
+      <a:schemeClr val="accent3"/>
+    </dgm:fillClrLst>
+    <dgm:linClrLst meth="repeat">
+      <a:schemeClr val="lt1"/>
+    </dgm:linClrLst>
+    <dgm:effectClrLst/>
+    <dgm:txLinClrLst/>
+    <dgm:txFillClrLst/>
+    <dgm:txEffectClrLst/>
+  </dgm:styleLbl>
+  <dgm:styleLbl name="asst3">
+    <dgm:fillClrLst>
+      <a:schemeClr val="accent4"/>
+    </dgm:fillClrLst>
+    <dgm:linClrLst meth="repeat">
+      <a:schemeClr val="lt1"/>
+    </dgm:linClrLst>
+    <dgm:effectClrLst/>
+    <dgm:txLinClrLst/>
+    <dgm:txFillClrLst/>
+    <dgm:txEffectClrLst/>
+  </dgm:styleLbl>
+  <dgm:styleLbl name="asst4">
+    <dgm:fillClrLst>
+      <a:schemeClr val="accent5"/>
+    </dgm:fillClrLst>
+    <dgm:linClrLst meth="repeat">
+      <a:schemeClr val="lt1"/>
+    </dgm:linClrLst>
+    <dgm:effectClrLst/>
+    <dgm:txLinClrLst/>
+    <dgm:txFillClrLst/>
+    <dgm:txEffectClrLst/>
+  </dgm:styleLbl>
+  <dgm:styleLbl name="parChTrans2D1">
+    <dgm:fillClrLst meth="repeat">
+      <a:schemeClr val="accent2"/>
+    </dgm:fillClrLst>
+    <dgm:linClrLst meth="repeat">
+      <a:schemeClr val="lt1"/>
+    </dgm:linClrLst>
+    <dgm:effectClrLst/>
+    <dgm:txLinClrLst/>
+    <dgm:txFillClrLst meth="repeat">
+      <a:schemeClr val="lt1"/>
+    </dgm:txFillClrLst>
+    <dgm:txEffectClrLst/>
+  </dgm:styleLbl>
+  <dgm:styleLbl name="parChTrans2D2">
+    <dgm:fillClrLst meth="repeat">
+      <a:schemeClr val="accent3"/>
+    </dgm:fillClrLst>
+    <dgm:linClrLst meth="repeat">
+      <a:schemeClr val="lt1"/>
+    </dgm:linClrLst>
+    <dgm:effectClrLst/>
+    <dgm:txLinClrLst/>
+    <dgm:txFillClrLst/>
+    <dgm:txEffectClrLst/>
+  </dgm:styleLbl>
+  <dgm:styleLbl name="parChTrans2D3">
+    <dgm:fillClrLst meth="repeat">
+      <a:schemeClr val="accent4"/>
+    </dgm:fillClrLst>
+    <dgm:linClrLst meth="repeat">
+      <a:schemeClr val="lt1"/>
+    </dgm:linClrLst>
+    <dgm:effectClrLst/>
+    <dgm:txLinClrLst/>
+    <dgm:txFillClrLst/>
+    <dgm:txEffectClrLst/>
+  </dgm:styleLbl>
+  <dgm:styleLbl name="parChTrans2D4">
+    <dgm:fillClrLst meth="repeat">
+      <a:schemeClr val="accent5"/>
+    </dgm:fillClrLst>
+    <dgm:linClrLst meth="repeat">
+      <a:schemeClr val="lt1"/>
+    </dgm:linClrLst>
+    <dgm:effectClrLst/>
+    <dgm:txLinClrLst/>
+    <dgm:txFillClrLst meth="repeat">
+      <a:schemeClr val="lt1"/>
+    </dgm:txFillClrLst>
+    <dgm:txEffectClrLst/>
+  </dgm:styleLbl>
+  <dgm:styleLbl name="parChTrans1D1">
+    <dgm:fillClrLst meth="repeat">
+      <a:schemeClr val="accent2"/>
+    </dgm:fillClrLst>
+    <dgm:linClrLst meth="repeat">
+      <a:schemeClr val="accent1"/>
+    </dgm:linClrLst>
+    <dgm:effectClrLst/>
+    <dgm:txLinClrLst/>
+    <dgm:txFillClrLst meth="repeat">
+      <a:schemeClr val="tx1"/>
+    </dgm:txFillClrLst>
+    <dgm:txEffectClrLst/>
+  </dgm:styleLbl>
+  <dgm:styleLbl name="parChTrans1D2">
+    <dgm:fillClrLst meth="repeat">
+      <a:schemeClr val="accent3">
+        <a:tint val="90000"/>
+      </a:schemeClr>
+    </dgm:fillClrLst>
+    <dgm:linClrLst meth="repeat">
+      <a:schemeClr val="accent2"/>
+    </dgm:linClrLst>
+    <dgm:effectClrLst/>
+    <dgm:txLinClrLst/>
+    <dgm:txFillClrLst meth="repeat">
+      <a:schemeClr val="tx1"/>
+    </dgm:txFillClrLst>
+    <dgm:txEffectClrLst/>
+  </dgm:styleLbl>
+  <dgm:styleLbl name="parChTrans1D3">
+    <dgm:fillClrLst meth="repeat">
+      <a:schemeClr val="accent4">
+        <a:tint val="70000"/>
+      </a:schemeClr>
+    </dgm:fillClrLst>
+    <dgm:linClrLst meth="repeat">
+      <a:schemeClr val="accent3"/>
+    </dgm:linClrLst>
+    <dgm:effectClrLst/>
+    <dgm:txLinClrLst/>
+    <dgm:txFillClrLst meth="repeat">
+      <a:schemeClr val="tx1"/>
+    </dgm:txFillClrLst>
+    <dgm:txEffectClrLst/>
+  </dgm:styleLbl>
+  <dgm:styleLbl name="parChTrans1D4">
+    <dgm:fillClrLst meth="repeat">
+      <a:schemeClr val="accent5">
+        <a:tint val="50000"/>
+      </a:schemeClr>
+    </dgm:fillClrLst>
+    <dgm:linClrLst meth="repeat">
+      <a:schemeClr val="accent4"/>
+    </dgm:linClrLst>
+    <dgm:effectClrLst/>
+    <dgm:txLinClrLst/>
+    <dgm:txFillClrLst meth="repeat">
+      <a:schemeClr val="tx1"/>
+    </dgm:txFillClrLst>
+    <dgm:txEffectClrLst/>
+  </dgm:styleLbl>
+  <dgm:styleLbl name="fgAcc1">
+    <dgm:fillClrLst meth="repeat">
+      <a:schemeClr val="lt1">
+        <a:alpha val="90000"/>
+      </a:schemeClr>
+    </dgm:fillClrLst>
+    <dgm:linClrLst meth="repeat">
+      <a:schemeClr val="accent2"/>
+      <a:schemeClr val="accent3"/>
+      <a:schemeClr val="accent4"/>
+      <a:schemeClr val="accent5"/>
+      <a:schemeClr val="accent6"/>
+    </dgm:linClrLst>
+    <dgm:effectClrLst/>
+    <dgm:txLinClrLst/>
+    <dgm:txFillClrLst meth="repeat">
+      <a:schemeClr val="dk1"/>
+    </dgm:txFillClrLst>
+    <dgm:txEffectClrLst/>
+  </dgm:styleLbl>
+  <dgm:styleLbl name="conFgAcc1">
+    <dgm:fillClrLst meth="repeat">
+      <a:schemeClr val="lt1">
+        <a:alpha val="90000"/>
+      </a:schemeClr>
+    </dgm:fillClrLst>
+    <dgm:linClrLst meth="repeat">
+      <a:schemeClr val="accent2"/>
+      <a:schemeClr val="accent3"/>
+      <a:schemeClr val="accent4"/>
+      <a:schemeClr val="accent5"/>
+      <a:schemeClr val="accent6"/>
+    </dgm:linClrLst>
+    <dgm:effectClrLst/>
+    <dgm:txLinClrLst/>
+    <dgm:txFillClrLst meth="repeat">
+      <a:schemeClr val="dk1"/>
+    </dgm:txFillClrLst>
+    <dgm:txEffectClrLst/>
+  </dgm:styleLbl>
+  <dgm:styleLbl name="alignAcc1">
+    <dgm:fillClrLst meth="repeat">
+      <a:schemeClr val="lt1">
+        <a:alpha val="90000"/>
+      </a:schemeClr>
+    </dgm:fillClrLst>
+    <dgm:linClrLst meth="repeat">
+      <a:schemeClr val="accent2"/>
+      <a:schemeClr val="accent3"/>
+      <a:schemeClr val="accent4"/>
+      <a:schemeClr val="accent5"/>
+      <a:schemeClr val="accent6"/>
+    </dgm:linClrLst>
+    <dgm:effectClrLst/>
+    <dgm:txLinClrLst/>
+    <dgm:txFillClrLst meth="repeat">
+      <a:schemeClr val="dk1"/>
+    </dgm:txFillClrLst>
+    <dgm:txEffectClrLst/>
+  </dgm:styleLbl>
+  <dgm:styleLbl name="trAlignAcc1">
+    <dgm:fillClrLst meth="repeat">
+      <a:schemeClr val="lt1">
+        <a:alpha val="40000"/>
+      </a:schemeClr>
+    </dgm:fillClrLst>
+    <dgm:linClrLst meth="repeat">
+      <a:schemeClr val="accent1"/>
+    </dgm:linClrLst>
+    <dgm:effectClrLst/>
+    <dgm:txLinClrLst/>
+    <dgm:txFillClrLst meth="repeat">
+      <a:schemeClr val="dk1"/>
+    </dgm:txFillClrLst>
+    <dgm:txEffectClrLst/>
+  </dgm:styleLbl>
+  <dgm:styleLbl name="bgAcc1">
+    <dgm:fillClrLst meth="repeat">
+      <a:schemeClr val="lt1">
+        <a:alpha val="90000"/>
+      </a:schemeClr>
+    </dgm:fillClrLst>
+    <dgm:linClrLst meth="repeat">
+      <a:schemeClr val="accent2"/>
+      <a:schemeClr val="accent3"/>
+      <a:schemeClr val="accent4"/>
+      <a:schemeClr val="accent5"/>
+      <a:schemeClr val="accent6"/>
+    </dgm:linClrLst>
+    <dgm:effectClrLst/>
+    <dgm:txLinClrLst/>
+    <dgm:txFillClrLst meth="repeat">
+      <a:schemeClr val="dk1"/>
+    </dgm:txFillClrLst>
+    <dgm:txEffectClrLst/>
+  </dgm:styleLbl>
+  <dgm:styleLbl name="solidFgAcc1">
+    <dgm:fillClrLst meth="repeat">
+      <a:schemeClr val="lt1"/>
+    </dgm:fillClrLst>
+    <dgm:linClrLst meth="repeat">
+      <a:schemeClr val="accent2"/>
+      <a:schemeClr val="accent3"/>
+      <a:schemeClr val="accent4"/>
+      <a:schemeClr val="accent5"/>
+      <a:schemeClr val="accent6"/>
+    </dgm:linClrLst>
+    <dgm:effectClrLst/>
+    <dgm:txLinClrLst/>
+    <dgm:txFillClrLst meth="repeat">
+      <a:schemeClr val="dk1"/>
+    </dgm:txFillClrLst>
+    <dgm:txEffectClrLst/>
+  </dgm:styleLbl>
+  <dgm:styleLbl name="solidAlignAcc1">
+    <dgm:fillClrLst meth="repeat">
+      <a:schemeClr val="lt1"/>
+    </dgm:fillClrLst>
+    <dgm:linClrLst meth="repeat">
+      <a:schemeClr val="accent2"/>
+      <a:schemeClr val="accent3"/>
+      <a:schemeClr val="accent4"/>
+      <a:schemeClr val="accent5"/>
+      <a:schemeClr val="accent6"/>
+    </dgm:linClrLst>
+    <dgm:effectClrLst/>
+    <dgm:txLinClrLst/>
+    <dgm:txFillClrLst meth="repeat">
+      <a:schemeClr val="dk1"/>
+    </dgm:txFillClrLst>
+    <dgm:txEffectClrLst/>
+  </dgm:styleLbl>
+  <dgm:styleLbl name="solidBgAcc1">
+    <dgm:fillClrLst meth="repeat">
+      <a:schemeClr val="lt1"/>
+    </dgm:fillClrLst>
+    <dgm:linClrLst meth="repeat">
+      <a:schemeClr val="accent2"/>
+      <a:schemeClr val="accent3"/>
+      <a:schemeClr val="accent4"/>
+      <a:schemeClr val="accent5"/>
+      <a:schemeClr val="accent6"/>
+    </dgm:linClrLst>
+    <dgm:effectClrLst/>
+    <dgm:txLinClrLst/>
+    <dgm:txFillClrLst meth="repeat">
+      <a:schemeClr val="dk1"/>
+    </dgm:txFillClrLst>
+    <dgm:txEffectClrLst/>
+  </dgm:styleLbl>
+  <dgm:styleLbl name="fgAccFollowNode1">
+    <dgm:fillClrLst meth="repeat">
+      <a:schemeClr val="accent2">
+        <a:tint val="40000"/>
+        <a:alpha val="90000"/>
+      </a:schemeClr>
+      <a:schemeClr val="accent3">
+        <a:tint val="40000"/>
+        <a:alpha val="90000"/>
+      </a:schemeClr>
+      <a:schemeClr val="accent4">
+        <a:tint val="40000"/>
+        <a:alpha val="90000"/>
+      </a:schemeClr>
+      <a:schemeClr val="accent5">
+        <a:tint val="40000"/>
+        <a:alpha val="90000"/>
+      </a:schemeClr>
+      <a:schemeClr val="accent6">
+        <a:tint val="40000"/>
+        <a:alpha val="90000"/>
+      </a:schemeClr>
+    </dgm:fillClrLst>
+    <dgm:linClrLst meth="repeat">
+      <a:schemeClr val="accent2">
+        <a:tint val="40000"/>
+        <a:alpha val="90000"/>
+      </a:schemeClr>
+      <a:schemeClr val="accent3">
+        <a:tint val="40000"/>
+        <a:alpha val="90000"/>
+      </a:schemeClr>
+      <a:schemeClr val="accent4">
+        <a:tint val="40000"/>
+        <a:alpha val="90000"/>
+      </a:schemeClr>
+      <a:schemeClr val="accent5">
+        <a:tint val="40000"/>
+        <a:alpha val="90000"/>
+      </a:schemeClr>
+      <a:schemeClr val="accent6">
+        <a:tint val="40000"/>
+        <a:alpha val="90000"/>
+      </a:schemeClr>
+    </dgm:linClrLst>
+    <dgm:effectClrLst/>
+    <dgm:txLinClrLst/>
+    <dgm:txFillClrLst meth="repeat">
+      <a:schemeClr val="dk1"/>
+    </dgm:txFillClrLst>
+    <dgm:txEffectClrLst/>
+  </dgm:styleLbl>
+  <dgm:styleLbl name="alignAccFollowNode1">
+    <dgm:fillClrLst meth="repeat">
+      <a:schemeClr val="accent2">
+        <a:tint val="40000"/>
+        <a:alpha val="90000"/>
+      </a:schemeClr>
+      <a:schemeClr val="accent3">
+        <a:tint val="40000"/>
+        <a:alpha val="90000"/>
+      </a:schemeClr>
+      <a:schemeClr val="accent4">
+        <a:tint val="40000"/>
+        <a:alpha val="90000"/>
+      </a:schemeClr>
+      <a:schemeClr val="accent5">
+        <a:tint val="40000"/>
+        <a:alpha val="90000"/>
+      </a:schemeClr>
+      <a:schemeClr val="accent6">
+        <a:tint val="40000"/>
+        <a:alpha val="90000"/>
+      </a:schemeClr>
+    </dgm:fillClrLst>
+    <dgm:linClrLst meth="repeat">
+      <a:schemeClr val="accent2">
+        <a:tint val="40000"/>
+        <a:alpha val="90000"/>
+      </a:schemeClr>
+      <a:schemeClr val="accent3">
+        <a:tint val="40000"/>
+        <a:alpha val="90000"/>
+      </a:schemeClr>
+      <a:schemeClr val="accent4">
+        <a:tint val="40000"/>
+        <a:alpha val="90000"/>
+      </a:schemeClr>
+      <a:schemeClr val="accent5">
+        <a:tint val="40000"/>
+        <a:alpha val="90000"/>
+      </a:schemeClr>
+      <a:schemeClr val="accent6">
+        <a:tint val="40000"/>
+        <a:alpha val="90000"/>
+      </a:schemeClr>
+    </dgm:linClrLst>
+    <dgm:effectClrLst/>
+    <dgm:txLinClrLst/>
+    <dgm:txFillClrLst meth="repeat">
+      <a:schemeClr val="dk1"/>
+    </dgm:txFillClrLst>
+    <dgm:txEffectClrLst/>
+  </dgm:styleLbl>
+  <dgm:styleLbl name="bgAccFollowNode1">
+    <dgm:fillClrLst meth="repeat">
+      <a:schemeClr val="accent2">
+        <a:tint val="40000"/>
+        <a:alpha val="90000"/>
+      </a:schemeClr>
+      <a:schemeClr val="accent3">
+        <a:tint val="40000"/>
+        <a:alpha val="90000"/>
+      </a:schemeClr>
+      <a:schemeClr val="accent4">
+        <a:tint val="40000"/>
+        <a:alpha val="90000"/>
+      </a:schemeClr>
+      <a:schemeClr val="accent5">
+        <a:tint val="40000"/>
+        <a:alpha val="90000"/>
+      </a:schemeClr>
+      <a:schemeClr val="accent6">
+        <a:tint val="40000"/>
+        <a:alpha val="90000"/>
+      </a:schemeClr>
+    </dgm:fillClrLst>
+    <dgm:linClrLst meth="repeat">
+      <a:schemeClr val="accent2">
+        <a:tint val="40000"/>
+        <a:alpha val="90000"/>
+      </a:schemeClr>
+      <a:schemeClr val="accent3">
+        <a:tint val="40000"/>
+        <a:alpha val="90000"/>
+      </a:schemeClr>
+      <a:schemeClr val="accent4">
+        <a:tint val="40000"/>
+        <a:alpha val="90000"/>
+      </a:schemeClr>
+      <a:schemeClr val="accent5">
+        <a:tint val="40000"/>
+        <a:alpha val="90000"/>
+      </a:schemeClr>
+      <a:schemeClr val="accent6">
+        <a:tint val="40000"/>
+        <a:alpha val="90000"/>
+      </a:schemeClr>
+    </dgm:linClrLst>
+    <dgm:effectClrLst/>
+    <dgm:txLinClrLst/>
+    <dgm:txFillClrLst meth="repeat">
+      <a:schemeClr val="dk1"/>
+    </dgm:txFillClrLst>
+    <dgm:txEffectClrLst/>
+  </dgm:styleLbl>
+  <dgm:styleLbl name="fgAcc0">
+    <dgm:fillClrLst meth="repeat">
+      <a:schemeClr val="lt1">
+        <a:alpha val="90000"/>
+      </a:schemeClr>
+    </dgm:fillClrLst>
+    <dgm:linClrLst>
+      <a:schemeClr val="accent1"/>
+    </dgm:linClrLst>
+    <dgm:effectClrLst/>
+    <dgm:txLinClrLst/>
+    <dgm:txFillClrLst meth="repeat">
+      <a:schemeClr val="dk1"/>
+    </dgm:txFillClrLst>
+    <dgm:txEffectClrLst/>
+  </dgm:styleLbl>
+  <dgm:styleLbl name="fgAcc2">
+    <dgm:fillClrLst meth="repeat">
+      <a:schemeClr val="lt1">
+        <a:alpha val="90000"/>
+      </a:schemeClr>
+    </dgm:fillClrLst>
+    <dgm:linClrLst>
+      <a:schemeClr val="accent2"/>
+    </dgm:linClrLst>
+    <dgm:effectClrLst/>
+    <dgm:txLinClrLst/>
+    <dgm:txFillClrLst meth="repeat">
+      <a:schemeClr val="dk1"/>
+    </dgm:txFillClrLst>
+    <dgm:txEffectClrLst/>
+  </dgm:styleLbl>
+  <dgm:styleLbl name="fgAcc3">
+    <dgm:fillClrLst meth="repeat">
+      <a:schemeClr val="lt1">
+        <a:alpha val="90000"/>
+      </a:schemeClr>
+    </dgm:fillClrLst>
+    <dgm:linClrLst>
+      <a:schemeClr val="accent3"/>
+    </dgm:linClrLst>
+    <dgm:effectClrLst/>
+    <dgm:txLinClrLst/>
+    <dgm:txFillClrLst meth="repeat">
+      <a:schemeClr val="dk1"/>
+    </dgm:txFillClrLst>
+    <dgm:txEffectClrLst/>
+  </dgm:styleLbl>
+  <dgm:styleLbl name="fgAcc4">
+    <dgm:fillClrLst meth="repeat">
+      <a:schemeClr val="lt1">
+        <a:alpha val="90000"/>
+      </a:schemeClr>
+    </dgm:fillClrLst>
+    <dgm:linClrLst>
+      <a:schemeClr val="accent4"/>
+    </dgm:linClrLst>
+    <dgm:effectClrLst/>
+    <dgm:txLinClrLst/>
+    <dgm:txFillClrLst meth="repeat">
+      <a:schemeClr val="dk1"/>
+    </dgm:txFillClrLst>
+    <dgm:txEffectClrLst/>
+  </dgm:styleLbl>
+  <dgm:styleLbl name="bgShp">
+    <dgm:fillClrLst meth="repeat">
+      <a:schemeClr val="accent2"/>
+      <a:schemeClr val="accent3"/>
+      <a:schemeClr val="accent4"/>
+      <a:schemeClr val="accent5"/>
+      <a:schemeClr val="accent6"/>
+    </dgm:fillClrLst>
+    <dgm:linClrLst meth="repeat">
+      <a:schemeClr val="lt1">
+        <a:alpha val="0"/>
+      </a:schemeClr>
+    </dgm:linClrLst>
+    <dgm:effectClrLst/>
+    <dgm:txLinClrLst/>
+    <dgm:txFillClrLst/>
+    <dgm:txEffectClrLst/>
+  </dgm:styleLbl>
+  <dgm:styleLbl name="dkBgShp">
+    <dgm:fillClrLst meth="repeat">
+      <a:schemeClr val="accent2">
+        <a:shade val="90000"/>
+      </a:schemeClr>
+    </dgm:fillClrLst>
+    <dgm:linClrLst meth="repeat">
+      <a:schemeClr val="dk1"/>
+    </dgm:linClrLst>
+    <dgm:effectClrLst/>
+    <dgm:txLinClrLst/>
+    <dgm:txFillClrLst meth="repeat">
+      <a:schemeClr val="lt1"/>
+    </dgm:txFillClrLst>
+    <dgm:txEffectClrLst/>
+  </dgm:styleLbl>
+  <dgm:styleLbl name="trBgShp">
+    <dgm:fillClrLst meth="repeat">
+      <a:schemeClr val="accent1">
+        <a:tint val="50000"/>
+        <a:alpha val="40000"/>
+      </a:schemeClr>
+    </dgm:fillClrLst>
+    <dgm:linClrLst meth="repeat">
+      <a:schemeClr val="accent2"/>
+    </dgm:linClrLst>
+    <dgm:effectClrLst/>
+    <dgm:txLinClrLst/>
+    <dgm:txFillClrLst meth="repeat">
+      <a:schemeClr val="lt1"/>
+    </dgm:txFillClrLst>
+    <dgm:txEffectClrLst/>
+  </dgm:styleLbl>
+  <dgm:styleLbl name="fgShp">
+    <dgm:fillClrLst meth="repeat">
+      <a:schemeClr val="accent2">
+        <a:tint val="40000"/>
+      </a:schemeClr>
+    </dgm:fillClrLst>
+    <dgm:linClrLst meth="repeat">
+      <a:schemeClr val="lt1"/>
+    </dgm:linClrLst>
+    <dgm:effectClrLst/>
+    <dgm:txLinClrLst/>
+    <dgm:txFillClrLst meth="repeat">
+      <a:schemeClr val="dk1"/>
+    </dgm:txFillClrLst>
+    <dgm:txEffectClrLst/>
+  </dgm:styleLbl>
+  <dgm:styleLbl name="revTx">
+    <dgm:fillClrLst meth="repeat">
+      <a:schemeClr val="lt1">
+        <a:alpha val="0"/>
+      </a:schemeClr>
+    </dgm:fillClrLst>
+    <dgm:linClrLst meth="repeat">
+      <a:schemeClr val="dk1">
+        <a:alpha val="0"/>
+      </a:schemeClr>
+    </dgm:linClrLst>
+    <dgm:effectClrLst/>
+    <dgm:txLinClrLst/>
+    <dgm:txFillClrLst meth="repeat">
+      <a:schemeClr val="bg1"/>
     </dgm:txFillClrLst>
     <dgm:txEffectClrLst/>
   </dgm:styleLbl>
@@ -3867,6 +4788,568 @@
     <dgm:cxn modelId="{4A01CE59-CDC6-4490-9282-56AD5B7DF6D0}" type="presParOf" srcId="{B4DD45B5-21BA-4CB5-B510-8EC673BB99C6}" destId="{EB8F8518-520C-43C9-95EA-2659BAFC1707}" srcOrd="0" destOrd="0" presId="urn:microsoft.com/office/officeart/2018/2/layout/IconLabelList"/>
     <dgm:cxn modelId="{DD48C7C5-2DEC-4597-8827-5C3905C22AED}" type="presParOf" srcId="{B4DD45B5-21BA-4CB5-B510-8EC673BB99C6}" destId="{092F8FD9-B2D6-455F-B905-F493B23C0DAB}" srcOrd="1" destOrd="0" presId="urn:microsoft.com/office/officeart/2018/2/layout/IconLabelList"/>
     <dgm:cxn modelId="{E698FC85-0071-407B-8223-5CC063A83A59}" type="presParOf" srcId="{B4DD45B5-21BA-4CB5-B510-8EC673BB99C6}" destId="{2A650A17-CE29-45F9-8A6E-34DC1DD994EA}" srcOrd="2" destOrd="0" presId="urn:microsoft.com/office/officeart/2018/2/layout/IconLabelList"/>
+  </dgm:cxnLst>
+  <dgm:bg/>
+  <dgm:whole/>
+  <dgm:extLst>
+    <a:ext uri="http://schemas.microsoft.com/office/drawing/2008/diagram">
+      <dsp:dataModelExt xmlns:dsp="http://schemas.microsoft.com/office/drawing/2008/diagram" relId="rId6" minVer="http://schemas.openxmlformats.org/drawingml/2006/diagram"/>
+    </a:ext>
+  </dgm:extLst>
+</dgm:dataModel>
+</file>
+
+<file path=ppt/diagrams/data4.xml><?xml version="1.0" encoding="utf-8"?>
+<dgm:dataModel xmlns:dgm="http://schemas.openxmlformats.org/drawingml/2006/diagram" xmlns:a="http://schemas.openxmlformats.org/drawingml/2006/main">
+  <dgm:ptLst>
+    <dgm:pt modelId="{BCE2FE74-52E5-404B-B2A5-CADBDA390144}" type="doc">
+      <dgm:prSet loTypeId="urn:microsoft.com/office/officeart/2018/2/layout/IconVerticalSolidList" loCatId="icon" qsTypeId="urn:microsoft.com/office/officeart/2005/8/quickstyle/simple1" qsCatId="simple" csTypeId="urn:microsoft.com/office/officeart/2018/5/colors/Iconchunking_neutralicontext_colorful1" csCatId="colorful" phldr="1"/>
+      <dgm:spPr/>
+      <dgm:t>
+        <a:bodyPr/>
+        <a:lstStyle/>
+        <a:p>
+          <a:endParaRPr lang="en-US"/>
+        </a:p>
+      </dgm:t>
+    </dgm:pt>
+    <dgm:pt modelId="{F268D74E-DD4B-4627-8DFF-B25C5D22BAD1}">
+      <dgm:prSet/>
+      <dgm:spPr/>
+      <dgm:t>
+        <a:bodyPr/>
+        <a:lstStyle/>
+        <a:p>
+          <a:r>
+            <a:rPr lang="de-DE"/>
+            <a:t>Fokussieren auf Laufzeit &amp; Speicherverbrauch</a:t>
+          </a:r>
+          <a:endParaRPr lang="en-US"/>
+        </a:p>
+      </dgm:t>
+    </dgm:pt>
+    <dgm:pt modelId="{245A0430-6F96-4439-8927-9803D4FE773E}" type="parTrans" cxnId="{E0C2B4E8-01B8-49B7-B1F3-D9A029998B49}">
+      <dgm:prSet/>
+      <dgm:spPr/>
+      <dgm:t>
+        <a:bodyPr/>
+        <a:lstStyle/>
+        <a:p>
+          <a:endParaRPr lang="en-US"/>
+        </a:p>
+      </dgm:t>
+    </dgm:pt>
+    <dgm:pt modelId="{8608FAB4-FA1B-4342-9548-51D6E37DFABD}" type="sibTrans" cxnId="{E0C2B4E8-01B8-49B7-B1F3-D9A029998B49}">
+      <dgm:prSet/>
+      <dgm:spPr/>
+      <dgm:t>
+        <a:bodyPr/>
+        <a:lstStyle/>
+        <a:p>
+          <a:endParaRPr lang="en-US"/>
+        </a:p>
+      </dgm:t>
+    </dgm:pt>
+    <dgm:pt modelId="{B1DF2398-E0DE-4A59-859E-0A534CBC24DB}">
+      <dgm:prSet/>
+      <dgm:spPr/>
+      <dgm:t>
+        <a:bodyPr/>
+        <a:lstStyle/>
+        <a:p>
+          <a:r>
+            <a:rPr lang="de-DE"/>
+            <a:t>Divide-and-Conquer</a:t>
+          </a:r>
+          <a:endParaRPr lang="en-US"/>
+        </a:p>
+      </dgm:t>
+    </dgm:pt>
+    <dgm:pt modelId="{2FAF8A1A-846A-4D07-9D28-6A2000F910B8}" type="parTrans" cxnId="{53E3FBA9-54E5-47FA-A72C-AB4C966B7B47}">
+      <dgm:prSet/>
+      <dgm:spPr/>
+      <dgm:t>
+        <a:bodyPr/>
+        <a:lstStyle/>
+        <a:p>
+          <a:endParaRPr lang="en-US"/>
+        </a:p>
+      </dgm:t>
+    </dgm:pt>
+    <dgm:pt modelId="{56231376-6062-4F3B-A0E5-C3CFB60059C4}" type="sibTrans" cxnId="{53E3FBA9-54E5-47FA-A72C-AB4C966B7B47}">
+      <dgm:prSet/>
+      <dgm:spPr/>
+      <dgm:t>
+        <a:bodyPr/>
+        <a:lstStyle/>
+        <a:p>
+          <a:endParaRPr lang="en-US"/>
+        </a:p>
+      </dgm:t>
+    </dgm:pt>
+    <dgm:pt modelId="{41AF50D0-21B1-414A-BBBC-F66CF86012E7}">
+      <dgm:prSet/>
+      <dgm:spPr/>
+      <dgm:t>
+        <a:bodyPr/>
+        <a:lstStyle/>
+        <a:p>
+          <a:r>
+            <a:rPr lang="de-DE"/>
+            <a:t>Optimieren von Datenstrukturen</a:t>
+          </a:r>
+          <a:endParaRPr lang="en-US"/>
+        </a:p>
+      </dgm:t>
+    </dgm:pt>
+    <dgm:pt modelId="{056422A0-B89D-415C-B7EC-1E45496412CC}" type="parTrans" cxnId="{9DA4CDB0-0BD5-43E0-BDE5-61372BA252E1}">
+      <dgm:prSet/>
+      <dgm:spPr/>
+      <dgm:t>
+        <a:bodyPr/>
+        <a:lstStyle/>
+        <a:p>
+          <a:endParaRPr lang="en-US"/>
+        </a:p>
+      </dgm:t>
+    </dgm:pt>
+    <dgm:pt modelId="{ACED35CE-64BF-4132-95AB-ADF3E0358F4D}" type="sibTrans" cxnId="{9DA4CDB0-0BD5-43E0-BDE5-61372BA252E1}">
+      <dgm:prSet/>
+      <dgm:spPr/>
+      <dgm:t>
+        <a:bodyPr/>
+        <a:lstStyle/>
+        <a:p>
+          <a:endParaRPr lang="en-US"/>
+        </a:p>
+      </dgm:t>
+    </dgm:pt>
+    <dgm:pt modelId="{0292EE4D-7824-4D8D-B071-80E5AA42024B}">
+      <dgm:prSet/>
+      <dgm:spPr/>
+      <dgm:t>
+        <a:bodyPr/>
+        <a:lstStyle/>
+        <a:p>
+          <a:r>
+            <a:rPr lang="de-DE"/>
+            <a:t>bspw. ArrayList vs. LinkedList</a:t>
+          </a:r>
+          <a:endParaRPr lang="en-US"/>
+        </a:p>
+      </dgm:t>
+    </dgm:pt>
+    <dgm:pt modelId="{CEAF8D70-64BF-4F02-9AA9-3F918BAED689}" type="parTrans" cxnId="{0691011F-4501-4B9B-9131-51EE5DB2EF23}">
+      <dgm:prSet/>
+      <dgm:spPr/>
+      <dgm:t>
+        <a:bodyPr/>
+        <a:lstStyle/>
+        <a:p>
+          <a:endParaRPr lang="en-US"/>
+        </a:p>
+      </dgm:t>
+    </dgm:pt>
+    <dgm:pt modelId="{C6924D74-CA58-442E-AEAE-78DD18B6626B}" type="sibTrans" cxnId="{0691011F-4501-4B9B-9131-51EE5DB2EF23}">
+      <dgm:prSet/>
+      <dgm:spPr/>
+      <dgm:t>
+        <a:bodyPr/>
+        <a:lstStyle/>
+        <a:p>
+          <a:endParaRPr lang="en-US"/>
+        </a:p>
+      </dgm:t>
+    </dgm:pt>
+    <dgm:pt modelId="{8BCBD22A-3425-4D13-8039-2BAF18E78752}">
+      <dgm:prSet/>
+      <dgm:spPr/>
+      <dgm:t>
+        <a:bodyPr/>
+        <a:lstStyle/>
+        <a:p>
+          <a:r>
+            <a:rPr lang="de-DE"/>
+            <a:t>Parallelisierung / Multithreading</a:t>
+          </a:r>
+          <a:endParaRPr lang="en-US"/>
+        </a:p>
+      </dgm:t>
+    </dgm:pt>
+    <dgm:pt modelId="{B4B79FFE-C8A9-43AB-9097-66A69F5F0F2C}" type="parTrans" cxnId="{FA93EDE6-03CE-454D-8B9B-A666333EBB66}">
+      <dgm:prSet/>
+      <dgm:spPr/>
+      <dgm:t>
+        <a:bodyPr/>
+        <a:lstStyle/>
+        <a:p>
+          <a:endParaRPr lang="en-US"/>
+        </a:p>
+      </dgm:t>
+    </dgm:pt>
+    <dgm:pt modelId="{0825F1A5-4033-4626-8956-E3A4A2E7A814}" type="sibTrans" cxnId="{FA93EDE6-03CE-454D-8B9B-A666333EBB66}">
+      <dgm:prSet/>
+      <dgm:spPr/>
+      <dgm:t>
+        <a:bodyPr/>
+        <a:lstStyle/>
+        <a:p>
+          <a:endParaRPr lang="en-US"/>
+        </a:p>
+      </dgm:t>
+    </dgm:pt>
+    <dgm:pt modelId="{F925E66F-A74D-4FCD-828B-489CD996823A}">
+      <dgm:prSet/>
+      <dgm:spPr/>
+      <dgm:t>
+        <a:bodyPr/>
+        <a:lstStyle/>
+        <a:p>
+          <a:r>
+            <a:rPr lang="de-DE"/>
+            <a:t>Aufteilen von Aufgaben</a:t>
+          </a:r>
+          <a:endParaRPr lang="en-US"/>
+        </a:p>
+      </dgm:t>
+    </dgm:pt>
+    <dgm:pt modelId="{A7C54548-682E-40D3-86A0-F77273CC4822}" type="parTrans" cxnId="{D64E5540-3004-4524-95A5-9019F1E032A3}">
+      <dgm:prSet/>
+      <dgm:spPr/>
+      <dgm:t>
+        <a:bodyPr/>
+        <a:lstStyle/>
+        <a:p>
+          <a:endParaRPr lang="en-US"/>
+        </a:p>
+      </dgm:t>
+    </dgm:pt>
+    <dgm:pt modelId="{8B3E3305-9AC6-4F71-B833-6E819C1A8413}" type="sibTrans" cxnId="{D64E5540-3004-4524-95A5-9019F1E032A3}">
+      <dgm:prSet/>
+      <dgm:spPr/>
+      <dgm:t>
+        <a:bodyPr/>
+        <a:lstStyle/>
+        <a:p>
+          <a:endParaRPr lang="en-US"/>
+        </a:p>
+      </dgm:t>
+    </dgm:pt>
+    <dgm:pt modelId="{BBF8BE34-3B8E-4A7C-9348-7962608F5D7A}">
+      <dgm:prSet/>
+      <dgm:spPr/>
+      <dgm:t>
+        <a:bodyPr/>
+        <a:lstStyle/>
+        <a:p>
+          <a:r>
+            <a:rPr lang="de-DE"/>
+            <a:t>Trade-Offs: Performance vs. Lesbarkeit/Wartbarkeit</a:t>
+          </a:r>
+          <a:endParaRPr lang="en-US"/>
+        </a:p>
+      </dgm:t>
+    </dgm:pt>
+    <dgm:pt modelId="{07E57270-D3F6-4931-B537-0140B3DF0F4D}" type="parTrans" cxnId="{9C951DBE-E1E1-49DD-B297-1AC7E2DE9EB6}">
+      <dgm:prSet/>
+      <dgm:spPr/>
+      <dgm:t>
+        <a:bodyPr/>
+        <a:lstStyle/>
+        <a:p>
+          <a:endParaRPr lang="en-US"/>
+        </a:p>
+      </dgm:t>
+    </dgm:pt>
+    <dgm:pt modelId="{124B4414-1021-4583-AF77-9165B0F02BCF}" type="sibTrans" cxnId="{9C951DBE-E1E1-49DD-B297-1AC7E2DE9EB6}">
+      <dgm:prSet/>
+      <dgm:spPr/>
+      <dgm:t>
+        <a:bodyPr/>
+        <a:lstStyle/>
+        <a:p>
+          <a:endParaRPr lang="en-US"/>
+        </a:p>
+      </dgm:t>
+    </dgm:pt>
+    <dgm:pt modelId="{FDCDA355-5525-4E3E-9A71-D0B50FA0FE63}" type="pres">
+      <dgm:prSet presAssocID="{BCE2FE74-52E5-404B-B2A5-CADBDA390144}" presName="root" presStyleCnt="0">
+        <dgm:presLayoutVars>
+          <dgm:dir/>
+          <dgm:resizeHandles val="exact"/>
+        </dgm:presLayoutVars>
+      </dgm:prSet>
+      <dgm:spPr/>
+    </dgm:pt>
+    <dgm:pt modelId="{F0D197E4-7177-491F-B9E9-5A7F45DD92D7}" type="pres">
+      <dgm:prSet presAssocID="{F268D74E-DD4B-4627-8DFF-B25C5D22BAD1}" presName="compNode" presStyleCnt="0"/>
+      <dgm:spPr/>
+    </dgm:pt>
+    <dgm:pt modelId="{45A10E4E-17E1-4E65-B75A-92C7980F6867}" type="pres">
+      <dgm:prSet presAssocID="{F268D74E-DD4B-4627-8DFF-B25C5D22BAD1}" presName="bgRect" presStyleLbl="bgShp" presStyleIdx="0" presStyleCnt="4"/>
+      <dgm:spPr/>
+    </dgm:pt>
+    <dgm:pt modelId="{F4FEC670-4279-4E1A-8689-6A65E2A24F29}" type="pres">
+      <dgm:prSet presAssocID="{F268D74E-DD4B-4627-8DFF-B25C5D22BAD1}" presName="iconRect" presStyleLbl="node1" presStyleIdx="0" presStyleCnt="4"/>
+      <dgm:spPr>
+        <a:blipFill>
+          <a:blip xmlns:r="http://schemas.openxmlformats.org/officeDocument/2006/relationships" r:embed="rId1">
+            <a:extLst>
+              <a:ext uri="{28A0092B-C50C-407E-A947-70E740481C1C}">
+                <a14:useLocalDpi xmlns:a14="http://schemas.microsoft.com/office/drawing/2010/main" val="0"/>
+              </a:ext>
+              <a:ext uri="{96DAC541-7B7A-43D3-8B79-37D633B846F1}">
+                <asvg:svgBlip xmlns:asvg="http://schemas.microsoft.com/office/drawing/2016/SVG/main" r:embed="rId2"/>
+              </a:ext>
+            </a:extLst>
+          </a:blip>
+          <a:stretch>
+            <a:fillRect/>
+          </a:stretch>
+        </a:blipFill>
+        <a:ln>
+          <a:noFill/>
+        </a:ln>
+      </dgm:spPr>
+      <dgm:extLst>
+        <a:ext uri="{E40237B7-FDA0-4F09-8148-C483321AD2D9}">
+          <dgm14:cNvPr xmlns:dgm14="http://schemas.microsoft.com/office/drawing/2010/diagram" id="0" name="" descr="Volltreffer"/>
+        </a:ext>
+      </dgm:extLst>
+    </dgm:pt>
+    <dgm:pt modelId="{F184FCFF-ABCD-4468-B676-1FA58882D6DD}" type="pres">
+      <dgm:prSet presAssocID="{F268D74E-DD4B-4627-8DFF-B25C5D22BAD1}" presName="spaceRect" presStyleCnt="0"/>
+      <dgm:spPr/>
+    </dgm:pt>
+    <dgm:pt modelId="{EF2C8BB0-2E12-4DB2-A5AA-27909841EFBC}" type="pres">
+      <dgm:prSet presAssocID="{F268D74E-DD4B-4627-8DFF-B25C5D22BAD1}" presName="parTx" presStyleLbl="revTx" presStyleIdx="0" presStyleCnt="7">
+        <dgm:presLayoutVars>
+          <dgm:chMax val="0"/>
+          <dgm:chPref val="0"/>
+        </dgm:presLayoutVars>
+      </dgm:prSet>
+      <dgm:spPr/>
+    </dgm:pt>
+    <dgm:pt modelId="{BDB8D363-7692-4299-BDEC-28A47B4326BD}" type="pres">
+      <dgm:prSet presAssocID="{F268D74E-DD4B-4627-8DFF-B25C5D22BAD1}" presName="desTx" presStyleLbl="revTx" presStyleIdx="1" presStyleCnt="7">
+        <dgm:presLayoutVars/>
+      </dgm:prSet>
+      <dgm:spPr/>
+    </dgm:pt>
+    <dgm:pt modelId="{219C97F8-DE45-4FB0-B165-E75B13F8AE3F}" type="pres">
+      <dgm:prSet presAssocID="{8608FAB4-FA1B-4342-9548-51D6E37DFABD}" presName="sibTrans" presStyleCnt="0"/>
+      <dgm:spPr/>
+    </dgm:pt>
+    <dgm:pt modelId="{51361544-28B9-41B2-9709-9B3B2B37C713}" type="pres">
+      <dgm:prSet presAssocID="{41AF50D0-21B1-414A-BBBC-F66CF86012E7}" presName="compNode" presStyleCnt="0"/>
+      <dgm:spPr/>
+    </dgm:pt>
+    <dgm:pt modelId="{15C89850-60BE-4728-86A5-11A3CBFD1A81}" type="pres">
+      <dgm:prSet presAssocID="{41AF50D0-21B1-414A-BBBC-F66CF86012E7}" presName="bgRect" presStyleLbl="bgShp" presStyleIdx="1" presStyleCnt="4"/>
+      <dgm:spPr/>
+    </dgm:pt>
+    <dgm:pt modelId="{D82207BF-C0A6-41A9-A2A0-18509E9AE9C2}" type="pres">
+      <dgm:prSet presAssocID="{41AF50D0-21B1-414A-BBBC-F66CF86012E7}" presName="iconRect" presStyleLbl="node1" presStyleIdx="1" presStyleCnt="4"/>
+      <dgm:spPr>
+        <a:blipFill>
+          <a:blip xmlns:r="http://schemas.openxmlformats.org/officeDocument/2006/relationships" r:embed="rId3">
+            <a:extLst>
+              <a:ext uri="{28A0092B-C50C-407E-A947-70E740481C1C}">
+                <a14:useLocalDpi xmlns:a14="http://schemas.microsoft.com/office/drawing/2010/main" val="0"/>
+              </a:ext>
+              <a:ext uri="{96DAC541-7B7A-43D3-8B79-37D633B846F1}">
+                <asvg:svgBlip xmlns:asvg="http://schemas.microsoft.com/office/drawing/2016/SVG/main" r:embed="rId4"/>
+              </a:ext>
+            </a:extLst>
+          </a:blip>
+          <a:stretch>
+            <a:fillRect/>
+          </a:stretch>
+        </a:blipFill>
+        <a:ln>
+          <a:noFill/>
+        </a:ln>
+      </dgm:spPr>
+      <dgm:extLst>
+        <a:ext uri="{E40237B7-FDA0-4F09-8148-C483321AD2D9}">
+          <dgm14:cNvPr xmlns:dgm14="http://schemas.microsoft.com/office/drawing/2010/diagram" id="0" name="" descr="Zahnräder"/>
+        </a:ext>
+      </dgm:extLst>
+    </dgm:pt>
+    <dgm:pt modelId="{B87B1A21-8F89-41E8-AFA7-D751133A26AF}" type="pres">
+      <dgm:prSet presAssocID="{41AF50D0-21B1-414A-BBBC-F66CF86012E7}" presName="spaceRect" presStyleCnt="0"/>
+      <dgm:spPr/>
+    </dgm:pt>
+    <dgm:pt modelId="{67BBBDC7-DB58-45EA-9E8A-F087EC050FFA}" type="pres">
+      <dgm:prSet presAssocID="{41AF50D0-21B1-414A-BBBC-F66CF86012E7}" presName="parTx" presStyleLbl="revTx" presStyleIdx="2" presStyleCnt="7">
+        <dgm:presLayoutVars>
+          <dgm:chMax val="0"/>
+          <dgm:chPref val="0"/>
+        </dgm:presLayoutVars>
+      </dgm:prSet>
+      <dgm:spPr/>
+    </dgm:pt>
+    <dgm:pt modelId="{7ACBA7B8-0177-43BE-B25E-4F3E131F227C}" type="pres">
+      <dgm:prSet presAssocID="{41AF50D0-21B1-414A-BBBC-F66CF86012E7}" presName="desTx" presStyleLbl="revTx" presStyleIdx="3" presStyleCnt="7">
+        <dgm:presLayoutVars/>
+      </dgm:prSet>
+      <dgm:spPr/>
+    </dgm:pt>
+    <dgm:pt modelId="{A9058F4D-6EEE-46A3-A88C-DBF3A93BCB10}" type="pres">
+      <dgm:prSet presAssocID="{ACED35CE-64BF-4132-95AB-ADF3E0358F4D}" presName="sibTrans" presStyleCnt="0"/>
+      <dgm:spPr/>
+    </dgm:pt>
+    <dgm:pt modelId="{4CC4BC2D-9560-4CBB-BCB8-6BA2F6349BCE}" type="pres">
+      <dgm:prSet presAssocID="{8BCBD22A-3425-4D13-8039-2BAF18E78752}" presName="compNode" presStyleCnt="0"/>
+      <dgm:spPr/>
+    </dgm:pt>
+    <dgm:pt modelId="{8FC68E12-6D85-43C6-94B1-B60209BDF445}" type="pres">
+      <dgm:prSet presAssocID="{8BCBD22A-3425-4D13-8039-2BAF18E78752}" presName="bgRect" presStyleLbl="bgShp" presStyleIdx="2" presStyleCnt="4"/>
+      <dgm:spPr/>
+    </dgm:pt>
+    <dgm:pt modelId="{B8908FD4-49C8-4EEA-B429-494765C68D04}" type="pres">
+      <dgm:prSet presAssocID="{8BCBD22A-3425-4D13-8039-2BAF18E78752}" presName="iconRect" presStyleLbl="node1" presStyleIdx="2" presStyleCnt="4"/>
+      <dgm:spPr>
+        <a:blipFill>
+          <a:blip xmlns:r="http://schemas.openxmlformats.org/officeDocument/2006/relationships" r:embed="rId5">
+            <a:extLst>
+              <a:ext uri="{28A0092B-C50C-407E-A947-70E740481C1C}">
+                <a14:useLocalDpi xmlns:a14="http://schemas.microsoft.com/office/drawing/2010/main" val="0"/>
+              </a:ext>
+              <a:ext uri="{96DAC541-7B7A-43D3-8B79-37D633B846F1}">
+                <asvg:svgBlip xmlns:asvg="http://schemas.microsoft.com/office/drawing/2016/SVG/main" r:embed="rId6"/>
+              </a:ext>
+            </a:extLst>
+          </a:blip>
+          <a:stretch>
+            <a:fillRect/>
+          </a:stretch>
+        </a:blipFill>
+        <a:ln>
+          <a:noFill/>
+        </a:ln>
+      </dgm:spPr>
+      <dgm:extLst>
+        <a:ext uri="{E40237B7-FDA0-4F09-8148-C483321AD2D9}">
+          <dgm14:cNvPr xmlns:dgm14="http://schemas.microsoft.com/office/drawing/2010/diagram" id="0" name="" descr="Branching Diagram"/>
+        </a:ext>
+      </dgm:extLst>
+    </dgm:pt>
+    <dgm:pt modelId="{2EF1943F-6EF6-4649-8C24-76A254E1934B}" type="pres">
+      <dgm:prSet presAssocID="{8BCBD22A-3425-4D13-8039-2BAF18E78752}" presName="spaceRect" presStyleCnt="0"/>
+      <dgm:spPr/>
+    </dgm:pt>
+    <dgm:pt modelId="{1609541C-6EA2-4640-96D7-EEFA4E387C2D}" type="pres">
+      <dgm:prSet presAssocID="{8BCBD22A-3425-4D13-8039-2BAF18E78752}" presName="parTx" presStyleLbl="revTx" presStyleIdx="4" presStyleCnt="7">
+        <dgm:presLayoutVars>
+          <dgm:chMax val="0"/>
+          <dgm:chPref val="0"/>
+        </dgm:presLayoutVars>
+      </dgm:prSet>
+      <dgm:spPr/>
+    </dgm:pt>
+    <dgm:pt modelId="{9C0CE98C-8B7B-47EB-AD3B-9A5A72752462}" type="pres">
+      <dgm:prSet presAssocID="{8BCBD22A-3425-4D13-8039-2BAF18E78752}" presName="desTx" presStyleLbl="revTx" presStyleIdx="5" presStyleCnt="7">
+        <dgm:presLayoutVars/>
+      </dgm:prSet>
+      <dgm:spPr/>
+    </dgm:pt>
+    <dgm:pt modelId="{85C0B7C5-5363-4888-8514-2237AABC29C2}" type="pres">
+      <dgm:prSet presAssocID="{0825F1A5-4033-4626-8956-E3A4A2E7A814}" presName="sibTrans" presStyleCnt="0"/>
+      <dgm:spPr/>
+    </dgm:pt>
+    <dgm:pt modelId="{7AEE4EE5-3178-469C-BE93-9FB7C1C316BB}" type="pres">
+      <dgm:prSet presAssocID="{BBF8BE34-3B8E-4A7C-9348-7962608F5D7A}" presName="compNode" presStyleCnt="0"/>
+      <dgm:spPr/>
+    </dgm:pt>
+    <dgm:pt modelId="{0A2729AF-B1D5-4BE5-B614-11E391B24E53}" type="pres">
+      <dgm:prSet presAssocID="{BBF8BE34-3B8E-4A7C-9348-7962608F5D7A}" presName="bgRect" presStyleLbl="bgShp" presStyleIdx="3" presStyleCnt="4"/>
+      <dgm:spPr/>
+    </dgm:pt>
+    <dgm:pt modelId="{9EC74A2B-2E3A-4BEF-8D37-024EE8BB5728}" type="pres">
+      <dgm:prSet presAssocID="{BBF8BE34-3B8E-4A7C-9348-7962608F5D7A}" presName="iconRect" presStyleLbl="node1" presStyleIdx="3" presStyleCnt="4"/>
+      <dgm:spPr>
+        <a:blipFill>
+          <a:blip xmlns:r="http://schemas.openxmlformats.org/officeDocument/2006/relationships" r:embed="rId7">
+            <a:extLst>
+              <a:ext uri="{28A0092B-C50C-407E-A947-70E740481C1C}">
+                <a14:useLocalDpi xmlns:a14="http://schemas.microsoft.com/office/drawing/2010/main" val="0"/>
+              </a:ext>
+              <a:ext uri="{96DAC541-7B7A-43D3-8B79-37D633B846F1}">
+                <asvg:svgBlip xmlns:asvg="http://schemas.microsoft.com/office/drawing/2016/SVG/main" r:embed="rId8"/>
+              </a:ext>
+            </a:extLst>
+          </a:blip>
+          <a:stretch>
+            <a:fillRect/>
+          </a:stretch>
+        </a:blipFill>
+        <a:ln>
+          <a:noFill/>
+        </a:ln>
+      </dgm:spPr>
+      <dgm:extLst>
+        <a:ext uri="{E40237B7-FDA0-4F09-8148-C483321AD2D9}">
+          <dgm14:cNvPr xmlns:dgm14="http://schemas.microsoft.com/office/drawing/2010/diagram" id="0" name="" descr="Häkchen"/>
+        </a:ext>
+      </dgm:extLst>
+    </dgm:pt>
+    <dgm:pt modelId="{24337536-D3FD-444E-99E1-ECCEBCC42C62}" type="pres">
+      <dgm:prSet presAssocID="{BBF8BE34-3B8E-4A7C-9348-7962608F5D7A}" presName="spaceRect" presStyleCnt="0"/>
+      <dgm:spPr/>
+    </dgm:pt>
+    <dgm:pt modelId="{117C8698-DC2D-46C9-A593-F46497A0B7D1}" type="pres">
+      <dgm:prSet presAssocID="{BBF8BE34-3B8E-4A7C-9348-7962608F5D7A}" presName="parTx" presStyleLbl="revTx" presStyleIdx="6" presStyleCnt="7">
+        <dgm:presLayoutVars>
+          <dgm:chMax val="0"/>
+          <dgm:chPref val="0"/>
+        </dgm:presLayoutVars>
+      </dgm:prSet>
+      <dgm:spPr/>
+    </dgm:pt>
+  </dgm:ptLst>
+  <dgm:cxnLst>
+    <dgm:cxn modelId="{4546B710-A47E-40C9-8D73-304250ADD6A9}" type="presOf" srcId="{41AF50D0-21B1-414A-BBBC-F66CF86012E7}" destId="{67BBBDC7-DB58-45EA-9E8A-F087EC050FFA}" srcOrd="0" destOrd="0" presId="urn:microsoft.com/office/officeart/2018/2/layout/IconVerticalSolidList"/>
+    <dgm:cxn modelId="{6C9A6116-9044-4AA6-973E-046191FE5F6C}" type="presOf" srcId="{BCE2FE74-52E5-404B-B2A5-CADBDA390144}" destId="{FDCDA355-5525-4E3E-9A71-D0B50FA0FE63}" srcOrd="0" destOrd="0" presId="urn:microsoft.com/office/officeart/2018/2/layout/IconVerticalSolidList"/>
+    <dgm:cxn modelId="{0691011F-4501-4B9B-9131-51EE5DB2EF23}" srcId="{41AF50D0-21B1-414A-BBBC-F66CF86012E7}" destId="{0292EE4D-7824-4D8D-B071-80E5AA42024B}" srcOrd="0" destOrd="0" parTransId="{CEAF8D70-64BF-4F02-9AA9-3F918BAED689}" sibTransId="{C6924D74-CA58-442E-AEAE-78DD18B6626B}"/>
+    <dgm:cxn modelId="{C3CB9F3E-FB97-4F7B-897E-220F21027466}" type="presOf" srcId="{0292EE4D-7824-4D8D-B071-80E5AA42024B}" destId="{7ACBA7B8-0177-43BE-B25E-4F3E131F227C}" srcOrd="0" destOrd="0" presId="urn:microsoft.com/office/officeart/2018/2/layout/IconVerticalSolidList"/>
+    <dgm:cxn modelId="{D64E5540-3004-4524-95A5-9019F1E032A3}" srcId="{8BCBD22A-3425-4D13-8039-2BAF18E78752}" destId="{F925E66F-A74D-4FCD-828B-489CD996823A}" srcOrd="0" destOrd="0" parTransId="{A7C54548-682E-40D3-86A0-F77273CC4822}" sibTransId="{8B3E3305-9AC6-4F71-B833-6E819C1A8413}"/>
+    <dgm:cxn modelId="{CAB86A5F-9EA7-461E-864B-6535B6EE9523}" type="presOf" srcId="{8BCBD22A-3425-4D13-8039-2BAF18E78752}" destId="{1609541C-6EA2-4640-96D7-EEFA4E387C2D}" srcOrd="0" destOrd="0" presId="urn:microsoft.com/office/officeart/2018/2/layout/IconVerticalSolidList"/>
+    <dgm:cxn modelId="{47C8336F-629F-4451-B12A-86B6168A6940}" type="presOf" srcId="{BBF8BE34-3B8E-4A7C-9348-7962608F5D7A}" destId="{117C8698-DC2D-46C9-A593-F46497A0B7D1}" srcOrd="0" destOrd="0" presId="urn:microsoft.com/office/officeart/2018/2/layout/IconVerticalSolidList"/>
+    <dgm:cxn modelId="{01FA2E9B-FA5A-4389-BFAB-D8F205FD56EF}" type="presOf" srcId="{B1DF2398-E0DE-4A59-859E-0A534CBC24DB}" destId="{BDB8D363-7692-4299-BDEC-28A47B4326BD}" srcOrd="0" destOrd="0" presId="urn:microsoft.com/office/officeart/2018/2/layout/IconVerticalSolidList"/>
+    <dgm:cxn modelId="{53E3FBA9-54E5-47FA-A72C-AB4C966B7B47}" srcId="{F268D74E-DD4B-4627-8DFF-B25C5D22BAD1}" destId="{B1DF2398-E0DE-4A59-859E-0A534CBC24DB}" srcOrd="0" destOrd="0" parTransId="{2FAF8A1A-846A-4D07-9D28-6A2000F910B8}" sibTransId="{56231376-6062-4F3B-A0E5-C3CFB60059C4}"/>
+    <dgm:cxn modelId="{4D7A85AD-57CB-4294-B847-818D4F0633F4}" type="presOf" srcId="{F925E66F-A74D-4FCD-828B-489CD996823A}" destId="{9C0CE98C-8B7B-47EB-AD3B-9A5A72752462}" srcOrd="0" destOrd="0" presId="urn:microsoft.com/office/officeart/2018/2/layout/IconVerticalSolidList"/>
+    <dgm:cxn modelId="{9DA4CDB0-0BD5-43E0-BDE5-61372BA252E1}" srcId="{BCE2FE74-52E5-404B-B2A5-CADBDA390144}" destId="{41AF50D0-21B1-414A-BBBC-F66CF86012E7}" srcOrd="1" destOrd="0" parTransId="{056422A0-B89D-415C-B7EC-1E45496412CC}" sibTransId="{ACED35CE-64BF-4132-95AB-ADF3E0358F4D}"/>
+    <dgm:cxn modelId="{9C951DBE-E1E1-49DD-B297-1AC7E2DE9EB6}" srcId="{BCE2FE74-52E5-404B-B2A5-CADBDA390144}" destId="{BBF8BE34-3B8E-4A7C-9348-7962608F5D7A}" srcOrd="3" destOrd="0" parTransId="{07E57270-D3F6-4931-B537-0140B3DF0F4D}" sibTransId="{124B4414-1021-4583-AF77-9165B0F02BCF}"/>
+    <dgm:cxn modelId="{D39812D6-9E0C-4784-808F-BD2B9E333BB1}" type="presOf" srcId="{F268D74E-DD4B-4627-8DFF-B25C5D22BAD1}" destId="{EF2C8BB0-2E12-4DB2-A5AA-27909841EFBC}" srcOrd="0" destOrd="0" presId="urn:microsoft.com/office/officeart/2018/2/layout/IconVerticalSolidList"/>
+    <dgm:cxn modelId="{FA93EDE6-03CE-454D-8B9B-A666333EBB66}" srcId="{BCE2FE74-52E5-404B-B2A5-CADBDA390144}" destId="{8BCBD22A-3425-4D13-8039-2BAF18E78752}" srcOrd="2" destOrd="0" parTransId="{B4B79FFE-C8A9-43AB-9097-66A69F5F0F2C}" sibTransId="{0825F1A5-4033-4626-8956-E3A4A2E7A814}"/>
+    <dgm:cxn modelId="{E0C2B4E8-01B8-49B7-B1F3-D9A029998B49}" srcId="{BCE2FE74-52E5-404B-B2A5-CADBDA390144}" destId="{F268D74E-DD4B-4627-8DFF-B25C5D22BAD1}" srcOrd="0" destOrd="0" parTransId="{245A0430-6F96-4439-8927-9803D4FE773E}" sibTransId="{8608FAB4-FA1B-4342-9548-51D6E37DFABD}"/>
+    <dgm:cxn modelId="{0E2FB9ED-3EBF-4B9B-8A07-7E9E01AD227F}" type="presParOf" srcId="{FDCDA355-5525-4E3E-9A71-D0B50FA0FE63}" destId="{F0D197E4-7177-491F-B9E9-5A7F45DD92D7}" srcOrd="0" destOrd="0" presId="urn:microsoft.com/office/officeart/2018/2/layout/IconVerticalSolidList"/>
+    <dgm:cxn modelId="{66E4B718-738F-454F-AA74-02093A63D395}" type="presParOf" srcId="{F0D197E4-7177-491F-B9E9-5A7F45DD92D7}" destId="{45A10E4E-17E1-4E65-B75A-92C7980F6867}" srcOrd="0" destOrd="0" presId="urn:microsoft.com/office/officeart/2018/2/layout/IconVerticalSolidList"/>
+    <dgm:cxn modelId="{30B07AE2-2078-4A53-A1A2-0FB49DFC810B}" type="presParOf" srcId="{F0D197E4-7177-491F-B9E9-5A7F45DD92D7}" destId="{F4FEC670-4279-4E1A-8689-6A65E2A24F29}" srcOrd="1" destOrd="0" presId="urn:microsoft.com/office/officeart/2018/2/layout/IconVerticalSolidList"/>
+    <dgm:cxn modelId="{AA0545B4-C6E6-445A-BDDB-2D5CD2ABD544}" type="presParOf" srcId="{F0D197E4-7177-491F-B9E9-5A7F45DD92D7}" destId="{F184FCFF-ABCD-4468-B676-1FA58882D6DD}" srcOrd="2" destOrd="0" presId="urn:microsoft.com/office/officeart/2018/2/layout/IconVerticalSolidList"/>
+    <dgm:cxn modelId="{AD598C06-9BEA-48BD-A9B1-6D5E51C1A1F8}" type="presParOf" srcId="{F0D197E4-7177-491F-B9E9-5A7F45DD92D7}" destId="{EF2C8BB0-2E12-4DB2-A5AA-27909841EFBC}" srcOrd="3" destOrd="0" presId="urn:microsoft.com/office/officeart/2018/2/layout/IconVerticalSolidList"/>
+    <dgm:cxn modelId="{83CA4E06-4992-4B48-BC51-7F69259D2C04}" type="presParOf" srcId="{F0D197E4-7177-491F-B9E9-5A7F45DD92D7}" destId="{BDB8D363-7692-4299-BDEC-28A47B4326BD}" srcOrd="4" destOrd="0" presId="urn:microsoft.com/office/officeart/2018/2/layout/IconVerticalSolidList"/>
+    <dgm:cxn modelId="{5238B9BB-7A5F-45D0-A902-045C4BF8B190}" type="presParOf" srcId="{FDCDA355-5525-4E3E-9A71-D0B50FA0FE63}" destId="{219C97F8-DE45-4FB0-B165-E75B13F8AE3F}" srcOrd="1" destOrd="0" presId="urn:microsoft.com/office/officeart/2018/2/layout/IconVerticalSolidList"/>
+    <dgm:cxn modelId="{FF0D5CED-060A-4884-BCC2-0369E5E1B44D}" type="presParOf" srcId="{FDCDA355-5525-4E3E-9A71-D0B50FA0FE63}" destId="{51361544-28B9-41B2-9709-9B3B2B37C713}" srcOrd="2" destOrd="0" presId="urn:microsoft.com/office/officeart/2018/2/layout/IconVerticalSolidList"/>
+    <dgm:cxn modelId="{B2B423D6-4114-4A96-A718-9DB1B196033F}" type="presParOf" srcId="{51361544-28B9-41B2-9709-9B3B2B37C713}" destId="{15C89850-60BE-4728-86A5-11A3CBFD1A81}" srcOrd="0" destOrd="0" presId="urn:microsoft.com/office/officeart/2018/2/layout/IconVerticalSolidList"/>
+    <dgm:cxn modelId="{45741B4C-487E-45DA-862A-565B43444B47}" type="presParOf" srcId="{51361544-28B9-41B2-9709-9B3B2B37C713}" destId="{D82207BF-C0A6-41A9-A2A0-18509E9AE9C2}" srcOrd="1" destOrd="0" presId="urn:microsoft.com/office/officeart/2018/2/layout/IconVerticalSolidList"/>
+    <dgm:cxn modelId="{C9A5F558-A110-49C1-9A9A-BDD5E963767B}" type="presParOf" srcId="{51361544-28B9-41B2-9709-9B3B2B37C713}" destId="{B87B1A21-8F89-41E8-AFA7-D751133A26AF}" srcOrd="2" destOrd="0" presId="urn:microsoft.com/office/officeart/2018/2/layout/IconVerticalSolidList"/>
+    <dgm:cxn modelId="{B9B06FC3-7DB8-4776-A7E3-669EC529AE10}" type="presParOf" srcId="{51361544-28B9-41B2-9709-9B3B2B37C713}" destId="{67BBBDC7-DB58-45EA-9E8A-F087EC050FFA}" srcOrd="3" destOrd="0" presId="urn:microsoft.com/office/officeart/2018/2/layout/IconVerticalSolidList"/>
+    <dgm:cxn modelId="{87A1CF3D-8D00-4F9C-BA8E-5C792B412F68}" type="presParOf" srcId="{51361544-28B9-41B2-9709-9B3B2B37C713}" destId="{7ACBA7B8-0177-43BE-B25E-4F3E131F227C}" srcOrd="4" destOrd="0" presId="urn:microsoft.com/office/officeart/2018/2/layout/IconVerticalSolidList"/>
+    <dgm:cxn modelId="{3EAC89E5-B45C-40C2-9747-C724F57A78C2}" type="presParOf" srcId="{FDCDA355-5525-4E3E-9A71-D0B50FA0FE63}" destId="{A9058F4D-6EEE-46A3-A88C-DBF3A93BCB10}" srcOrd="3" destOrd="0" presId="urn:microsoft.com/office/officeart/2018/2/layout/IconVerticalSolidList"/>
+    <dgm:cxn modelId="{FE3DCD35-605E-48A6-8613-F20963F69992}" type="presParOf" srcId="{FDCDA355-5525-4E3E-9A71-D0B50FA0FE63}" destId="{4CC4BC2D-9560-4CBB-BCB8-6BA2F6349BCE}" srcOrd="4" destOrd="0" presId="urn:microsoft.com/office/officeart/2018/2/layout/IconVerticalSolidList"/>
+    <dgm:cxn modelId="{E2F432F2-F46E-4BFC-AD36-D39470A1ED8E}" type="presParOf" srcId="{4CC4BC2D-9560-4CBB-BCB8-6BA2F6349BCE}" destId="{8FC68E12-6D85-43C6-94B1-B60209BDF445}" srcOrd="0" destOrd="0" presId="urn:microsoft.com/office/officeart/2018/2/layout/IconVerticalSolidList"/>
+    <dgm:cxn modelId="{18B31BE1-6EB3-4377-956B-2B976E22B6D5}" type="presParOf" srcId="{4CC4BC2D-9560-4CBB-BCB8-6BA2F6349BCE}" destId="{B8908FD4-49C8-4EEA-B429-494765C68D04}" srcOrd="1" destOrd="0" presId="urn:microsoft.com/office/officeart/2018/2/layout/IconVerticalSolidList"/>
+    <dgm:cxn modelId="{FECCFA63-5BC6-4AAC-A10E-A54E34DFF1A6}" type="presParOf" srcId="{4CC4BC2D-9560-4CBB-BCB8-6BA2F6349BCE}" destId="{2EF1943F-6EF6-4649-8C24-76A254E1934B}" srcOrd="2" destOrd="0" presId="urn:microsoft.com/office/officeart/2018/2/layout/IconVerticalSolidList"/>
+    <dgm:cxn modelId="{71D5B74B-47FA-4BD6-8F88-BDA9EF90FC2D}" type="presParOf" srcId="{4CC4BC2D-9560-4CBB-BCB8-6BA2F6349BCE}" destId="{1609541C-6EA2-4640-96D7-EEFA4E387C2D}" srcOrd="3" destOrd="0" presId="urn:microsoft.com/office/officeart/2018/2/layout/IconVerticalSolidList"/>
+    <dgm:cxn modelId="{2212E516-E55A-4902-8FA2-33594B79B23A}" type="presParOf" srcId="{4CC4BC2D-9560-4CBB-BCB8-6BA2F6349BCE}" destId="{9C0CE98C-8B7B-47EB-AD3B-9A5A72752462}" srcOrd="4" destOrd="0" presId="urn:microsoft.com/office/officeart/2018/2/layout/IconVerticalSolidList"/>
+    <dgm:cxn modelId="{715B3066-31A2-4B0F-ACEB-28000A060BE0}" type="presParOf" srcId="{FDCDA355-5525-4E3E-9A71-D0B50FA0FE63}" destId="{85C0B7C5-5363-4888-8514-2237AABC29C2}" srcOrd="5" destOrd="0" presId="urn:microsoft.com/office/officeart/2018/2/layout/IconVerticalSolidList"/>
+    <dgm:cxn modelId="{A78C7156-0CA8-41EF-BB70-0A88D0E0B679}" type="presParOf" srcId="{FDCDA355-5525-4E3E-9A71-D0B50FA0FE63}" destId="{7AEE4EE5-3178-469C-BE93-9FB7C1C316BB}" srcOrd="6" destOrd="0" presId="urn:microsoft.com/office/officeart/2018/2/layout/IconVerticalSolidList"/>
+    <dgm:cxn modelId="{3AC644AB-E60C-4676-A841-A801873DFF61}" type="presParOf" srcId="{7AEE4EE5-3178-469C-BE93-9FB7C1C316BB}" destId="{0A2729AF-B1D5-4BE5-B614-11E391B24E53}" srcOrd="0" destOrd="0" presId="urn:microsoft.com/office/officeart/2018/2/layout/IconVerticalSolidList"/>
+    <dgm:cxn modelId="{D7A10912-ED2C-49F3-BD52-BE7E1963E2A0}" type="presParOf" srcId="{7AEE4EE5-3178-469C-BE93-9FB7C1C316BB}" destId="{9EC74A2B-2E3A-4BEF-8D37-024EE8BB5728}" srcOrd="1" destOrd="0" presId="urn:microsoft.com/office/officeart/2018/2/layout/IconVerticalSolidList"/>
+    <dgm:cxn modelId="{1FABA5BB-AD14-41A9-BB38-13266216D08C}" type="presParOf" srcId="{7AEE4EE5-3178-469C-BE93-9FB7C1C316BB}" destId="{24337536-D3FD-444E-99E1-ECCEBCC42C62}" srcOrd="2" destOrd="0" presId="urn:microsoft.com/office/officeart/2018/2/layout/IconVerticalSolidList"/>
+    <dgm:cxn modelId="{1F23D246-0D16-4E2F-8446-7F082DC2219A}" type="presParOf" srcId="{7AEE4EE5-3178-469C-BE93-9FB7C1C316BB}" destId="{117C8698-DC2D-46C9-A593-F46497A0B7D1}" srcOrd="3" destOrd="0" presId="urn:microsoft.com/office/officeart/2018/2/layout/IconVerticalSolidList"/>
   </dgm:cxnLst>
   <dgm:bg/>
   <dgm:whole/>
@@ -5007,6 +6490,805 @@
 </dsp:drawing>
 </file>
 
+<file path=ppt/diagrams/drawing4.xml><?xml version="1.0" encoding="utf-8"?>
+<dsp:drawing xmlns:dgm="http://schemas.openxmlformats.org/drawingml/2006/diagram" xmlns:dsp="http://schemas.microsoft.com/office/drawing/2008/diagram" xmlns:a="http://schemas.openxmlformats.org/drawingml/2006/main">
+  <dsp:spTree>
+    <dsp:nvGrpSpPr>
+      <dsp:cNvPr id="0" name=""/>
+      <dsp:cNvGrpSpPr/>
+    </dsp:nvGrpSpPr>
+    <dsp:grpSpPr/>
+    <dsp:sp modelId="{45A10E4E-17E1-4E65-B75A-92C7980F6867}">
+      <dsp:nvSpPr>
+        <dsp:cNvPr id="0" name=""/>
+        <dsp:cNvSpPr/>
+      </dsp:nvSpPr>
+      <dsp:spPr>
+        <a:xfrm>
+          <a:off x="0" y="1698"/>
+          <a:ext cx="9618133" cy="861070"/>
+        </a:xfrm>
+        <a:prstGeom prst="roundRect">
+          <a:avLst>
+            <a:gd name="adj" fmla="val 10000"/>
+          </a:avLst>
+        </a:prstGeom>
+        <a:solidFill>
+          <a:schemeClr val="accent2">
+            <a:hueOff val="0"/>
+            <a:satOff val="0"/>
+            <a:lumOff val="0"/>
+            <a:alphaOff val="0"/>
+          </a:schemeClr>
+        </a:solidFill>
+        <a:ln>
+          <a:noFill/>
+        </a:ln>
+        <a:effectLst/>
+      </dsp:spPr>
+      <dsp:style>
+        <a:lnRef idx="0">
+          <a:scrgbClr r="0" g="0" b="0"/>
+        </a:lnRef>
+        <a:fillRef idx="1">
+          <a:scrgbClr r="0" g="0" b="0"/>
+        </a:fillRef>
+        <a:effectRef idx="0">
+          <a:scrgbClr r="0" g="0" b="0"/>
+        </a:effectRef>
+        <a:fontRef idx="minor"/>
+      </dsp:style>
+    </dsp:sp>
+    <dsp:sp modelId="{F4FEC670-4279-4E1A-8689-6A65E2A24F29}">
+      <dsp:nvSpPr>
+        <dsp:cNvPr id="0" name=""/>
+        <dsp:cNvSpPr/>
+      </dsp:nvSpPr>
+      <dsp:spPr>
+        <a:xfrm>
+          <a:off x="260473" y="195439"/>
+          <a:ext cx="473588" cy="473588"/>
+        </a:xfrm>
+        <a:prstGeom prst="rect">
+          <a:avLst/>
+        </a:prstGeom>
+        <a:blipFill>
+          <a:blip xmlns:r="http://schemas.openxmlformats.org/officeDocument/2006/relationships" r:embed="rId1">
+            <a:extLst>
+              <a:ext uri="{28A0092B-C50C-407E-A947-70E740481C1C}">
+                <a14:useLocalDpi xmlns:a14="http://schemas.microsoft.com/office/drawing/2010/main" val="0"/>
+              </a:ext>
+              <a:ext uri="{96DAC541-7B7A-43D3-8B79-37D633B846F1}">
+                <asvg:svgBlip xmlns:asvg="http://schemas.microsoft.com/office/drawing/2016/SVG/main" r:embed="rId2"/>
+              </a:ext>
+            </a:extLst>
+          </a:blip>
+          <a:stretch>
+            <a:fillRect/>
+          </a:stretch>
+        </a:blipFill>
+        <a:ln w="19050" cap="rnd" cmpd="sng" algn="ctr">
+          <a:noFill/>
+          <a:prstDash val="solid"/>
+        </a:ln>
+        <a:effectLst/>
+      </dsp:spPr>
+      <dsp:style>
+        <a:lnRef idx="2">
+          <a:scrgbClr r="0" g="0" b="0"/>
+        </a:lnRef>
+        <a:fillRef idx="1">
+          <a:scrgbClr r="0" g="0" b="0"/>
+        </a:fillRef>
+        <a:effectRef idx="0">
+          <a:scrgbClr r="0" g="0" b="0"/>
+        </a:effectRef>
+        <a:fontRef idx="minor">
+          <a:schemeClr val="lt1"/>
+        </a:fontRef>
+      </dsp:style>
+    </dsp:sp>
+    <dsp:sp modelId="{EF2C8BB0-2E12-4DB2-A5AA-27909841EFBC}">
+      <dsp:nvSpPr>
+        <dsp:cNvPr id="0" name=""/>
+        <dsp:cNvSpPr/>
+      </dsp:nvSpPr>
+      <dsp:spPr>
+        <a:xfrm>
+          <a:off x="994536" y="1698"/>
+          <a:ext cx="4328159" cy="861070"/>
+        </a:xfrm>
+        <a:prstGeom prst="rect">
+          <a:avLst/>
+        </a:prstGeom>
+        <a:noFill/>
+        <a:ln>
+          <a:noFill/>
+        </a:ln>
+        <a:effectLst/>
+      </dsp:spPr>
+      <dsp:style>
+        <a:lnRef idx="0">
+          <a:scrgbClr r="0" g="0" b="0"/>
+        </a:lnRef>
+        <a:fillRef idx="0">
+          <a:scrgbClr r="0" g="0" b="0"/>
+        </a:fillRef>
+        <a:effectRef idx="0">
+          <a:scrgbClr r="0" g="0" b="0"/>
+        </a:effectRef>
+        <a:fontRef idx="minor"/>
+      </dsp:style>
+      <dsp:txBody>
+        <a:bodyPr spcFirstLastPara="0" vert="horz" wrap="square" lIns="91130" tIns="91130" rIns="91130" bIns="91130" numCol="1" spcCol="1270" anchor="ctr" anchorCtr="0">
+          <a:noAutofit/>
+        </a:bodyPr>
+        <a:lstStyle/>
+        <a:p>
+          <a:pPr marL="0" lvl="0" indent="0" algn="l" defTabSz="977900">
+            <a:lnSpc>
+              <a:spcPct val="90000"/>
+            </a:lnSpc>
+            <a:spcBef>
+              <a:spcPct val="0"/>
+            </a:spcBef>
+            <a:spcAft>
+              <a:spcPct val="35000"/>
+            </a:spcAft>
+            <a:buNone/>
+          </a:pPr>
+          <a:r>
+            <a:rPr lang="de-DE" sz="2200" kern="1200"/>
+            <a:t>Fokussieren auf Laufzeit &amp; Speicherverbrauch</a:t>
+          </a:r>
+          <a:endParaRPr lang="en-US" sz="2200" kern="1200"/>
+        </a:p>
+      </dsp:txBody>
+      <dsp:txXfrm>
+        <a:off x="994536" y="1698"/>
+        <a:ext cx="4328159" cy="861070"/>
+      </dsp:txXfrm>
+    </dsp:sp>
+    <dsp:sp modelId="{BDB8D363-7692-4299-BDEC-28A47B4326BD}">
+      <dsp:nvSpPr>
+        <dsp:cNvPr id="0" name=""/>
+        <dsp:cNvSpPr/>
+      </dsp:nvSpPr>
+      <dsp:spPr>
+        <a:xfrm>
+          <a:off x="5322696" y="1698"/>
+          <a:ext cx="4295436" cy="861070"/>
+        </a:xfrm>
+        <a:prstGeom prst="rect">
+          <a:avLst/>
+        </a:prstGeom>
+        <a:noFill/>
+        <a:ln>
+          <a:noFill/>
+        </a:ln>
+        <a:effectLst/>
+      </dsp:spPr>
+      <dsp:style>
+        <a:lnRef idx="0">
+          <a:scrgbClr r="0" g="0" b="0"/>
+        </a:lnRef>
+        <a:fillRef idx="0">
+          <a:scrgbClr r="0" g="0" b="0"/>
+        </a:fillRef>
+        <a:effectRef idx="0">
+          <a:scrgbClr r="0" g="0" b="0"/>
+        </a:effectRef>
+        <a:fontRef idx="minor"/>
+      </dsp:style>
+      <dsp:txBody>
+        <a:bodyPr spcFirstLastPara="0" vert="horz" wrap="square" lIns="91130" tIns="91130" rIns="91130" bIns="91130" numCol="1" spcCol="1270" anchor="ctr" anchorCtr="0">
+          <a:noAutofit/>
+        </a:bodyPr>
+        <a:lstStyle/>
+        <a:p>
+          <a:pPr marL="0" lvl="0" indent="0" algn="l" defTabSz="800100">
+            <a:lnSpc>
+              <a:spcPct val="90000"/>
+            </a:lnSpc>
+            <a:spcBef>
+              <a:spcPct val="0"/>
+            </a:spcBef>
+            <a:spcAft>
+              <a:spcPct val="35000"/>
+            </a:spcAft>
+            <a:buNone/>
+          </a:pPr>
+          <a:r>
+            <a:rPr lang="de-DE" sz="1800" kern="1200"/>
+            <a:t>Divide-and-Conquer</a:t>
+          </a:r>
+          <a:endParaRPr lang="en-US" sz="1800" kern="1200"/>
+        </a:p>
+      </dsp:txBody>
+      <dsp:txXfrm>
+        <a:off x="5322696" y="1698"/>
+        <a:ext cx="4295436" cy="861070"/>
+      </dsp:txXfrm>
+    </dsp:sp>
+    <dsp:sp modelId="{15C89850-60BE-4728-86A5-11A3CBFD1A81}">
+      <dsp:nvSpPr>
+        <dsp:cNvPr id="0" name=""/>
+        <dsp:cNvSpPr/>
+      </dsp:nvSpPr>
+      <dsp:spPr>
+        <a:xfrm>
+          <a:off x="0" y="1078036"/>
+          <a:ext cx="9618133" cy="861070"/>
+        </a:xfrm>
+        <a:prstGeom prst="roundRect">
+          <a:avLst>
+            <a:gd name="adj" fmla="val 10000"/>
+          </a:avLst>
+        </a:prstGeom>
+        <a:solidFill>
+          <a:schemeClr val="accent3">
+            <a:hueOff val="0"/>
+            <a:satOff val="0"/>
+            <a:lumOff val="0"/>
+            <a:alphaOff val="0"/>
+          </a:schemeClr>
+        </a:solidFill>
+        <a:ln>
+          <a:noFill/>
+        </a:ln>
+        <a:effectLst/>
+      </dsp:spPr>
+      <dsp:style>
+        <a:lnRef idx="0">
+          <a:scrgbClr r="0" g="0" b="0"/>
+        </a:lnRef>
+        <a:fillRef idx="1">
+          <a:scrgbClr r="0" g="0" b="0"/>
+        </a:fillRef>
+        <a:effectRef idx="0">
+          <a:scrgbClr r="0" g="0" b="0"/>
+        </a:effectRef>
+        <a:fontRef idx="minor"/>
+      </dsp:style>
+    </dsp:sp>
+    <dsp:sp modelId="{D82207BF-C0A6-41A9-A2A0-18509E9AE9C2}">
+      <dsp:nvSpPr>
+        <dsp:cNvPr id="0" name=""/>
+        <dsp:cNvSpPr/>
+      </dsp:nvSpPr>
+      <dsp:spPr>
+        <a:xfrm>
+          <a:off x="260473" y="1271777"/>
+          <a:ext cx="473588" cy="473588"/>
+        </a:xfrm>
+        <a:prstGeom prst="rect">
+          <a:avLst/>
+        </a:prstGeom>
+        <a:blipFill>
+          <a:blip xmlns:r="http://schemas.openxmlformats.org/officeDocument/2006/relationships" r:embed="rId3">
+            <a:extLst>
+              <a:ext uri="{28A0092B-C50C-407E-A947-70E740481C1C}">
+                <a14:useLocalDpi xmlns:a14="http://schemas.microsoft.com/office/drawing/2010/main" val="0"/>
+              </a:ext>
+              <a:ext uri="{96DAC541-7B7A-43D3-8B79-37D633B846F1}">
+                <asvg:svgBlip xmlns:asvg="http://schemas.microsoft.com/office/drawing/2016/SVG/main" r:embed="rId4"/>
+              </a:ext>
+            </a:extLst>
+          </a:blip>
+          <a:stretch>
+            <a:fillRect/>
+          </a:stretch>
+        </a:blipFill>
+        <a:ln w="19050" cap="rnd" cmpd="sng" algn="ctr">
+          <a:noFill/>
+          <a:prstDash val="solid"/>
+        </a:ln>
+        <a:effectLst/>
+      </dsp:spPr>
+      <dsp:style>
+        <a:lnRef idx="2">
+          <a:scrgbClr r="0" g="0" b="0"/>
+        </a:lnRef>
+        <a:fillRef idx="1">
+          <a:scrgbClr r="0" g="0" b="0"/>
+        </a:fillRef>
+        <a:effectRef idx="0">
+          <a:scrgbClr r="0" g="0" b="0"/>
+        </a:effectRef>
+        <a:fontRef idx="minor">
+          <a:schemeClr val="lt1"/>
+        </a:fontRef>
+      </dsp:style>
+    </dsp:sp>
+    <dsp:sp modelId="{67BBBDC7-DB58-45EA-9E8A-F087EC050FFA}">
+      <dsp:nvSpPr>
+        <dsp:cNvPr id="0" name=""/>
+        <dsp:cNvSpPr/>
+      </dsp:nvSpPr>
+      <dsp:spPr>
+        <a:xfrm>
+          <a:off x="994536" y="1078036"/>
+          <a:ext cx="4328159" cy="861070"/>
+        </a:xfrm>
+        <a:prstGeom prst="rect">
+          <a:avLst/>
+        </a:prstGeom>
+        <a:noFill/>
+        <a:ln>
+          <a:noFill/>
+        </a:ln>
+        <a:effectLst/>
+      </dsp:spPr>
+      <dsp:style>
+        <a:lnRef idx="0">
+          <a:scrgbClr r="0" g="0" b="0"/>
+        </a:lnRef>
+        <a:fillRef idx="0">
+          <a:scrgbClr r="0" g="0" b="0"/>
+        </a:fillRef>
+        <a:effectRef idx="0">
+          <a:scrgbClr r="0" g="0" b="0"/>
+        </a:effectRef>
+        <a:fontRef idx="minor"/>
+      </dsp:style>
+      <dsp:txBody>
+        <a:bodyPr spcFirstLastPara="0" vert="horz" wrap="square" lIns="91130" tIns="91130" rIns="91130" bIns="91130" numCol="1" spcCol="1270" anchor="ctr" anchorCtr="0">
+          <a:noAutofit/>
+        </a:bodyPr>
+        <a:lstStyle/>
+        <a:p>
+          <a:pPr marL="0" lvl="0" indent="0" algn="l" defTabSz="977900">
+            <a:lnSpc>
+              <a:spcPct val="90000"/>
+            </a:lnSpc>
+            <a:spcBef>
+              <a:spcPct val="0"/>
+            </a:spcBef>
+            <a:spcAft>
+              <a:spcPct val="35000"/>
+            </a:spcAft>
+            <a:buNone/>
+          </a:pPr>
+          <a:r>
+            <a:rPr lang="de-DE" sz="2200" kern="1200"/>
+            <a:t>Optimieren von Datenstrukturen</a:t>
+          </a:r>
+          <a:endParaRPr lang="en-US" sz="2200" kern="1200"/>
+        </a:p>
+      </dsp:txBody>
+      <dsp:txXfrm>
+        <a:off x="994536" y="1078036"/>
+        <a:ext cx="4328159" cy="861070"/>
+      </dsp:txXfrm>
+    </dsp:sp>
+    <dsp:sp modelId="{7ACBA7B8-0177-43BE-B25E-4F3E131F227C}">
+      <dsp:nvSpPr>
+        <dsp:cNvPr id="0" name=""/>
+        <dsp:cNvSpPr/>
+      </dsp:nvSpPr>
+      <dsp:spPr>
+        <a:xfrm>
+          <a:off x="5322696" y="1078036"/>
+          <a:ext cx="4295436" cy="861070"/>
+        </a:xfrm>
+        <a:prstGeom prst="rect">
+          <a:avLst/>
+        </a:prstGeom>
+        <a:noFill/>
+        <a:ln>
+          <a:noFill/>
+        </a:ln>
+        <a:effectLst/>
+      </dsp:spPr>
+      <dsp:style>
+        <a:lnRef idx="0">
+          <a:scrgbClr r="0" g="0" b="0"/>
+        </a:lnRef>
+        <a:fillRef idx="0">
+          <a:scrgbClr r="0" g="0" b="0"/>
+        </a:fillRef>
+        <a:effectRef idx="0">
+          <a:scrgbClr r="0" g="0" b="0"/>
+        </a:effectRef>
+        <a:fontRef idx="minor"/>
+      </dsp:style>
+      <dsp:txBody>
+        <a:bodyPr spcFirstLastPara="0" vert="horz" wrap="square" lIns="91130" tIns="91130" rIns="91130" bIns="91130" numCol="1" spcCol="1270" anchor="ctr" anchorCtr="0">
+          <a:noAutofit/>
+        </a:bodyPr>
+        <a:lstStyle/>
+        <a:p>
+          <a:pPr marL="0" lvl="0" indent="0" algn="l" defTabSz="800100">
+            <a:lnSpc>
+              <a:spcPct val="90000"/>
+            </a:lnSpc>
+            <a:spcBef>
+              <a:spcPct val="0"/>
+            </a:spcBef>
+            <a:spcAft>
+              <a:spcPct val="35000"/>
+            </a:spcAft>
+            <a:buNone/>
+          </a:pPr>
+          <a:r>
+            <a:rPr lang="de-DE" sz="1800" kern="1200"/>
+            <a:t>bspw. ArrayList vs. LinkedList</a:t>
+          </a:r>
+          <a:endParaRPr lang="en-US" sz="1800" kern="1200"/>
+        </a:p>
+      </dsp:txBody>
+      <dsp:txXfrm>
+        <a:off x="5322696" y="1078036"/>
+        <a:ext cx="4295436" cy="861070"/>
+      </dsp:txXfrm>
+    </dsp:sp>
+    <dsp:sp modelId="{8FC68E12-6D85-43C6-94B1-B60209BDF445}">
+      <dsp:nvSpPr>
+        <dsp:cNvPr id="0" name=""/>
+        <dsp:cNvSpPr/>
+      </dsp:nvSpPr>
+      <dsp:spPr>
+        <a:xfrm>
+          <a:off x="0" y="2154374"/>
+          <a:ext cx="9618133" cy="861070"/>
+        </a:xfrm>
+        <a:prstGeom prst="roundRect">
+          <a:avLst>
+            <a:gd name="adj" fmla="val 10000"/>
+          </a:avLst>
+        </a:prstGeom>
+        <a:solidFill>
+          <a:schemeClr val="accent4">
+            <a:hueOff val="0"/>
+            <a:satOff val="0"/>
+            <a:lumOff val="0"/>
+            <a:alphaOff val="0"/>
+          </a:schemeClr>
+        </a:solidFill>
+        <a:ln>
+          <a:noFill/>
+        </a:ln>
+        <a:effectLst/>
+      </dsp:spPr>
+      <dsp:style>
+        <a:lnRef idx="0">
+          <a:scrgbClr r="0" g="0" b="0"/>
+        </a:lnRef>
+        <a:fillRef idx="1">
+          <a:scrgbClr r="0" g="0" b="0"/>
+        </a:fillRef>
+        <a:effectRef idx="0">
+          <a:scrgbClr r="0" g="0" b="0"/>
+        </a:effectRef>
+        <a:fontRef idx="minor"/>
+      </dsp:style>
+    </dsp:sp>
+    <dsp:sp modelId="{B8908FD4-49C8-4EEA-B429-494765C68D04}">
+      <dsp:nvSpPr>
+        <dsp:cNvPr id="0" name=""/>
+        <dsp:cNvSpPr/>
+      </dsp:nvSpPr>
+      <dsp:spPr>
+        <a:xfrm>
+          <a:off x="260473" y="2348115"/>
+          <a:ext cx="473588" cy="473588"/>
+        </a:xfrm>
+        <a:prstGeom prst="rect">
+          <a:avLst/>
+        </a:prstGeom>
+        <a:blipFill>
+          <a:blip xmlns:r="http://schemas.openxmlformats.org/officeDocument/2006/relationships" r:embed="rId5">
+            <a:extLst>
+              <a:ext uri="{28A0092B-C50C-407E-A947-70E740481C1C}">
+                <a14:useLocalDpi xmlns:a14="http://schemas.microsoft.com/office/drawing/2010/main" val="0"/>
+              </a:ext>
+              <a:ext uri="{96DAC541-7B7A-43D3-8B79-37D633B846F1}">
+                <asvg:svgBlip xmlns:asvg="http://schemas.microsoft.com/office/drawing/2016/SVG/main" r:embed="rId6"/>
+              </a:ext>
+            </a:extLst>
+          </a:blip>
+          <a:stretch>
+            <a:fillRect/>
+          </a:stretch>
+        </a:blipFill>
+        <a:ln w="19050" cap="rnd" cmpd="sng" algn="ctr">
+          <a:noFill/>
+          <a:prstDash val="solid"/>
+        </a:ln>
+        <a:effectLst/>
+      </dsp:spPr>
+      <dsp:style>
+        <a:lnRef idx="2">
+          <a:scrgbClr r="0" g="0" b="0"/>
+        </a:lnRef>
+        <a:fillRef idx="1">
+          <a:scrgbClr r="0" g="0" b="0"/>
+        </a:fillRef>
+        <a:effectRef idx="0">
+          <a:scrgbClr r="0" g="0" b="0"/>
+        </a:effectRef>
+        <a:fontRef idx="minor">
+          <a:schemeClr val="lt1"/>
+        </a:fontRef>
+      </dsp:style>
+    </dsp:sp>
+    <dsp:sp modelId="{1609541C-6EA2-4640-96D7-EEFA4E387C2D}">
+      <dsp:nvSpPr>
+        <dsp:cNvPr id="0" name=""/>
+        <dsp:cNvSpPr/>
+      </dsp:nvSpPr>
+      <dsp:spPr>
+        <a:xfrm>
+          <a:off x="994536" y="2154374"/>
+          <a:ext cx="4328159" cy="861070"/>
+        </a:xfrm>
+        <a:prstGeom prst="rect">
+          <a:avLst/>
+        </a:prstGeom>
+        <a:noFill/>
+        <a:ln>
+          <a:noFill/>
+        </a:ln>
+        <a:effectLst/>
+      </dsp:spPr>
+      <dsp:style>
+        <a:lnRef idx="0">
+          <a:scrgbClr r="0" g="0" b="0"/>
+        </a:lnRef>
+        <a:fillRef idx="0">
+          <a:scrgbClr r="0" g="0" b="0"/>
+        </a:fillRef>
+        <a:effectRef idx="0">
+          <a:scrgbClr r="0" g="0" b="0"/>
+        </a:effectRef>
+        <a:fontRef idx="minor"/>
+      </dsp:style>
+      <dsp:txBody>
+        <a:bodyPr spcFirstLastPara="0" vert="horz" wrap="square" lIns="91130" tIns="91130" rIns="91130" bIns="91130" numCol="1" spcCol="1270" anchor="ctr" anchorCtr="0">
+          <a:noAutofit/>
+        </a:bodyPr>
+        <a:lstStyle/>
+        <a:p>
+          <a:pPr marL="0" lvl="0" indent="0" algn="l" defTabSz="977900">
+            <a:lnSpc>
+              <a:spcPct val="90000"/>
+            </a:lnSpc>
+            <a:spcBef>
+              <a:spcPct val="0"/>
+            </a:spcBef>
+            <a:spcAft>
+              <a:spcPct val="35000"/>
+            </a:spcAft>
+            <a:buNone/>
+          </a:pPr>
+          <a:r>
+            <a:rPr lang="de-DE" sz="2200" kern="1200"/>
+            <a:t>Parallelisierung / Multithreading</a:t>
+          </a:r>
+          <a:endParaRPr lang="en-US" sz="2200" kern="1200"/>
+        </a:p>
+      </dsp:txBody>
+      <dsp:txXfrm>
+        <a:off x="994536" y="2154374"/>
+        <a:ext cx="4328159" cy="861070"/>
+      </dsp:txXfrm>
+    </dsp:sp>
+    <dsp:sp modelId="{9C0CE98C-8B7B-47EB-AD3B-9A5A72752462}">
+      <dsp:nvSpPr>
+        <dsp:cNvPr id="0" name=""/>
+        <dsp:cNvSpPr/>
+      </dsp:nvSpPr>
+      <dsp:spPr>
+        <a:xfrm>
+          <a:off x="5322696" y="2154374"/>
+          <a:ext cx="4295436" cy="861070"/>
+        </a:xfrm>
+        <a:prstGeom prst="rect">
+          <a:avLst/>
+        </a:prstGeom>
+        <a:noFill/>
+        <a:ln>
+          <a:noFill/>
+        </a:ln>
+        <a:effectLst/>
+      </dsp:spPr>
+      <dsp:style>
+        <a:lnRef idx="0">
+          <a:scrgbClr r="0" g="0" b="0"/>
+        </a:lnRef>
+        <a:fillRef idx="0">
+          <a:scrgbClr r="0" g="0" b="0"/>
+        </a:fillRef>
+        <a:effectRef idx="0">
+          <a:scrgbClr r="0" g="0" b="0"/>
+        </a:effectRef>
+        <a:fontRef idx="minor"/>
+      </dsp:style>
+      <dsp:txBody>
+        <a:bodyPr spcFirstLastPara="0" vert="horz" wrap="square" lIns="91130" tIns="91130" rIns="91130" bIns="91130" numCol="1" spcCol="1270" anchor="ctr" anchorCtr="0">
+          <a:noAutofit/>
+        </a:bodyPr>
+        <a:lstStyle/>
+        <a:p>
+          <a:pPr marL="0" lvl="0" indent="0" algn="l" defTabSz="800100">
+            <a:lnSpc>
+              <a:spcPct val="90000"/>
+            </a:lnSpc>
+            <a:spcBef>
+              <a:spcPct val="0"/>
+            </a:spcBef>
+            <a:spcAft>
+              <a:spcPct val="35000"/>
+            </a:spcAft>
+            <a:buNone/>
+          </a:pPr>
+          <a:r>
+            <a:rPr lang="de-DE" sz="1800" kern="1200"/>
+            <a:t>Aufteilen von Aufgaben</a:t>
+          </a:r>
+          <a:endParaRPr lang="en-US" sz="1800" kern="1200"/>
+        </a:p>
+      </dsp:txBody>
+      <dsp:txXfrm>
+        <a:off x="5322696" y="2154374"/>
+        <a:ext cx="4295436" cy="861070"/>
+      </dsp:txXfrm>
+    </dsp:sp>
+    <dsp:sp modelId="{0A2729AF-B1D5-4BE5-B614-11E391B24E53}">
+      <dsp:nvSpPr>
+        <dsp:cNvPr id="0" name=""/>
+        <dsp:cNvSpPr/>
+      </dsp:nvSpPr>
+      <dsp:spPr>
+        <a:xfrm>
+          <a:off x="0" y="3230712"/>
+          <a:ext cx="9618133" cy="861070"/>
+        </a:xfrm>
+        <a:prstGeom prst="roundRect">
+          <a:avLst>
+            <a:gd name="adj" fmla="val 10000"/>
+          </a:avLst>
+        </a:prstGeom>
+        <a:solidFill>
+          <a:schemeClr val="accent5">
+            <a:hueOff val="0"/>
+            <a:satOff val="0"/>
+            <a:lumOff val="0"/>
+            <a:alphaOff val="0"/>
+          </a:schemeClr>
+        </a:solidFill>
+        <a:ln>
+          <a:noFill/>
+        </a:ln>
+        <a:effectLst/>
+      </dsp:spPr>
+      <dsp:style>
+        <a:lnRef idx="0">
+          <a:scrgbClr r="0" g="0" b="0"/>
+        </a:lnRef>
+        <a:fillRef idx="1">
+          <a:scrgbClr r="0" g="0" b="0"/>
+        </a:fillRef>
+        <a:effectRef idx="0">
+          <a:scrgbClr r="0" g="0" b="0"/>
+        </a:effectRef>
+        <a:fontRef idx="minor"/>
+      </dsp:style>
+    </dsp:sp>
+    <dsp:sp modelId="{9EC74A2B-2E3A-4BEF-8D37-024EE8BB5728}">
+      <dsp:nvSpPr>
+        <dsp:cNvPr id="0" name=""/>
+        <dsp:cNvSpPr/>
+      </dsp:nvSpPr>
+      <dsp:spPr>
+        <a:xfrm>
+          <a:off x="260473" y="3424453"/>
+          <a:ext cx="473588" cy="473588"/>
+        </a:xfrm>
+        <a:prstGeom prst="rect">
+          <a:avLst/>
+        </a:prstGeom>
+        <a:blipFill>
+          <a:blip xmlns:r="http://schemas.openxmlformats.org/officeDocument/2006/relationships" r:embed="rId7">
+            <a:extLst>
+              <a:ext uri="{28A0092B-C50C-407E-A947-70E740481C1C}">
+                <a14:useLocalDpi xmlns:a14="http://schemas.microsoft.com/office/drawing/2010/main" val="0"/>
+              </a:ext>
+              <a:ext uri="{96DAC541-7B7A-43D3-8B79-37D633B846F1}">
+                <asvg:svgBlip xmlns:asvg="http://schemas.microsoft.com/office/drawing/2016/SVG/main" r:embed="rId8"/>
+              </a:ext>
+            </a:extLst>
+          </a:blip>
+          <a:stretch>
+            <a:fillRect/>
+          </a:stretch>
+        </a:blipFill>
+        <a:ln w="19050" cap="rnd" cmpd="sng" algn="ctr">
+          <a:noFill/>
+          <a:prstDash val="solid"/>
+        </a:ln>
+        <a:effectLst/>
+      </dsp:spPr>
+      <dsp:style>
+        <a:lnRef idx="2">
+          <a:scrgbClr r="0" g="0" b="0"/>
+        </a:lnRef>
+        <a:fillRef idx="1">
+          <a:scrgbClr r="0" g="0" b="0"/>
+        </a:fillRef>
+        <a:effectRef idx="0">
+          <a:scrgbClr r="0" g="0" b="0"/>
+        </a:effectRef>
+        <a:fontRef idx="minor">
+          <a:schemeClr val="lt1"/>
+        </a:fontRef>
+      </dsp:style>
+    </dsp:sp>
+    <dsp:sp modelId="{117C8698-DC2D-46C9-A593-F46497A0B7D1}">
+      <dsp:nvSpPr>
+        <dsp:cNvPr id="0" name=""/>
+        <dsp:cNvSpPr/>
+      </dsp:nvSpPr>
+      <dsp:spPr>
+        <a:xfrm>
+          <a:off x="994536" y="3230712"/>
+          <a:ext cx="8623596" cy="861070"/>
+        </a:xfrm>
+        <a:prstGeom prst="rect">
+          <a:avLst/>
+        </a:prstGeom>
+        <a:noFill/>
+        <a:ln>
+          <a:noFill/>
+        </a:ln>
+        <a:effectLst/>
+      </dsp:spPr>
+      <dsp:style>
+        <a:lnRef idx="0">
+          <a:scrgbClr r="0" g="0" b="0"/>
+        </a:lnRef>
+        <a:fillRef idx="0">
+          <a:scrgbClr r="0" g="0" b="0"/>
+        </a:fillRef>
+        <a:effectRef idx="0">
+          <a:scrgbClr r="0" g="0" b="0"/>
+        </a:effectRef>
+        <a:fontRef idx="minor"/>
+      </dsp:style>
+      <dsp:txBody>
+        <a:bodyPr spcFirstLastPara="0" vert="horz" wrap="square" lIns="91130" tIns="91130" rIns="91130" bIns="91130" numCol="1" spcCol="1270" anchor="ctr" anchorCtr="0">
+          <a:noAutofit/>
+        </a:bodyPr>
+        <a:lstStyle/>
+        <a:p>
+          <a:pPr marL="0" lvl="0" indent="0" algn="l" defTabSz="977900">
+            <a:lnSpc>
+              <a:spcPct val="90000"/>
+            </a:lnSpc>
+            <a:spcBef>
+              <a:spcPct val="0"/>
+            </a:spcBef>
+            <a:spcAft>
+              <a:spcPct val="35000"/>
+            </a:spcAft>
+            <a:buNone/>
+          </a:pPr>
+          <a:r>
+            <a:rPr lang="de-DE" sz="2200" kern="1200"/>
+            <a:t>Trade-Offs: Performance vs. Lesbarkeit/Wartbarkeit</a:t>
+          </a:r>
+          <a:endParaRPr lang="en-US" sz="2200" kern="1200"/>
+        </a:p>
+      </dsp:txBody>
+      <dsp:txXfrm>
+        <a:off x="994536" y="3230712"/>
+        <a:ext cx="8623596" cy="861070"/>
+      </dsp:txXfrm>
+    </dsp:sp>
+  </dsp:spTree>
+</dsp:drawing>
+</file>
+
 <file path=ppt/diagrams/layout1.xml><?xml version="1.0" encoding="utf-8"?>
 <dgm:layoutDef xmlns:dgm="http://schemas.openxmlformats.org/drawingml/2006/diagram" xmlns:a="http://schemas.openxmlformats.org/drawingml/2006/main" uniqueId="urn:microsoft.com/office/officeart/2018/5/layout/CenteredIconLabelDescriptionList">
   <dgm:title val="Centered Icon Label Description List"/>
@@ -5545,6 +7827,300 @@
 </dgm:layoutDef>
 </file>
 
+<file path=ppt/diagrams/layout4.xml><?xml version="1.0" encoding="utf-8"?>
+<dgm:layoutDef xmlns:dgm="http://schemas.openxmlformats.org/drawingml/2006/diagram" xmlns:a="http://schemas.openxmlformats.org/drawingml/2006/main" uniqueId="urn:microsoft.com/office/officeart/2018/2/layout/IconVerticalSolidList">
+  <dgm:title val="Icon Vertical Solid List"/>
+  <dgm:desc val="Use to show a series of visuals from top to bottom with Level 1 or Level 1 and Level 2 text grouped in a shape. Works best with icons or small pictures with lengthier descriptions."/>
+  <dgm:catLst>
+    <dgm:cat type="icon" pri="500"/>
+  </dgm:catLst>
+  <dgm:sampData useDef="1">
+    <dgm:dataModel>
+      <dgm:ptLst/>
+      <dgm:bg/>
+      <dgm:whole/>
+    </dgm:dataModel>
+  </dgm:sampData>
+  <dgm:styleData useDef="1">
+    <dgm:dataModel>
+      <dgm:ptLst/>
+      <dgm:bg/>
+      <dgm:whole/>
+    </dgm:dataModel>
+  </dgm:styleData>
+  <dgm:clrData useDef="1">
+    <dgm:dataModel>
+      <dgm:ptLst/>
+      <dgm:bg/>
+      <dgm:whole/>
+    </dgm:dataModel>
+  </dgm:clrData>
+  <dgm:layoutNode name="root">
+    <dgm:varLst>
+      <dgm:dir/>
+      <dgm:resizeHandles val="exact"/>
+    </dgm:varLst>
+    <dgm:choose name="Name0">
+      <dgm:if name="Name1" axis="self" func="var" arg="dir" op="equ" val="norm">
+        <dgm:alg type="lin">
+          <dgm:param type="linDir" val="fromT"/>
+          <dgm:param type="nodeHorzAlign" val="l"/>
+        </dgm:alg>
+      </dgm:if>
+      <dgm:else name="Name2">
+        <dgm:alg type="lin">
+          <dgm:param type="linDir" val="fromT"/>
+          <dgm:param type="nodeHorzAlign" val="r"/>
+        </dgm:alg>
+      </dgm:else>
+    </dgm:choose>
+    <dgm:shape xmlns:r="http://schemas.openxmlformats.org/officeDocument/2006/relationships" r:blip="">
+      <dgm:adjLst/>
+    </dgm:shape>
+    <dgm:presOf/>
+    <dgm:choose name="Name3">
+      <dgm:if name="Name4" axis="ch" ptType="node" func="cnt" op="lte" val="3">
+        <dgm:constrLst>
+          <dgm:constr type="h" for="ch" forName="compNode" refType="h" fact="0.3"/>
+          <dgm:constr type="w" for="ch" forName="compNode" refType="w"/>
+          <dgm:constr type="h" for="ch" forName="sibTrans" refType="h" refFor="ch" refForName="compNode" fact="0.25"/>
+          <dgm:constr type="primFontSz" for="des" forName="parTx" val="25"/>
+          <dgm:constr type="primFontSz" for="des" forName="desTx" refType="primFontSz" refFor="des" refForName="parTx" op="lte" fact="0.75"/>
+          <dgm:constr type="h" for="des" forName="compNode" op="equ"/>
+          <dgm:constr type="h" for="des" forName="bgRect" op="equ"/>
+          <dgm:constr type="h" for="des" forName="iconRect" op="equ"/>
+          <dgm:constr type="w" for="des" forName="iconRect" op="equ"/>
+          <dgm:constr type="h" for="des" forName="spaceRect" op="equ"/>
+          <dgm:constr type="h" for="des" forName="parTx" op="equ"/>
+          <dgm:constr type="h" for="des" forName="desTx" op="equ"/>
+        </dgm:constrLst>
+      </dgm:if>
+      <dgm:if name="Name5" axis="ch" ptType="node" func="cnt" op="lte" val="4">
+        <dgm:constrLst>
+          <dgm:constr type="h" for="ch" forName="compNode" refType="h" fact="0.3"/>
+          <dgm:constr type="w" for="ch" forName="compNode" refType="w"/>
+          <dgm:constr type="h" for="ch" forName="sibTrans" refType="h" refFor="ch" refForName="compNode" fact="0.25"/>
+          <dgm:constr type="primFontSz" for="des" forName="parTx" val="22"/>
+          <dgm:constr type="primFontSz" for="des" forName="desTx" refType="primFontSz" refFor="des" refForName="parTx" op="lte" fact="0.75"/>
+          <dgm:constr type="h" for="des" forName="compNode" op="equ"/>
+          <dgm:constr type="h" for="des" forName="bgRect" op="equ"/>
+          <dgm:constr type="h" for="des" forName="iconRect" op="equ"/>
+          <dgm:constr type="w" for="des" forName="iconRect" op="equ"/>
+          <dgm:constr type="h" for="des" forName="spaceRect" op="equ"/>
+          <dgm:constr type="h" for="des" forName="parTx" op="equ"/>
+          <dgm:constr type="h" for="des" forName="desTx" op="equ"/>
+        </dgm:constrLst>
+      </dgm:if>
+      <dgm:if name="Name6" axis="ch" ptType="node" func="cnt" op="lte" val="6">
+        <dgm:constrLst>
+          <dgm:constr type="h" for="ch" forName="compNode" refType="h" fact="0.3"/>
+          <dgm:constr type="w" for="ch" forName="compNode" refType="w"/>
+          <dgm:constr type="h" for="ch" forName="sibTrans" refType="h" refFor="ch" refForName="compNode" fact="0.25"/>
+          <dgm:constr type="primFontSz" for="des" forName="parTx" val="19"/>
+          <dgm:constr type="primFontSz" for="des" forName="desTx" refType="primFontSz" refFor="des" refForName="parTx" op="lte" fact="0.75"/>
+          <dgm:constr type="h" for="des" forName="compNode" op="equ"/>
+          <dgm:constr type="h" for="des" forName="bgRect" op="equ"/>
+          <dgm:constr type="h" for="des" forName="iconRect" op="equ"/>
+          <dgm:constr type="w" for="des" forName="iconRect" op="equ"/>
+          <dgm:constr type="h" for="des" forName="spaceRect" op="equ"/>
+          <dgm:constr type="h" for="des" forName="parTx" op="equ"/>
+          <dgm:constr type="h" for="des" forName="desTx" op="equ"/>
+        </dgm:constrLst>
+      </dgm:if>
+      <dgm:else name="Name7">
+        <dgm:constrLst>
+          <dgm:constr type="h" for="ch" forName="compNode" refType="h" fact="0.3"/>
+          <dgm:constr type="w" for="ch" forName="compNode" refType="w"/>
+          <dgm:constr type="h" for="ch" forName="sibTrans" refType="h" refFor="ch" refForName="compNode" fact="0.25"/>
+          <dgm:constr type="primFontSz" for="des" forName="parTx" val="16"/>
+          <dgm:constr type="primFontSz" for="des" forName="desTx" refType="primFontSz" refFor="des" refForName="parTx" op="lte" fact="0.75"/>
+          <dgm:constr type="h" for="des" forName="compNode" op="equ"/>
+          <dgm:constr type="h" for="des" forName="bgRect" op="equ"/>
+          <dgm:constr type="h" for="des" forName="iconRect" op="equ"/>
+          <dgm:constr type="w" for="des" forName="iconRect" op="equ"/>
+          <dgm:constr type="h" for="des" forName="spaceRect" op="equ"/>
+          <dgm:constr type="h" for="des" forName="parTx" op="equ"/>
+          <dgm:constr type="h" for="des" forName="desTx" op="equ"/>
+        </dgm:constrLst>
+      </dgm:else>
+    </dgm:choose>
+    <dgm:ruleLst>
+      <dgm:rule type="h" for="ch" forName="compNode" val="0" fact="NaN" max="NaN"/>
+    </dgm:ruleLst>
+    <dgm:forEach name="Name8" axis="ch" ptType="node">
+      <dgm:layoutNode name="compNode">
+        <dgm:alg type="composite"/>
+        <dgm:shape xmlns:r="http://schemas.openxmlformats.org/officeDocument/2006/relationships" r:blip="">
+          <dgm:adjLst/>
+        </dgm:shape>
+        <dgm:presOf axis="self"/>
+        <dgm:choose name="Name9">
+          <dgm:if name="Name10" axis="ch" ptType="node" func="cnt" op="gte" val="1">
+            <dgm:constrLst>
+              <dgm:constr type="w" for="ch" forName="bgRect" refType="w"/>
+              <dgm:constr type="h" for="ch" forName="bgRect" refType="h"/>
+              <dgm:constr type="l" for="ch" forName="bgRect"/>
+              <dgm:constr type="t" for="ch" forName="bgRect"/>
+              <dgm:constr type="h" for="ch" forName="iconRect" refType="h" fact="0.55"/>
+              <dgm:constr type="w" for="ch" forName="iconRect" refType="h" refFor="ch" refForName="iconRect"/>
+              <dgm:constr type="l" for="ch" forName="iconRect" refType="h" refFor="ch" refForName="iconRect" fact="0.55"/>
+              <dgm:constr type="ctrY" for="ch" forName="iconRect" refType="ctrY" refFor="ch" refForName="bgRect"/>
+              <dgm:constr type="w" for="ch" forName="spaceRect" refType="l" refFor="ch" refForName="iconRect"/>
+              <dgm:constr type="h" for="ch" forName="spaceRect" refType="h"/>
+              <dgm:constr type="l" for="ch" forName="spaceRect" refType="r" refFor="ch" refForName="iconRect"/>
+              <dgm:constr type="t" for="ch" forName="spaceRect"/>
+              <dgm:constr type="w" for="ch" forName="parTx" refType="w" fact="0.45"/>
+              <dgm:constr type="h" for="ch" forName="parTx" refType="h"/>
+              <dgm:constr type="l" for="ch" forName="parTx" refType="r" refFor="ch" refForName="spaceRect"/>
+              <dgm:constr type="t" for="ch" forName="parTx"/>
+              <dgm:constr type="h" for="ch" forName="desTx" refType="h"/>
+              <dgm:constr type="l" for="ch" forName="desTx" refType="r" refFor="ch" refForName="parTx"/>
+              <dgm:constr type="t" for="ch" forName="desTx"/>
+            </dgm:constrLst>
+          </dgm:if>
+          <dgm:else name="Name11">
+            <dgm:constrLst>
+              <dgm:constr type="w" for="ch" forName="bgRect" refType="w"/>
+              <dgm:constr type="h" for="ch" forName="bgRect" refType="h"/>
+              <dgm:constr type="l" for="ch" forName="bgRect"/>
+              <dgm:constr type="t" for="ch" forName="bgRect"/>
+              <dgm:constr type="h" for="ch" forName="iconRect" refType="h" fact="0.55"/>
+              <dgm:constr type="w" for="ch" forName="iconRect" refType="h" refFor="ch" refForName="iconRect"/>
+              <dgm:constr type="l" for="ch" forName="iconRect" refType="h" refFor="ch" refForName="iconRect" fact="0.55"/>
+              <dgm:constr type="ctrY" for="ch" forName="iconRect" refType="ctrY" refFor="ch" refForName="bgRect"/>
+              <dgm:constr type="w" for="ch" forName="spaceRect" refType="l" refFor="ch" refForName="iconRect"/>
+              <dgm:constr type="h" for="ch" forName="spaceRect" refType="h"/>
+              <dgm:constr type="l" for="ch" forName="spaceRect" refType="r" refFor="ch" refForName="iconRect"/>
+              <dgm:constr type="t" for="ch" forName="spaceRect"/>
+              <dgm:constr type="h" for="ch" forName="parTx" refType="h"/>
+              <dgm:constr type="l" for="ch" forName="parTx" refType="r" refFor="ch" refForName="spaceRect"/>
+              <dgm:constr type="t" for="ch" forName="parTx"/>
+            </dgm:constrLst>
+          </dgm:else>
+        </dgm:choose>
+        <dgm:ruleLst>
+          <dgm:rule type="h" val="INF" fact="NaN" max="NaN"/>
+        </dgm:ruleLst>
+        <dgm:layoutNode name="bgRect" styleLbl="bgShp">
+          <dgm:alg type="sp"/>
+          <dgm:shape xmlns:r="http://schemas.openxmlformats.org/officeDocument/2006/relationships" type="roundRect" r:blip="">
+            <dgm:adjLst>
+              <dgm:adj idx="1" val="0.1"/>
+            </dgm:adjLst>
+          </dgm:shape>
+          <dgm:presOf/>
+          <dgm:constrLst/>
+          <dgm:ruleLst/>
+        </dgm:layoutNode>
+        <dgm:layoutNode name="iconRect" styleLbl="node1">
+          <dgm:alg type="sp"/>
+          <dgm:shape xmlns:r="http://schemas.openxmlformats.org/officeDocument/2006/relationships" type="rect" r:blip="" blipPhldr="1">
+            <dgm:adjLst/>
+          </dgm:shape>
+          <dgm:presOf/>
+          <dgm:constrLst/>
+          <dgm:ruleLst/>
+        </dgm:layoutNode>
+        <dgm:layoutNode name="spaceRect">
+          <dgm:alg type="sp"/>
+          <dgm:shape xmlns:r="http://schemas.openxmlformats.org/officeDocument/2006/relationships" r:blip="">
+            <dgm:adjLst/>
+          </dgm:shape>
+          <dgm:presOf/>
+          <dgm:constrLst/>
+          <dgm:ruleLst/>
+        </dgm:layoutNode>
+        <dgm:layoutNode name="parTx" styleLbl="revTx">
+          <dgm:varLst>
+            <dgm:chMax val="0"/>
+            <dgm:chPref val="0"/>
+          </dgm:varLst>
+          <dgm:alg type="tx">
+            <dgm:param type="txAnchorVert" val="mid"/>
+            <dgm:param type="parTxLTRAlign" val="l"/>
+            <dgm:param type="shpTxLTRAlignCh" val="l"/>
+            <dgm:param type="parTxRTLAlign" val="r"/>
+            <dgm:param type="shpTxRTLAlignCh" val="r"/>
+          </dgm:alg>
+          <dgm:shape xmlns:r="http://schemas.openxmlformats.org/officeDocument/2006/relationships" type="rect" r:blip="">
+            <dgm:adjLst/>
+          </dgm:shape>
+          <dgm:presOf axis="self" ptType="node"/>
+          <dgm:constrLst>
+            <dgm:constr type="lMarg" refType="h" fact="0.3"/>
+            <dgm:constr type="rMarg" refType="h" fact="0.3"/>
+            <dgm:constr type="tMarg" refType="h" fact="0.3"/>
+            <dgm:constr type="bMarg" refType="h" fact="0.3"/>
+          </dgm:constrLst>
+          <dgm:ruleLst>
+            <dgm:rule type="primFontSz" val="14" fact="NaN" max="NaN"/>
+            <dgm:rule type="h" val="INF" fact="NaN" max="NaN"/>
+          </dgm:ruleLst>
+        </dgm:layoutNode>
+        <dgm:choose name="Name12">
+          <dgm:if name="Name13" axis="ch" ptType="node" func="cnt" op="gte" val="1">
+            <dgm:layoutNode name="desTx" styleLbl="revTx">
+              <dgm:varLst/>
+              <dgm:alg type="tx">
+                <dgm:param type="txAnchorVertCh" val="mid"/>
+                <dgm:param type="parTxLTRAlign" val="l"/>
+                <dgm:param type="shpTxLTRAlignCh" val="l"/>
+                <dgm:param type="parTxRTLAlign" val="r"/>
+                <dgm:param type="shpTxRTLAlignCh" val="r"/>
+                <dgm:param type="stBulletLvl" val="0"/>
+              </dgm:alg>
+              <dgm:shape xmlns:r="http://schemas.openxmlformats.org/officeDocument/2006/relationships" type="rect" r:blip="">
+                <dgm:adjLst/>
+              </dgm:shape>
+              <dgm:presOf axis="des" ptType="node"/>
+              <dgm:constrLst>
+                <dgm:constr type="primFontSz" val="18"/>
+                <dgm:constr type="secFontSz" refType="primFontSz"/>
+                <dgm:constr type="lMarg" refType="h" fact="0.3"/>
+                <dgm:constr type="rMarg" refType="h" fact="0.3"/>
+                <dgm:constr type="tMarg" refType="h" fact="0.3"/>
+                <dgm:constr type="bMarg" refType="h" fact="0.3"/>
+              </dgm:constrLst>
+              <dgm:ruleLst>
+                <dgm:rule type="primFontSz" val="11" fact="NaN" max="NaN"/>
+              </dgm:ruleLst>
+            </dgm:layoutNode>
+          </dgm:if>
+          <dgm:else name="Name14"/>
+        </dgm:choose>
+      </dgm:layoutNode>
+      <dgm:forEach name="Name15" axis="followSib" ptType="sibTrans" cnt="1">
+        <dgm:layoutNode name="sibTrans">
+          <dgm:alg type="sp"/>
+          <dgm:shape xmlns:r="http://schemas.openxmlformats.org/officeDocument/2006/relationships" r:blip="">
+            <dgm:adjLst/>
+          </dgm:shape>
+          <dgm:presOf axis="self"/>
+          <dgm:constrLst/>
+          <dgm:ruleLst/>
+        </dgm:layoutNode>
+      </dgm:forEach>
+    </dgm:forEach>
+  </dgm:layoutNode>
+  <dgm:extLst>
+    <a:ext uri="{68A01E43-0DF5-4B5B-8FA6-DAF915123BFB}">
+      <dgm1612:lstStyle xmlns:dgm1612="http://schemas.microsoft.com/office/drawing/2016/12/diagram">
+        <a:lvl1pPr>
+          <a:lnSpc>
+            <a:spcPct val="100000"/>
+          </a:lnSpc>
+        </a:lvl1pPr>
+        <a:lvl2pPr>
+          <a:lnSpc>
+            <a:spcPct val="100000"/>
+          </a:lnSpc>
+        </a:lvl2pPr>
+      </dgm1612:lstStyle>
+    </a:ext>
+  </dgm:extLst>
+</dgm:layoutDef>
+</file>
+
 <file path=ppt/diagrams/quickStyle1.xml><?xml version="1.0" encoding="utf-8"?>
 <dgm:styleDef xmlns:dgm="http://schemas.openxmlformats.org/drawingml/2006/diagram" xmlns:a="http://schemas.openxmlformats.org/drawingml/2006/main" uniqueId="urn:microsoft.com/office/officeart/2005/8/quickstyle/simple1">
   <dgm:title val=""/>
@@ -7614,6 +10190,1040 @@
 </file>
 
 <file path=ppt/diagrams/quickStyle3.xml><?xml version="1.0" encoding="utf-8"?>
+<dgm:styleDef xmlns:dgm="http://schemas.openxmlformats.org/drawingml/2006/diagram" xmlns:a="http://schemas.openxmlformats.org/drawingml/2006/main" uniqueId="urn:microsoft.com/office/officeart/2005/8/quickstyle/simple1">
+  <dgm:title val=""/>
+  <dgm:desc val=""/>
+  <dgm:catLst>
+    <dgm:cat type="simple" pri="10100"/>
+  </dgm:catLst>
+  <dgm:scene3d>
+    <a:camera prst="orthographicFront"/>
+    <a:lightRig rig="threePt" dir="t"/>
+  </dgm:scene3d>
+  <dgm:styleLbl name="node0">
+    <dgm:scene3d>
+      <a:camera prst="orthographicFront"/>
+      <a:lightRig rig="threePt" dir="t"/>
+    </dgm:scene3d>
+    <dgm:sp3d/>
+    <dgm:txPr/>
+    <dgm:style>
+      <a:lnRef idx="2">
+        <a:scrgbClr r="0" g="0" b="0"/>
+      </a:lnRef>
+      <a:fillRef idx="1">
+        <a:scrgbClr r="0" g="0" b="0"/>
+      </a:fillRef>
+      <a:effectRef idx="0">
+        <a:scrgbClr r="0" g="0" b="0"/>
+      </a:effectRef>
+      <a:fontRef idx="minor">
+        <a:schemeClr val="lt1"/>
+      </a:fontRef>
+    </dgm:style>
+  </dgm:styleLbl>
+  <dgm:styleLbl name="lnNode1">
+    <dgm:scene3d>
+      <a:camera prst="orthographicFront"/>
+      <a:lightRig rig="threePt" dir="t"/>
+    </dgm:scene3d>
+    <dgm:sp3d/>
+    <dgm:txPr/>
+    <dgm:style>
+      <a:lnRef idx="2">
+        <a:scrgbClr r="0" g="0" b="0"/>
+      </a:lnRef>
+      <a:fillRef idx="1">
+        <a:scrgbClr r="0" g="0" b="0"/>
+      </a:fillRef>
+      <a:effectRef idx="0">
+        <a:scrgbClr r="0" g="0" b="0"/>
+      </a:effectRef>
+      <a:fontRef idx="minor">
+        <a:schemeClr val="lt1"/>
+      </a:fontRef>
+    </dgm:style>
+  </dgm:styleLbl>
+  <dgm:styleLbl name="vennNode1">
+    <dgm:scene3d>
+      <a:camera prst="orthographicFront"/>
+      <a:lightRig rig="threePt" dir="t"/>
+    </dgm:scene3d>
+    <dgm:sp3d/>
+    <dgm:txPr/>
+    <dgm:style>
+      <a:lnRef idx="2">
+        <a:scrgbClr r="0" g="0" b="0"/>
+      </a:lnRef>
+      <a:fillRef idx="1">
+        <a:scrgbClr r="0" g="0" b="0"/>
+      </a:fillRef>
+      <a:effectRef idx="0">
+        <a:scrgbClr r="0" g="0" b="0"/>
+      </a:effectRef>
+      <a:fontRef idx="minor">
+        <a:schemeClr val="tx1"/>
+      </a:fontRef>
+    </dgm:style>
+  </dgm:styleLbl>
+  <dgm:styleLbl name="alignNode1">
+    <dgm:scene3d>
+      <a:camera prst="orthographicFront"/>
+      <a:lightRig rig="threePt" dir="t"/>
+    </dgm:scene3d>
+    <dgm:sp3d/>
+    <dgm:txPr/>
+    <dgm:style>
+      <a:lnRef idx="2">
+        <a:scrgbClr r="0" g="0" b="0"/>
+      </a:lnRef>
+      <a:fillRef idx="1">
+        <a:scrgbClr r="0" g="0" b="0"/>
+      </a:fillRef>
+      <a:effectRef idx="0">
+        <a:scrgbClr r="0" g="0" b="0"/>
+      </a:effectRef>
+      <a:fontRef idx="minor">
+        <a:schemeClr val="lt1"/>
+      </a:fontRef>
+    </dgm:style>
+  </dgm:styleLbl>
+  <dgm:styleLbl name="node1">
+    <dgm:scene3d>
+      <a:camera prst="orthographicFront"/>
+      <a:lightRig rig="threePt" dir="t"/>
+    </dgm:scene3d>
+    <dgm:sp3d/>
+    <dgm:txPr/>
+    <dgm:style>
+      <a:lnRef idx="2">
+        <a:scrgbClr r="0" g="0" b="0"/>
+      </a:lnRef>
+      <a:fillRef idx="1">
+        <a:scrgbClr r="0" g="0" b="0"/>
+      </a:fillRef>
+      <a:effectRef idx="0">
+        <a:scrgbClr r="0" g="0" b="0"/>
+      </a:effectRef>
+      <a:fontRef idx="minor">
+        <a:schemeClr val="lt1"/>
+      </a:fontRef>
+    </dgm:style>
+  </dgm:styleLbl>
+  <dgm:styleLbl name="node2">
+    <dgm:scene3d>
+      <a:camera prst="orthographicFront"/>
+      <a:lightRig rig="threePt" dir="t"/>
+    </dgm:scene3d>
+    <dgm:sp3d/>
+    <dgm:txPr/>
+    <dgm:style>
+      <a:lnRef idx="2">
+        <a:scrgbClr r="0" g="0" b="0"/>
+      </a:lnRef>
+      <a:fillRef idx="1">
+        <a:scrgbClr r="0" g="0" b="0"/>
+      </a:fillRef>
+      <a:effectRef idx="0">
+        <a:scrgbClr r="0" g="0" b="0"/>
+      </a:effectRef>
+      <a:fontRef idx="minor">
+        <a:schemeClr val="lt1"/>
+      </a:fontRef>
+    </dgm:style>
+  </dgm:styleLbl>
+  <dgm:styleLbl name="node3">
+    <dgm:scene3d>
+      <a:camera prst="orthographicFront"/>
+      <a:lightRig rig="threePt" dir="t"/>
+    </dgm:scene3d>
+    <dgm:sp3d/>
+    <dgm:txPr/>
+    <dgm:style>
+      <a:lnRef idx="2">
+        <a:scrgbClr r="0" g="0" b="0"/>
+      </a:lnRef>
+      <a:fillRef idx="1">
+        <a:scrgbClr r="0" g="0" b="0"/>
+      </a:fillRef>
+      <a:effectRef idx="0">
+        <a:scrgbClr r="0" g="0" b="0"/>
+      </a:effectRef>
+      <a:fontRef idx="minor">
+        <a:schemeClr val="lt1"/>
+      </a:fontRef>
+    </dgm:style>
+  </dgm:styleLbl>
+  <dgm:styleLbl name="node4">
+    <dgm:scene3d>
+      <a:camera prst="orthographicFront"/>
+      <a:lightRig rig="threePt" dir="t"/>
+    </dgm:scene3d>
+    <dgm:sp3d/>
+    <dgm:txPr/>
+    <dgm:style>
+      <a:lnRef idx="2">
+        <a:scrgbClr r="0" g="0" b="0"/>
+      </a:lnRef>
+      <a:fillRef idx="1">
+        <a:scrgbClr r="0" g="0" b="0"/>
+      </a:fillRef>
+      <a:effectRef idx="0">
+        <a:scrgbClr r="0" g="0" b="0"/>
+      </a:effectRef>
+      <a:fontRef idx="minor">
+        <a:schemeClr val="lt1"/>
+      </a:fontRef>
+    </dgm:style>
+  </dgm:styleLbl>
+  <dgm:styleLbl name="fgImgPlace1">
+    <dgm:scene3d>
+      <a:camera prst="orthographicFront"/>
+      <a:lightRig rig="threePt" dir="t"/>
+    </dgm:scene3d>
+    <dgm:sp3d/>
+    <dgm:txPr/>
+    <dgm:style>
+      <a:lnRef idx="2">
+        <a:scrgbClr r="0" g="0" b="0"/>
+      </a:lnRef>
+      <a:fillRef idx="1">
+        <a:scrgbClr r="0" g="0" b="0"/>
+      </a:fillRef>
+      <a:effectRef idx="0">
+        <a:scrgbClr r="0" g="0" b="0"/>
+      </a:effectRef>
+      <a:fontRef idx="minor"/>
+    </dgm:style>
+  </dgm:styleLbl>
+  <dgm:styleLbl name="alignImgPlace1">
+    <dgm:scene3d>
+      <a:camera prst="orthographicFront"/>
+      <a:lightRig rig="threePt" dir="t"/>
+    </dgm:scene3d>
+    <dgm:sp3d/>
+    <dgm:txPr/>
+    <dgm:style>
+      <a:lnRef idx="2">
+        <a:scrgbClr r="0" g="0" b="0"/>
+      </a:lnRef>
+      <a:fillRef idx="1">
+        <a:scrgbClr r="0" g="0" b="0"/>
+      </a:fillRef>
+      <a:effectRef idx="0">
+        <a:scrgbClr r="0" g="0" b="0"/>
+      </a:effectRef>
+      <a:fontRef idx="minor"/>
+    </dgm:style>
+  </dgm:styleLbl>
+  <dgm:styleLbl name="bgImgPlace1">
+    <dgm:scene3d>
+      <a:camera prst="orthographicFront"/>
+      <a:lightRig rig="threePt" dir="t"/>
+    </dgm:scene3d>
+    <dgm:sp3d/>
+    <dgm:txPr/>
+    <dgm:style>
+      <a:lnRef idx="2">
+        <a:scrgbClr r="0" g="0" b="0"/>
+      </a:lnRef>
+      <a:fillRef idx="1">
+        <a:scrgbClr r="0" g="0" b="0"/>
+      </a:fillRef>
+      <a:effectRef idx="0">
+        <a:scrgbClr r="0" g="0" b="0"/>
+      </a:effectRef>
+      <a:fontRef idx="minor"/>
+    </dgm:style>
+  </dgm:styleLbl>
+  <dgm:styleLbl name="sibTrans2D1">
+    <dgm:scene3d>
+      <a:camera prst="orthographicFront"/>
+      <a:lightRig rig="threePt" dir="t"/>
+    </dgm:scene3d>
+    <dgm:sp3d/>
+    <dgm:txPr/>
+    <dgm:style>
+      <a:lnRef idx="0">
+        <a:scrgbClr r="0" g="0" b="0"/>
+      </a:lnRef>
+      <a:fillRef idx="1">
+        <a:scrgbClr r="0" g="0" b="0"/>
+      </a:fillRef>
+      <a:effectRef idx="0">
+        <a:scrgbClr r="0" g="0" b="0"/>
+      </a:effectRef>
+      <a:fontRef idx="minor">
+        <a:schemeClr val="lt1"/>
+      </a:fontRef>
+    </dgm:style>
+  </dgm:styleLbl>
+  <dgm:styleLbl name="fgSibTrans2D1">
+    <dgm:scene3d>
+      <a:camera prst="orthographicFront"/>
+      <a:lightRig rig="threePt" dir="t"/>
+    </dgm:scene3d>
+    <dgm:sp3d/>
+    <dgm:txPr/>
+    <dgm:style>
+      <a:lnRef idx="0">
+        <a:scrgbClr r="0" g="0" b="0"/>
+      </a:lnRef>
+      <a:fillRef idx="1">
+        <a:scrgbClr r="0" g="0" b="0"/>
+      </a:fillRef>
+      <a:effectRef idx="0">
+        <a:scrgbClr r="0" g="0" b="0"/>
+      </a:effectRef>
+      <a:fontRef idx="minor">
+        <a:schemeClr val="lt1"/>
+      </a:fontRef>
+    </dgm:style>
+  </dgm:styleLbl>
+  <dgm:styleLbl name="bgSibTrans2D1">
+    <dgm:scene3d>
+      <a:camera prst="orthographicFront"/>
+      <a:lightRig rig="threePt" dir="t"/>
+    </dgm:scene3d>
+    <dgm:sp3d/>
+    <dgm:txPr/>
+    <dgm:style>
+      <a:lnRef idx="0">
+        <a:scrgbClr r="0" g="0" b="0"/>
+      </a:lnRef>
+      <a:fillRef idx="1">
+        <a:scrgbClr r="0" g="0" b="0"/>
+      </a:fillRef>
+      <a:effectRef idx="0">
+        <a:scrgbClr r="0" g="0" b="0"/>
+      </a:effectRef>
+      <a:fontRef idx="minor">
+        <a:schemeClr val="lt1"/>
+      </a:fontRef>
+    </dgm:style>
+  </dgm:styleLbl>
+  <dgm:styleLbl name="sibTrans1D1">
+    <dgm:scene3d>
+      <a:camera prst="orthographicFront"/>
+      <a:lightRig rig="threePt" dir="t"/>
+    </dgm:scene3d>
+    <dgm:sp3d/>
+    <dgm:txPr/>
+    <dgm:style>
+      <a:lnRef idx="1">
+        <a:scrgbClr r="0" g="0" b="0"/>
+      </a:lnRef>
+      <a:fillRef idx="0">
+        <a:scrgbClr r="0" g="0" b="0"/>
+      </a:fillRef>
+      <a:effectRef idx="0">
+        <a:scrgbClr r="0" g="0" b="0"/>
+      </a:effectRef>
+      <a:fontRef idx="minor"/>
+    </dgm:style>
+  </dgm:styleLbl>
+  <dgm:styleLbl name="callout">
+    <dgm:scene3d>
+      <a:camera prst="orthographicFront"/>
+      <a:lightRig rig="threePt" dir="t"/>
+    </dgm:scene3d>
+    <dgm:sp3d/>
+    <dgm:txPr/>
+    <dgm:style>
+      <a:lnRef idx="2">
+        <a:scrgbClr r="0" g="0" b="0"/>
+      </a:lnRef>
+      <a:fillRef idx="1">
+        <a:scrgbClr r="0" g="0" b="0"/>
+      </a:fillRef>
+      <a:effectRef idx="0">
+        <a:scrgbClr r="0" g="0" b="0"/>
+      </a:effectRef>
+      <a:fontRef idx="minor"/>
+    </dgm:style>
+  </dgm:styleLbl>
+  <dgm:styleLbl name="asst0">
+    <dgm:scene3d>
+      <a:camera prst="orthographicFront"/>
+      <a:lightRig rig="threePt" dir="t"/>
+    </dgm:scene3d>
+    <dgm:sp3d/>
+    <dgm:txPr/>
+    <dgm:style>
+      <a:lnRef idx="2">
+        <a:scrgbClr r="0" g="0" b="0"/>
+      </a:lnRef>
+      <a:fillRef idx="1">
+        <a:scrgbClr r="0" g="0" b="0"/>
+      </a:fillRef>
+      <a:effectRef idx="0">
+        <a:scrgbClr r="0" g="0" b="0"/>
+      </a:effectRef>
+      <a:fontRef idx="minor">
+        <a:schemeClr val="lt1"/>
+      </a:fontRef>
+    </dgm:style>
+  </dgm:styleLbl>
+  <dgm:styleLbl name="asst1">
+    <dgm:scene3d>
+      <a:camera prst="orthographicFront"/>
+      <a:lightRig rig="threePt" dir="t"/>
+    </dgm:scene3d>
+    <dgm:sp3d/>
+    <dgm:txPr/>
+    <dgm:style>
+      <a:lnRef idx="2">
+        <a:scrgbClr r="0" g="0" b="0"/>
+      </a:lnRef>
+      <a:fillRef idx="1">
+        <a:scrgbClr r="0" g="0" b="0"/>
+      </a:fillRef>
+      <a:effectRef idx="0">
+        <a:scrgbClr r="0" g="0" b="0"/>
+      </a:effectRef>
+      <a:fontRef idx="minor">
+        <a:schemeClr val="lt1"/>
+      </a:fontRef>
+    </dgm:style>
+  </dgm:styleLbl>
+  <dgm:styleLbl name="asst2">
+    <dgm:scene3d>
+      <a:camera prst="orthographicFront"/>
+      <a:lightRig rig="threePt" dir="t"/>
+    </dgm:scene3d>
+    <dgm:sp3d/>
+    <dgm:txPr/>
+    <dgm:style>
+      <a:lnRef idx="2">
+        <a:scrgbClr r="0" g="0" b="0"/>
+      </a:lnRef>
+      <a:fillRef idx="1">
+        <a:scrgbClr r="0" g="0" b="0"/>
+      </a:fillRef>
+      <a:effectRef idx="0">
+        <a:scrgbClr r="0" g="0" b="0"/>
+      </a:effectRef>
+      <a:fontRef idx="minor">
+        <a:schemeClr val="lt1"/>
+      </a:fontRef>
+    </dgm:style>
+  </dgm:styleLbl>
+  <dgm:styleLbl name="asst3">
+    <dgm:scene3d>
+      <a:camera prst="orthographicFront"/>
+      <a:lightRig rig="threePt" dir="t"/>
+    </dgm:scene3d>
+    <dgm:sp3d/>
+    <dgm:txPr/>
+    <dgm:style>
+      <a:lnRef idx="2">
+        <a:scrgbClr r="0" g="0" b="0"/>
+      </a:lnRef>
+      <a:fillRef idx="1">
+        <a:scrgbClr r="0" g="0" b="0"/>
+      </a:fillRef>
+      <a:effectRef idx="0">
+        <a:scrgbClr r="0" g="0" b="0"/>
+      </a:effectRef>
+      <a:fontRef idx="minor">
+        <a:schemeClr val="lt1"/>
+      </a:fontRef>
+    </dgm:style>
+  </dgm:styleLbl>
+  <dgm:styleLbl name="asst4">
+    <dgm:scene3d>
+      <a:camera prst="orthographicFront"/>
+      <a:lightRig rig="threePt" dir="t"/>
+    </dgm:scene3d>
+    <dgm:sp3d/>
+    <dgm:txPr/>
+    <dgm:style>
+      <a:lnRef idx="2">
+        <a:scrgbClr r="0" g="0" b="0"/>
+      </a:lnRef>
+      <a:fillRef idx="1">
+        <a:scrgbClr r="0" g="0" b="0"/>
+      </a:fillRef>
+      <a:effectRef idx="0">
+        <a:scrgbClr r="0" g="0" b="0"/>
+      </a:effectRef>
+      <a:fontRef idx="minor">
+        <a:schemeClr val="lt1"/>
+      </a:fontRef>
+    </dgm:style>
+  </dgm:styleLbl>
+  <dgm:styleLbl name="parChTrans2D1">
+    <dgm:scene3d>
+      <a:camera prst="orthographicFront"/>
+      <a:lightRig rig="threePt" dir="t"/>
+    </dgm:scene3d>
+    <dgm:sp3d/>
+    <dgm:txPr/>
+    <dgm:style>
+      <a:lnRef idx="2">
+        <a:scrgbClr r="0" g="0" b="0"/>
+      </a:lnRef>
+      <a:fillRef idx="1">
+        <a:scrgbClr r="0" g="0" b="0"/>
+      </a:fillRef>
+      <a:effectRef idx="0">
+        <a:scrgbClr r="0" g="0" b="0"/>
+      </a:effectRef>
+      <a:fontRef idx="minor">
+        <a:schemeClr val="lt1"/>
+      </a:fontRef>
+    </dgm:style>
+  </dgm:styleLbl>
+  <dgm:styleLbl name="parChTrans2D2">
+    <dgm:scene3d>
+      <a:camera prst="orthographicFront"/>
+      <a:lightRig rig="threePt" dir="t"/>
+    </dgm:scene3d>
+    <dgm:sp3d/>
+    <dgm:txPr/>
+    <dgm:style>
+      <a:lnRef idx="2">
+        <a:scrgbClr r="0" g="0" b="0"/>
+      </a:lnRef>
+      <a:fillRef idx="1">
+        <a:scrgbClr r="0" g="0" b="0"/>
+      </a:fillRef>
+      <a:effectRef idx="0">
+        <a:scrgbClr r="0" g="0" b="0"/>
+      </a:effectRef>
+      <a:fontRef idx="minor">
+        <a:schemeClr val="lt1"/>
+      </a:fontRef>
+    </dgm:style>
+  </dgm:styleLbl>
+  <dgm:styleLbl name="parChTrans2D3">
+    <dgm:scene3d>
+      <a:camera prst="orthographicFront"/>
+      <a:lightRig rig="threePt" dir="t"/>
+    </dgm:scene3d>
+    <dgm:sp3d/>
+    <dgm:txPr/>
+    <dgm:style>
+      <a:lnRef idx="2">
+        <a:scrgbClr r="0" g="0" b="0"/>
+      </a:lnRef>
+      <a:fillRef idx="1">
+        <a:scrgbClr r="0" g="0" b="0"/>
+      </a:fillRef>
+      <a:effectRef idx="0">
+        <a:scrgbClr r="0" g="0" b="0"/>
+      </a:effectRef>
+      <a:fontRef idx="minor">
+        <a:schemeClr val="lt1"/>
+      </a:fontRef>
+    </dgm:style>
+  </dgm:styleLbl>
+  <dgm:styleLbl name="parChTrans2D4">
+    <dgm:scene3d>
+      <a:camera prst="orthographicFront"/>
+      <a:lightRig rig="threePt" dir="t"/>
+    </dgm:scene3d>
+    <dgm:sp3d/>
+    <dgm:txPr/>
+    <dgm:style>
+      <a:lnRef idx="2">
+        <a:scrgbClr r="0" g="0" b="0"/>
+      </a:lnRef>
+      <a:fillRef idx="1">
+        <a:scrgbClr r="0" g="0" b="0"/>
+      </a:fillRef>
+      <a:effectRef idx="0">
+        <a:scrgbClr r="0" g="0" b="0"/>
+      </a:effectRef>
+      <a:fontRef idx="minor">
+        <a:schemeClr val="lt1"/>
+      </a:fontRef>
+    </dgm:style>
+  </dgm:styleLbl>
+  <dgm:styleLbl name="parChTrans1D1">
+    <dgm:scene3d>
+      <a:camera prst="orthographicFront"/>
+      <a:lightRig rig="threePt" dir="t"/>
+    </dgm:scene3d>
+    <dgm:sp3d/>
+    <dgm:txPr/>
+    <dgm:style>
+      <a:lnRef idx="2">
+        <a:scrgbClr r="0" g="0" b="0"/>
+      </a:lnRef>
+      <a:fillRef idx="0">
+        <a:scrgbClr r="0" g="0" b="0"/>
+      </a:fillRef>
+      <a:effectRef idx="0">
+        <a:scrgbClr r="0" g="0" b="0"/>
+      </a:effectRef>
+      <a:fontRef idx="minor"/>
+    </dgm:style>
+  </dgm:styleLbl>
+  <dgm:styleLbl name="parChTrans1D2">
+    <dgm:scene3d>
+      <a:camera prst="orthographicFront"/>
+      <a:lightRig rig="threePt" dir="t"/>
+    </dgm:scene3d>
+    <dgm:sp3d/>
+    <dgm:txPr/>
+    <dgm:style>
+      <a:lnRef idx="2">
+        <a:scrgbClr r="0" g="0" b="0"/>
+      </a:lnRef>
+      <a:fillRef idx="0">
+        <a:scrgbClr r="0" g="0" b="0"/>
+      </a:fillRef>
+      <a:effectRef idx="0">
+        <a:scrgbClr r="0" g="0" b="0"/>
+      </a:effectRef>
+      <a:fontRef idx="minor"/>
+    </dgm:style>
+  </dgm:styleLbl>
+  <dgm:styleLbl name="parChTrans1D3">
+    <dgm:scene3d>
+      <a:camera prst="orthographicFront"/>
+      <a:lightRig rig="threePt" dir="t"/>
+    </dgm:scene3d>
+    <dgm:sp3d/>
+    <dgm:txPr/>
+    <dgm:style>
+      <a:lnRef idx="2">
+        <a:scrgbClr r="0" g="0" b="0"/>
+      </a:lnRef>
+      <a:fillRef idx="0">
+        <a:scrgbClr r="0" g="0" b="0"/>
+      </a:fillRef>
+      <a:effectRef idx="0">
+        <a:scrgbClr r="0" g="0" b="0"/>
+      </a:effectRef>
+      <a:fontRef idx="minor"/>
+    </dgm:style>
+  </dgm:styleLbl>
+  <dgm:styleLbl name="parChTrans1D4">
+    <dgm:scene3d>
+      <a:camera prst="orthographicFront"/>
+      <a:lightRig rig="threePt" dir="t"/>
+    </dgm:scene3d>
+    <dgm:sp3d/>
+    <dgm:txPr/>
+    <dgm:style>
+      <a:lnRef idx="2">
+        <a:scrgbClr r="0" g="0" b="0"/>
+      </a:lnRef>
+      <a:fillRef idx="0">
+        <a:scrgbClr r="0" g="0" b="0"/>
+      </a:fillRef>
+      <a:effectRef idx="0">
+        <a:scrgbClr r="0" g="0" b="0"/>
+      </a:effectRef>
+      <a:fontRef idx="minor"/>
+    </dgm:style>
+  </dgm:styleLbl>
+  <dgm:styleLbl name="fgAcc1">
+    <dgm:scene3d>
+      <a:camera prst="orthographicFront"/>
+      <a:lightRig rig="threePt" dir="t"/>
+    </dgm:scene3d>
+    <dgm:sp3d/>
+    <dgm:txPr/>
+    <dgm:style>
+      <a:lnRef idx="2">
+        <a:scrgbClr r="0" g="0" b="0"/>
+      </a:lnRef>
+      <a:fillRef idx="1">
+        <a:scrgbClr r="0" g="0" b="0"/>
+      </a:fillRef>
+      <a:effectRef idx="0">
+        <a:scrgbClr r="0" g="0" b="0"/>
+      </a:effectRef>
+      <a:fontRef idx="minor"/>
+    </dgm:style>
+  </dgm:styleLbl>
+  <dgm:styleLbl name="conFgAcc1">
+    <dgm:scene3d>
+      <a:camera prst="orthographicFront"/>
+      <a:lightRig rig="threePt" dir="t"/>
+    </dgm:scene3d>
+    <dgm:sp3d/>
+    <dgm:txPr/>
+    <dgm:style>
+      <a:lnRef idx="2">
+        <a:scrgbClr r="0" g="0" b="0"/>
+      </a:lnRef>
+      <a:fillRef idx="1">
+        <a:scrgbClr r="0" g="0" b="0"/>
+      </a:fillRef>
+      <a:effectRef idx="0">
+        <a:scrgbClr r="0" g="0" b="0"/>
+      </a:effectRef>
+      <a:fontRef idx="minor"/>
+    </dgm:style>
+  </dgm:styleLbl>
+  <dgm:styleLbl name="alignAcc1">
+    <dgm:scene3d>
+      <a:camera prst="orthographicFront"/>
+      <a:lightRig rig="threePt" dir="t"/>
+    </dgm:scene3d>
+    <dgm:sp3d/>
+    <dgm:txPr/>
+    <dgm:style>
+      <a:lnRef idx="2">
+        <a:scrgbClr r="0" g="0" b="0"/>
+      </a:lnRef>
+      <a:fillRef idx="1">
+        <a:scrgbClr r="0" g="0" b="0"/>
+      </a:fillRef>
+      <a:effectRef idx="0">
+        <a:scrgbClr r="0" g="0" b="0"/>
+      </a:effectRef>
+      <a:fontRef idx="minor"/>
+    </dgm:style>
+  </dgm:styleLbl>
+  <dgm:styleLbl name="trAlignAcc1">
+    <dgm:scene3d>
+      <a:camera prst="orthographicFront"/>
+      <a:lightRig rig="threePt" dir="t"/>
+    </dgm:scene3d>
+    <dgm:sp3d/>
+    <dgm:txPr/>
+    <dgm:style>
+      <a:lnRef idx="1">
+        <a:scrgbClr r="0" g="0" b="0"/>
+      </a:lnRef>
+      <a:fillRef idx="1">
+        <a:scrgbClr r="0" g="0" b="0"/>
+      </a:fillRef>
+      <a:effectRef idx="0">
+        <a:scrgbClr r="0" g="0" b="0"/>
+      </a:effectRef>
+      <a:fontRef idx="minor"/>
+    </dgm:style>
+  </dgm:styleLbl>
+  <dgm:styleLbl name="bgAcc1">
+    <dgm:scene3d>
+      <a:camera prst="orthographicFront"/>
+      <a:lightRig rig="threePt" dir="t"/>
+    </dgm:scene3d>
+    <dgm:sp3d/>
+    <dgm:txPr/>
+    <dgm:style>
+      <a:lnRef idx="2">
+        <a:scrgbClr r="0" g="0" b="0"/>
+      </a:lnRef>
+      <a:fillRef idx="1">
+        <a:scrgbClr r="0" g="0" b="0"/>
+      </a:fillRef>
+      <a:effectRef idx="0">
+        <a:scrgbClr r="0" g="0" b="0"/>
+      </a:effectRef>
+      <a:fontRef idx="minor"/>
+    </dgm:style>
+  </dgm:styleLbl>
+  <dgm:styleLbl name="solidFgAcc1">
+    <dgm:scene3d>
+      <a:camera prst="orthographicFront"/>
+      <a:lightRig rig="threePt" dir="t"/>
+    </dgm:scene3d>
+    <dgm:sp3d/>
+    <dgm:txPr/>
+    <dgm:style>
+      <a:lnRef idx="2">
+        <a:scrgbClr r="0" g="0" b="0"/>
+      </a:lnRef>
+      <a:fillRef idx="1">
+        <a:scrgbClr r="0" g="0" b="0"/>
+      </a:fillRef>
+      <a:effectRef idx="0">
+        <a:scrgbClr r="0" g="0" b="0"/>
+      </a:effectRef>
+      <a:fontRef idx="minor"/>
+    </dgm:style>
+  </dgm:styleLbl>
+  <dgm:styleLbl name="solidAlignAcc1">
+    <dgm:scene3d>
+      <a:camera prst="orthographicFront"/>
+      <a:lightRig rig="threePt" dir="t"/>
+    </dgm:scene3d>
+    <dgm:sp3d/>
+    <dgm:txPr/>
+    <dgm:style>
+      <a:lnRef idx="2">
+        <a:scrgbClr r="0" g="0" b="0"/>
+      </a:lnRef>
+      <a:fillRef idx="1">
+        <a:scrgbClr r="0" g="0" b="0"/>
+      </a:fillRef>
+      <a:effectRef idx="0">
+        <a:scrgbClr r="0" g="0" b="0"/>
+      </a:effectRef>
+      <a:fontRef idx="minor"/>
+    </dgm:style>
+  </dgm:styleLbl>
+  <dgm:styleLbl name="solidBgAcc1">
+    <dgm:scene3d>
+      <a:camera prst="orthographicFront"/>
+      <a:lightRig rig="threePt" dir="t"/>
+    </dgm:scene3d>
+    <dgm:sp3d/>
+    <dgm:txPr/>
+    <dgm:style>
+      <a:lnRef idx="2">
+        <a:scrgbClr r="0" g="0" b="0"/>
+      </a:lnRef>
+      <a:fillRef idx="1">
+        <a:scrgbClr r="0" g="0" b="0"/>
+      </a:fillRef>
+      <a:effectRef idx="0">
+        <a:scrgbClr r="0" g="0" b="0"/>
+      </a:effectRef>
+      <a:fontRef idx="minor"/>
+    </dgm:style>
+  </dgm:styleLbl>
+  <dgm:styleLbl name="fgAccFollowNode1">
+    <dgm:scene3d>
+      <a:camera prst="orthographicFront"/>
+      <a:lightRig rig="threePt" dir="t"/>
+    </dgm:scene3d>
+    <dgm:sp3d/>
+    <dgm:txPr/>
+    <dgm:style>
+      <a:lnRef idx="2">
+        <a:scrgbClr r="0" g="0" b="0"/>
+      </a:lnRef>
+      <a:fillRef idx="1">
+        <a:scrgbClr r="0" g="0" b="0"/>
+      </a:fillRef>
+      <a:effectRef idx="0">
+        <a:scrgbClr r="0" g="0" b="0"/>
+      </a:effectRef>
+      <a:fontRef idx="minor"/>
+    </dgm:style>
+  </dgm:styleLbl>
+  <dgm:styleLbl name="alignAccFollowNode1">
+    <dgm:scene3d>
+      <a:camera prst="orthographicFront"/>
+      <a:lightRig rig="threePt" dir="t"/>
+    </dgm:scene3d>
+    <dgm:sp3d/>
+    <dgm:txPr/>
+    <dgm:style>
+      <a:lnRef idx="2">
+        <a:scrgbClr r="0" g="0" b="0"/>
+      </a:lnRef>
+      <a:fillRef idx="1">
+        <a:scrgbClr r="0" g="0" b="0"/>
+      </a:fillRef>
+      <a:effectRef idx="0">
+        <a:scrgbClr r="0" g="0" b="0"/>
+      </a:effectRef>
+      <a:fontRef idx="minor"/>
+    </dgm:style>
+  </dgm:styleLbl>
+  <dgm:styleLbl name="bgAccFollowNode1">
+    <dgm:scene3d>
+      <a:camera prst="orthographicFront"/>
+      <a:lightRig rig="threePt" dir="t"/>
+    </dgm:scene3d>
+    <dgm:sp3d/>
+    <dgm:txPr/>
+    <dgm:style>
+      <a:lnRef idx="2">
+        <a:scrgbClr r="0" g="0" b="0"/>
+      </a:lnRef>
+      <a:fillRef idx="1">
+        <a:scrgbClr r="0" g="0" b="0"/>
+      </a:fillRef>
+      <a:effectRef idx="0">
+        <a:scrgbClr r="0" g="0" b="0"/>
+      </a:effectRef>
+      <a:fontRef idx="minor"/>
+    </dgm:style>
+  </dgm:styleLbl>
+  <dgm:styleLbl name="fgAcc0">
+    <dgm:scene3d>
+      <a:camera prst="orthographicFront"/>
+      <a:lightRig rig="threePt" dir="t"/>
+    </dgm:scene3d>
+    <dgm:sp3d/>
+    <dgm:txPr/>
+    <dgm:style>
+      <a:lnRef idx="2">
+        <a:scrgbClr r="0" g="0" b="0"/>
+      </a:lnRef>
+      <a:fillRef idx="1">
+        <a:scrgbClr r="0" g="0" b="0"/>
+      </a:fillRef>
+      <a:effectRef idx="0">
+        <a:scrgbClr r="0" g="0" b="0"/>
+      </a:effectRef>
+      <a:fontRef idx="minor"/>
+    </dgm:style>
+  </dgm:styleLbl>
+  <dgm:styleLbl name="fgAcc2">
+    <dgm:scene3d>
+      <a:camera prst="orthographicFront"/>
+      <a:lightRig rig="threePt" dir="t"/>
+    </dgm:scene3d>
+    <dgm:sp3d/>
+    <dgm:txPr/>
+    <dgm:style>
+      <a:lnRef idx="2">
+        <a:scrgbClr r="0" g="0" b="0"/>
+      </a:lnRef>
+      <a:fillRef idx="1">
+        <a:scrgbClr r="0" g="0" b="0"/>
+      </a:fillRef>
+      <a:effectRef idx="0">
+        <a:scrgbClr r="0" g="0" b="0"/>
+      </a:effectRef>
+      <a:fontRef idx="minor"/>
+    </dgm:style>
+  </dgm:styleLbl>
+  <dgm:styleLbl name="fgAcc3">
+    <dgm:scene3d>
+      <a:camera prst="orthographicFront"/>
+      <a:lightRig rig="threePt" dir="t"/>
+    </dgm:scene3d>
+    <dgm:sp3d/>
+    <dgm:txPr/>
+    <dgm:style>
+      <a:lnRef idx="2">
+        <a:scrgbClr r="0" g="0" b="0"/>
+      </a:lnRef>
+      <a:fillRef idx="1">
+        <a:scrgbClr r="0" g="0" b="0"/>
+      </a:fillRef>
+      <a:effectRef idx="0">
+        <a:scrgbClr r="0" g="0" b="0"/>
+      </a:effectRef>
+      <a:fontRef idx="minor"/>
+    </dgm:style>
+  </dgm:styleLbl>
+  <dgm:styleLbl name="fgAcc4">
+    <dgm:scene3d>
+      <a:camera prst="orthographicFront"/>
+      <a:lightRig rig="threePt" dir="t"/>
+    </dgm:scene3d>
+    <dgm:sp3d/>
+    <dgm:txPr/>
+    <dgm:style>
+      <a:lnRef idx="2">
+        <a:scrgbClr r="0" g="0" b="0"/>
+      </a:lnRef>
+      <a:fillRef idx="1">
+        <a:scrgbClr r="0" g="0" b="0"/>
+      </a:fillRef>
+      <a:effectRef idx="0">
+        <a:scrgbClr r="0" g="0" b="0"/>
+      </a:effectRef>
+      <a:fontRef idx="minor"/>
+    </dgm:style>
+  </dgm:styleLbl>
+  <dgm:styleLbl name="bgShp">
+    <dgm:scene3d>
+      <a:camera prst="orthographicFront"/>
+      <a:lightRig rig="threePt" dir="t"/>
+    </dgm:scene3d>
+    <dgm:sp3d/>
+    <dgm:txPr/>
+    <dgm:style>
+      <a:lnRef idx="0">
+        <a:scrgbClr r="0" g="0" b="0"/>
+      </a:lnRef>
+      <a:fillRef idx="1">
+        <a:scrgbClr r="0" g="0" b="0"/>
+      </a:fillRef>
+      <a:effectRef idx="0">
+        <a:scrgbClr r="0" g="0" b="0"/>
+      </a:effectRef>
+      <a:fontRef idx="minor"/>
+    </dgm:style>
+  </dgm:styleLbl>
+  <dgm:styleLbl name="dkBgShp">
+    <dgm:scene3d>
+      <a:camera prst="orthographicFront"/>
+      <a:lightRig rig="threePt" dir="t"/>
+    </dgm:scene3d>
+    <dgm:sp3d/>
+    <dgm:txPr/>
+    <dgm:style>
+      <a:lnRef idx="0">
+        <a:scrgbClr r="0" g="0" b="0"/>
+      </a:lnRef>
+      <a:fillRef idx="1">
+        <a:scrgbClr r="0" g="0" b="0"/>
+      </a:fillRef>
+      <a:effectRef idx="0">
+        <a:scrgbClr r="0" g="0" b="0"/>
+      </a:effectRef>
+      <a:fontRef idx="minor"/>
+    </dgm:style>
+  </dgm:styleLbl>
+  <dgm:styleLbl name="trBgShp">
+    <dgm:scene3d>
+      <a:camera prst="orthographicFront"/>
+      <a:lightRig rig="threePt" dir="t"/>
+    </dgm:scene3d>
+    <dgm:sp3d/>
+    <dgm:txPr/>
+    <dgm:style>
+      <a:lnRef idx="0">
+        <a:scrgbClr r="0" g="0" b="0"/>
+      </a:lnRef>
+      <a:fillRef idx="1">
+        <a:scrgbClr r="0" g="0" b="0"/>
+      </a:fillRef>
+      <a:effectRef idx="0">
+        <a:scrgbClr r="0" g="0" b="0"/>
+      </a:effectRef>
+      <a:fontRef idx="minor"/>
+    </dgm:style>
+  </dgm:styleLbl>
+  <dgm:styleLbl name="fgShp">
+    <dgm:scene3d>
+      <a:camera prst="orthographicFront"/>
+      <a:lightRig rig="threePt" dir="t"/>
+    </dgm:scene3d>
+    <dgm:sp3d/>
+    <dgm:txPr/>
+    <dgm:style>
+      <a:lnRef idx="2">
+        <a:scrgbClr r="0" g="0" b="0"/>
+      </a:lnRef>
+      <a:fillRef idx="1">
+        <a:scrgbClr r="0" g="0" b="0"/>
+      </a:fillRef>
+      <a:effectRef idx="0">
+        <a:scrgbClr r="0" g="0" b="0"/>
+      </a:effectRef>
+      <a:fontRef idx="minor"/>
+    </dgm:style>
+  </dgm:styleLbl>
+  <dgm:styleLbl name="revTx">
+    <dgm:scene3d>
+      <a:camera prst="orthographicFront"/>
+      <a:lightRig rig="threePt" dir="t"/>
+    </dgm:scene3d>
+    <dgm:sp3d/>
+    <dgm:txPr/>
+    <dgm:style>
+      <a:lnRef idx="0">
+        <a:scrgbClr r="0" g="0" b="0"/>
+      </a:lnRef>
+      <a:fillRef idx="0">
+        <a:scrgbClr r="0" g="0" b="0"/>
+      </a:fillRef>
+      <a:effectRef idx="0">
+        <a:scrgbClr r="0" g="0" b="0"/>
+      </a:effectRef>
+      <a:fontRef idx="minor"/>
+    </dgm:style>
+  </dgm:styleLbl>
+</dgm:styleDef>
+</file>
+
+<file path=ppt/diagrams/quickStyle4.xml><?xml version="1.0" encoding="utf-8"?>
 <dgm:styleDef xmlns:dgm="http://schemas.openxmlformats.org/drawingml/2006/diagram" xmlns:a="http://schemas.openxmlformats.org/drawingml/2006/main" uniqueId="urn:microsoft.com/office/officeart/2005/8/quickstyle/simple1">
   <dgm:title val=""/>
   <dgm:desc val=""/>
@@ -8729,7 +12339,7 @@
           <a:p>
             <a:fld id="{DA403576-A3AB-4AC6-A0EF-19EF60BE6035}" type="datetimeFigureOut">
               <a:rPr lang="de-DE" smtClean="0"/>
-              <a:t>16.11.2024</a:t>
+              <a:t>18.11.2024</a:t>
             </a:fld>
             <a:endParaRPr lang="de-DE"/>
           </a:p>
@@ -9718,7 +13328,7 @@
           <a:p>
             <a:fld id="{1CE8AB29-D785-4D4B-B829-AEEC7C1E78D0}" type="datetime1">
               <a:rPr lang="de-DE" smtClean="0"/>
-              <a:t>16.11.2024</a:t>
+              <a:t>18.11.2024</a:t>
             </a:fld>
             <a:endParaRPr lang="de-DE"/>
           </a:p>
@@ -9969,7 +13579,7 @@
           <a:p>
             <a:fld id="{3CBF48E8-5731-4C70-B7E3-A31C7D2C4F96}" type="datetime1">
               <a:rPr lang="de-DE" smtClean="0"/>
-              <a:t>16.11.2024</a:t>
+              <a:t>18.11.2024</a:t>
             </a:fld>
             <a:endParaRPr lang="de-DE"/>
           </a:p>
@@ -10283,7 +13893,7 @@
           <a:p>
             <a:fld id="{BB08D2C7-6951-433A-B6C0-8145980A24A4}" type="datetime1">
               <a:rPr lang="de-DE" smtClean="0"/>
-              <a:t>16.11.2024</a:t>
+              <a:t>18.11.2024</a:t>
             </a:fld>
             <a:endParaRPr lang="de-DE"/>
           </a:p>
@@ -10624,7 +14234,7 @@
           <a:p>
             <a:fld id="{3FD39D66-4EC6-45A9-A919-CC37D4BBB387}" type="datetime1">
               <a:rPr lang="de-DE" smtClean="0"/>
-              <a:t>16.11.2024</a:t>
+              <a:t>18.11.2024</a:t>
             </a:fld>
             <a:endParaRPr lang="de-DE"/>
           </a:p>
@@ -10938,7 +14548,7 @@
           <a:p>
             <a:fld id="{0EAE094F-F621-4546-AEA1-0313576E4FC4}" type="datetime1">
               <a:rPr lang="de-DE" smtClean="0"/>
-              <a:t>16.11.2024</a:t>
+              <a:t>18.11.2024</a:t>
             </a:fld>
             <a:endParaRPr lang="de-DE"/>
           </a:p>
@@ -11331,7 +14941,7 @@
           <a:p>
             <a:fld id="{01BAD2E5-FF6B-46DD-9A3A-4C9F6661F9B1}" type="datetime1">
               <a:rPr lang="de-DE" smtClean="0"/>
-              <a:t>16.11.2024</a:t>
+              <a:t>18.11.2024</a:t>
             </a:fld>
             <a:endParaRPr lang="de-DE"/>
           </a:p>
@@ -11501,7 +15111,7 @@
           <a:p>
             <a:fld id="{9973F575-E65E-4D6A-BA9E-C2298C6E1A58}" type="datetime1">
               <a:rPr lang="de-DE" smtClean="0"/>
-              <a:t>16.11.2024</a:t>
+              <a:t>18.11.2024</a:t>
             </a:fld>
             <a:endParaRPr lang="de-DE"/>
           </a:p>
@@ -11681,7 +15291,7 @@
           <a:p>
             <a:fld id="{5AB4612E-9522-44CE-BDCA-D026A8385B5D}" type="datetime1">
               <a:rPr lang="de-DE" smtClean="0"/>
-              <a:t>16.11.2024</a:t>
+              <a:t>18.11.2024</a:t>
             </a:fld>
             <a:endParaRPr lang="de-DE"/>
           </a:p>
@@ -11857,7 +15467,7 @@
           <a:p>
             <a:fld id="{01E90373-83EE-481B-89AB-786909B0CD62}" type="datetime1">
               <a:rPr lang="de-DE" smtClean="0"/>
-              <a:t>16.11.2024</a:t>
+              <a:t>18.11.2024</a:t>
             </a:fld>
             <a:endParaRPr lang="de-DE"/>
           </a:p>
@@ -12104,7 +15714,7 @@
           <a:p>
             <a:fld id="{F1CC338C-4CA6-41E0-9F78-0D3427B5F196}" type="datetime1">
               <a:rPr lang="de-DE" smtClean="0"/>
-              <a:t>16.11.2024</a:t>
+              <a:t>18.11.2024</a:t>
             </a:fld>
             <a:endParaRPr lang="de-DE"/>
           </a:p>
@@ -12336,7 +15946,7 @@
           <a:p>
             <a:fld id="{89886814-9B3D-44E0-B61C-E8C6BB2D3FDB}" type="datetime1">
               <a:rPr lang="de-DE" smtClean="0"/>
-              <a:t>16.11.2024</a:t>
+              <a:t>18.11.2024</a:t>
             </a:fld>
             <a:endParaRPr lang="de-DE"/>
           </a:p>
@@ -12710,7 +16320,7 @@
           <a:p>
             <a:fld id="{9511CEF2-B8E8-4248-A22E-04432473FB24}" type="datetime1">
               <a:rPr lang="de-DE" smtClean="0"/>
-              <a:t>16.11.2024</a:t>
+              <a:t>18.11.2024</a:t>
             </a:fld>
             <a:endParaRPr lang="de-DE"/>
           </a:p>
@@ -12833,7 +16443,7 @@
           <a:p>
             <a:fld id="{8BBB1705-D8B4-417F-A997-5B5F0AB05A9F}" type="datetime1">
               <a:rPr lang="de-DE" smtClean="0"/>
-              <a:t>16.11.2024</a:t>
+              <a:t>18.11.2024</a:t>
             </a:fld>
             <a:endParaRPr lang="de-DE"/>
           </a:p>
@@ -12928,7 +16538,7 @@
           <a:p>
             <a:fld id="{5BE2BB6C-2A71-4C2D-AF64-4B7E32B834F6}" type="datetime1">
               <a:rPr lang="de-DE" smtClean="0"/>
-              <a:t>16.11.2024</a:t>
+              <a:t>18.11.2024</a:t>
             </a:fld>
             <a:endParaRPr lang="de-DE"/>
           </a:p>
@@ -13183,7 +16793,7 @@
           <a:p>
             <a:fld id="{25DF67C3-7898-469C-912C-8269F3EADCB1}" type="datetime1">
               <a:rPr lang="de-DE" smtClean="0"/>
-              <a:t>16.11.2024</a:t>
+              <a:t>18.11.2024</a:t>
             </a:fld>
             <a:endParaRPr lang="de-DE"/>
           </a:p>
@@ -13446,7 +17056,7 @@
           <a:p>
             <a:fld id="{0091FE92-E7C7-4F03-BA64-64B292B5AE39}" type="datetime1">
               <a:rPr lang="de-DE" smtClean="0"/>
-              <a:t>16.11.2024</a:t>
+              <a:t>18.11.2024</a:t>
             </a:fld>
             <a:endParaRPr lang="de-DE"/>
           </a:p>
@@ -14189,7 +17799,7 @@
           <a:p>
             <a:fld id="{5507EF0A-E8D9-4E2D-9465-0E630D357D48}" type="datetime1">
               <a:rPr lang="de-DE" smtClean="0"/>
-              <a:t>16.11.2024</a:t>
+              <a:t>18.11.2024</a:t>
             </a:fld>
             <a:endParaRPr lang="de-DE"/>
           </a:p>
@@ -15000,6 +18610,14 @@
 <file path=ppt/slides/slide11.xml><?xml version="1.0" encoding="utf-8"?>
 <p:sld xmlns:a="http://schemas.openxmlformats.org/drawingml/2006/main" xmlns:r="http://schemas.openxmlformats.org/officeDocument/2006/relationships" xmlns:p="http://schemas.openxmlformats.org/presentationml/2006/main">
   <p:cSld>
+    <p:bg>
+      <p:bgPr>
+        <a:solidFill>
+          <a:schemeClr val="bg1"/>
+        </a:solidFill>
+        <a:effectLst/>
+      </p:bgPr>
+    </p:bg>
     <p:spTree>
       <p:nvGrpSpPr>
         <p:cNvPr id="1" name=""/>
@@ -15014,6 +18632,66 @@
           <a:chExt cx="0" cy="0"/>
         </a:xfrm>
       </p:grpSpPr>
+      <p:sp useBgFill="1">
+        <p:nvSpPr>
+          <p:cNvPr id="25" name="Rectangle 9">
+            <a:extLst>
+              <a:ext uri="{FF2B5EF4-FFF2-40B4-BE49-F238E27FC236}">
+                <a16:creationId xmlns:a16="http://schemas.microsoft.com/office/drawing/2014/main" id="{9F4444CE-BC8D-4D61-B303-4C05614E62AB}"/>
+              </a:ext>
+              <a:ext uri="{C183D7F6-B498-43B3-948B-1728B52AA6E4}">
+                <adec:decorative xmlns:adec="http://schemas.microsoft.com/office/drawing/2017/decorative" val="1"/>
+              </a:ext>
+            </a:extLst>
+          </p:cNvPr>
+          <p:cNvSpPr>
+            <a:spLocks noGrp="1" noRot="1" noChangeAspect="1" noMove="1" noResize="1" noEditPoints="1" noAdjustHandles="1" noChangeArrowheads="1" noChangeShapeType="1" noTextEdit="1"/>
+          </p:cNvSpPr>
+          <p:nvPr>
+            <p:extLst>
+              <p:ext uri="{386F3935-93C4-4BCD-93E2-E3B085C9AB24}">
+                <p16:designElem xmlns:p16="http://schemas.microsoft.com/office/powerpoint/2015/main" val="1"/>
+              </p:ext>
+            </p:extLst>
+          </p:nvPr>
+        </p:nvSpPr>
+        <p:spPr>
+          <a:xfrm>
+            <a:off x="0" y="0"/>
+            <a:ext cx="12192000" cy="6858000"/>
+          </a:xfrm>
+          <a:prstGeom prst="rect">
+            <a:avLst/>
+          </a:prstGeom>
+          <a:ln>
+            <a:noFill/>
+          </a:ln>
+        </p:spPr>
+        <p:style>
+          <a:lnRef idx="2">
+            <a:schemeClr val="accent1">
+              <a:shade val="50000"/>
+            </a:schemeClr>
+          </a:lnRef>
+          <a:fillRef idx="1">
+            <a:schemeClr val="accent1"/>
+          </a:fillRef>
+          <a:effectRef idx="0">
+            <a:schemeClr val="accent1"/>
+          </a:effectRef>
+          <a:fontRef idx="minor">
+            <a:schemeClr val="lt1"/>
+          </a:fontRef>
+        </p:style>
+        <p:txBody>
+          <a:bodyPr rtlCol="0" anchor="ctr"/>
+          <a:lstStyle/>
+          <a:p>
+            <a:pPr algn="ctr"/>
+            <a:endParaRPr lang="en-US"/>
+          </a:p>
+        </p:txBody>
+      </p:sp>
       <p:sp>
         <p:nvSpPr>
           <p:cNvPr id="2" name="Titel 1">
@@ -15030,112 +18708,88 @@
             <p:ph type="title"/>
           </p:nvPr>
         </p:nvSpPr>
-        <p:spPr/>
+        <p:spPr>
+          <a:xfrm>
+            <a:off x="1286933" y="609600"/>
+            <a:ext cx="10197494" cy="1099457"/>
+          </a:xfrm>
+        </p:spPr>
         <p:txBody>
-          <a:bodyPr/>
+          <a:bodyPr>
+            <a:normAutofit/>
+          </a:bodyPr>
           <a:lstStyle/>
           <a:p>
             <a:r>
-              <a:rPr lang="de-DE" dirty="0"/>
+              <a:rPr lang="de-DE"/>
               <a:t>Optimierungen</a:t>
             </a:r>
+            <a:endParaRPr lang="de-DE" dirty="0"/>
           </a:p>
         </p:txBody>
       </p:sp>
       <p:sp>
         <p:nvSpPr>
-          <p:cNvPr id="3" name="Inhaltsplatzhalter 2">
+          <p:cNvPr id="26" name="Isosceles Triangle 11">
             <a:extLst>
               <a:ext uri="{FF2B5EF4-FFF2-40B4-BE49-F238E27FC236}">
-                <a16:creationId xmlns:a16="http://schemas.microsoft.com/office/drawing/2014/main" id="{73168978-3B1B-DA46-3A2B-DFA8C3E043DB}"/>
+                <a16:creationId xmlns:a16="http://schemas.microsoft.com/office/drawing/2014/main" id="{73772B81-181F-48B7-8826-4D9686D15DF5}"/>
+              </a:ext>
+              <a:ext uri="{C183D7F6-B498-43B3-948B-1728B52AA6E4}">
+                <adec:decorative xmlns:adec="http://schemas.microsoft.com/office/drawing/2017/decorative" val="1"/>
               </a:ext>
             </a:extLst>
           </p:cNvPr>
           <p:cNvSpPr>
-            <a:spLocks noGrp="1"/>
+            <a:spLocks noGrp="1" noRot="1" noChangeAspect="1" noMove="1" noResize="1" noEditPoints="1" noAdjustHandles="1" noChangeArrowheads="1" noChangeShapeType="1" noTextEdit="1"/>
           </p:cNvSpPr>
           <p:nvPr>
-            <p:ph idx="1"/>
+            <p:extLst>
+              <p:ext uri="{386F3935-93C4-4BCD-93E2-E3B085C9AB24}">
+                <p16:designElem xmlns:p16="http://schemas.microsoft.com/office/powerpoint/2015/main" val="1"/>
+              </p:ext>
+            </p:extLst>
           </p:nvPr>
         </p:nvSpPr>
-        <p:spPr/>
+        <p:spPr>
+          <a:xfrm rot="10800000">
+            <a:off x="0" y="0"/>
+            <a:ext cx="842596" cy="5666154"/>
+          </a:xfrm>
+          <a:prstGeom prst="triangle">
+            <a:avLst>
+              <a:gd name="adj" fmla="val 100000"/>
+            </a:avLst>
+          </a:prstGeom>
+          <a:solidFill>
+            <a:schemeClr val="accent1">
+              <a:alpha val="85000"/>
+            </a:schemeClr>
+          </a:solidFill>
+          <a:ln>
+            <a:noFill/>
+          </a:ln>
+          <a:effectLst/>
+        </p:spPr>
+        <p:style>
+          <a:lnRef idx="1">
+            <a:schemeClr val="accent1"/>
+          </a:lnRef>
+          <a:fillRef idx="3">
+            <a:schemeClr val="accent1"/>
+          </a:fillRef>
+          <a:effectRef idx="2">
+            <a:schemeClr val="accent1"/>
+          </a:effectRef>
+          <a:fontRef idx="minor">
+            <a:schemeClr val="lt1"/>
+          </a:fontRef>
+        </p:style>
         <p:txBody>
           <a:bodyPr/>
           <a:lstStyle/>
           <a:p>
-            <a:r>
-              <a:rPr lang="de-DE" dirty="0"/>
-              <a:t>Fokussieren auf Laufzeit &amp; Speicherverbrauch</a:t>
-            </a:r>
-          </a:p>
-          <a:p>
-            <a:pPr lvl="1"/>
-            <a:r>
-              <a:rPr lang="de-DE" dirty="0"/>
-              <a:t>Divide-and-</a:t>
-            </a:r>
-            <a:r>
-              <a:rPr lang="de-DE" dirty="0" err="1"/>
-              <a:t>Conquer</a:t>
-            </a:r>
-            <a:endParaRPr lang="de-DE" dirty="0"/>
-          </a:p>
-          <a:p>
-            <a:pPr lvl="1"/>
-            <a:endParaRPr lang="de-DE" dirty="0"/>
-          </a:p>
-          <a:p>
-            <a:r>
-              <a:rPr lang="de-DE" dirty="0"/>
-              <a:t>Optimieren von Datenstrukturen</a:t>
-            </a:r>
-          </a:p>
-          <a:p>
-            <a:pPr lvl="1"/>
-            <a:r>
-              <a:rPr lang="de-DE" dirty="0"/>
-              <a:t>bspw. </a:t>
-            </a:r>
-            <a:r>
-              <a:rPr lang="de-DE" dirty="0" err="1"/>
-              <a:t>ArrayList</a:t>
-            </a:r>
-            <a:r>
-              <a:rPr lang="de-DE" dirty="0"/>
-              <a:t> vs. </a:t>
-            </a:r>
-            <a:r>
-              <a:rPr lang="de-DE" dirty="0" err="1"/>
-              <a:t>LinkedList</a:t>
-            </a:r>
-            <a:endParaRPr lang="de-DE" dirty="0"/>
-          </a:p>
-          <a:p>
-            <a:pPr lvl="1"/>
-            <a:endParaRPr lang="de-DE" dirty="0"/>
-          </a:p>
-          <a:p>
-            <a:r>
-              <a:rPr lang="de-DE" dirty="0"/>
-              <a:t>Parallelisierung / Multithreading</a:t>
-            </a:r>
-          </a:p>
-          <a:p>
-            <a:pPr lvl="1"/>
-            <a:r>
-              <a:rPr lang="de-DE" dirty="0"/>
-              <a:t>Aufteilen von Aufgaben</a:t>
-            </a:r>
-          </a:p>
-          <a:p>
-            <a:pPr lvl="1"/>
-            <a:endParaRPr lang="de-DE" dirty="0"/>
-          </a:p>
-          <a:p>
-            <a:r>
-              <a:rPr lang="de-DE" dirty="0"/>
-              <a:t>Trade-Offs: Performance vs. Lesbarkeit/Wartbarkeit</a:t>
-            </a:r>
+            <a:endParaRPr lang="de-DE"/>
           </a:p>
         </p:txBody>
       </p:sp>
@@ -15155,19 +18809,132 @@
             <p:ph type="sldNum" sz="quarter" idx="12"/>
           </p:nvPr>
         </p:nvSpPr>
-        <p:spPr/>
+        <p:spPr>
+          <a:xfrm>
+            <a:off x="9894532" y="6182876"/>
+            <a:ext cx="683339" cy="365125"/>
+          </a:xfrm>
+        </p:spPr>
         <p:txBody>
-          <a:bodyPr/>
+          <a:bodyPr>
+            <a:normAutofit/>
+          </a:bodyPr>
           <a:lstStyle/>
           <a:p>
+            <a:pPr>
+              <a:spcAft>
+                <a:spcPts val="600"/>
+              </a:spcAft>
+            </a:pPr>
             <a:fld id="{09424A48-D681-4D16-914C-14144854F3C2}" type="slidenum">
               <a:rPr lang="de-DE" smtClean="0"/>
+              <a:pPr>
+                <a:spcAft>
+                  <a:spcPts val="600"/>
+                </a:spcAft>
+              </a:pPr>
               <a:t>11</a:t>
             </a:fld>
             <a:endParaRPr lang="de-DE"/>
           </a:p>
         </p:txBody>
       </p:sp>
+      <p:sp>
+        <p:nvSpPr>
+          <p:cNvPr id="14" name="Isosceles Triangle 13">
+            <a:extLst>
+              <a:ext uri="{FF2B5EF4-FFF2-40B4-BE49-F238E27FC236}">
+                <a16:creationId xmlns:a16="http://schemas.microsoft.com/office/drawing/2014/main" id="{B2205F6E-03C6-4E92-877C-E2482F6599AA}"/>
+              </a:ext>
+              <a:ext uri="{C183D7F6-B498-43B3-948B-1728B52AA6E4}">
+                <adec:decorative xmlns:adec="http://schemas.microsoft.com/office/drawing/2017/decorative" val="1"/>
+              </a:ext>
+            </a:extLst>
+          </p:cNvPr>
+          <p:cNvSpPr>
+            <a:spLocks noGrp="1" noRot="1" noChangeAspect="1" noMove="1" noResize="1" noEditPoints="1" noAdjustHandles="1" noChangeArrowheads="1" noChangeShapeType="1" noTextEdit="1"/>
+          </p:cNvSpPr>
+          <p:nvPr>
+            <p:extLst>
+              <p:ext uri="{386F3935-93C4-4BCD-93E2-E3B085C9AB24}">
+                <p16:designElem xmlns:p16="http://schemas.microsoft.com/office/powerpoint/2015/main" val="1"/>
+              </p:ext>
+            </p:extLst>
+          </p:nvPr>
+        </p:nvSpPr>
+        <p:spPr>
+          <a:xfrm flipH="1">
+            <a:off x="11743267" y="4013200"/>
+            <a:ext cx="448733" cy="2844800"/>
+          </a:xfrm>
+          <a:prstGeom prst="triangle">
+            <a:avLst>
+              <a:gd name="adj" fmla="val 0"/>
+            </a:avLst>
+          </a:prstGeom>
+          <a:solidFill>
+            <a:schemeClr val="accent1">
+              <a:alpha val="85000"/>
+            </a:schemeClr>
+          </a:solidFill>
+          <a:ln>
+            <a:noFill/>
+          </a:ln>
+          <a:effectLst/>
+        </p:spPr>
+        <p:style>
+          <a:lnRef idx="1">
+            <a:schemeClr val="accent1"/>
+          </a:lnRef>
+          <a:fillRef idx="3">
+            <a:schemeClr val="accent1"/>
+          </a:fillRef>
+          <a:effectRef idx="2">
+            <a:schemeClr val="accent1"/>
+          </a:effectRef>
+          <a:fontRef idx="minor">
+            <a:schemeClr val="lt1"/>
+          </a:fontRef>
+        </p:style>
+        <p:txBody>
+          <a:bodyPr/>
+          <a:lstStyle/>
+          <a:p>
+            <a:endParaRPr lang="de-DE"/>
+          </a:p>
+        </p:txBody>
+      </p:sp>
+      <p:graphicFrame>
+        <p:nvGraphicFramePr>
+          <p:cNvPr id="27" name="Inhaltsplatzhalter 2">
+            <a:extLst>
+              <a:ext uri="{FF2B5EF4-FFF2-40B4-BE49-F238E27FC236}">
+                <a16:creationId xmlns:a16="http://schemas.microsoft.com/office/drawing/2014/main" id="{8BB2EE17-F633-1035-03E9-49A82C3FD30C}"/>
+              </a:ext>
+            </a:extLst>
+          </p:cNvPr>
+          <p:cNvGraphicFramePr>
+            <a:graphicFrameLocks noGrp="1"/>
+          </p:cNvGraphicFramePr>
+          <p:nvPr>
+            <p:ph idx="1"/>
+            <p:extLst>
+              <p:ext uri="{D42A27DB-BD31-4B8C-83A1-F6EECF244321}">
+                <p14:modId xmlns:p14="http://schemas.microsoft.com/office/powerpoint/2010/main" val="543827726"/>
+              </p:ext>
+            </p:extLst>
+          </p:nvPr>
+        </p:nvGraphicFramePr>
+        <p:xfrm>
+          <a:off x="1286933" y="1948543"/>
+          <a:ext cx="9618133" cy="4093482"/>
+        </p:xfrm>
+        <a:graphic>
+          <a:graphicData uri="http://schemas.openxmlformats.org/drawingml/2006/diagram">
+            <dgm:relIds xmlns:dgm="http://schemas.openxmlformats.org/drawingml/2006/diagram" xmlns:r="http://schemas.openxmlformats.org/officeDocument/2006/relationships" r:dm="rId2" r:lo="rId3" r:qs="rId4" r:cs="rId5"/>
+          </a:graphicData>
+        </a:graphic>
+      </p:graphicFrame>
     </p:spTree>
     <p:extLst>
       <p:ext uri="{BB962C8B-B14F-4D97-AF65-F5344CB8AC3E}">
@@ -15311,6 +19078,14 @@
 <file path=ppt/slides/slide13.xml><?xml version="1.0" encoding="utf-8"?>
 <p:sld xmlns:a="http://schemas.openxmlformats.org/drawingml/2006/main" xmlns:r="http://schemas.openxmlformats.org/officeDocument/2006/relationships" xmlns:p="http://schemas.openxmlformats.org/presentationml/2006/main">
   <p:cSld>
+    <p:bg>
+      <p:bgPr>
+        <a:solidFill>
+          <a:schemeClr val="bg1"/>
+        </a:solidFill>
+        <a:effectLst/>
+      </p:bgPr>
+    </p:bg>
     <p:spTree>
       <p:nvGrpSpPr>
         <p:cNvPr id="1" name=""/>
@@ -15325,6 +19100,66 @@
           <a:chExt cx="0" cy="0"/>
         </a:xfrm>
       </p:grpSpPr>
+      <p:sp useBgFill="1">
+        <p:nvSpPr>
+          <p:cNvPr id="9" name="Rectangle 8">
+            <a:extLst>
+              <a:ext uri="{FF2B5EF4-FFF2-40B4-BE49-F238E27FC236}">
+                <a16:creationId xmlns:a16="http://schemas.microsoft.com/office/drawing/2014/main" id="{603AE127-802C-459A-A612-DB85B67F0DC0}"/>
+              </a:ext>
+              <a:ext uri="{C183D7F6-B498-43B3-948B-1728B52AA6E4}">
+                <adec:decorative xmlns:adec="http://schemas.microsoft.com/office/drawing/2017/decorative" val="1"/>
+              </a:ext>
+            </a:extLst>
+          </p:cNvPr>
+          <p:cNvSpPr>
+            <a:spLocks noGrp="1" noRot="1" noChangeAspect="1" noMove="1" noResize="1" noEditPoints="1" noAdjustHandles="1" noChangeArrowheads="1" noChangeShapeType="1" noTextEdit="1"/>
+          </p:cNvSpPr>
+          <p:nvPr>
+            <p:extLst>
+              <p:ext uri="{386F3935-93C4-4BCD-93E2-E3B085C9AB24}">
+                <p16:designElem xmlns:p16="http://schemas.microsoft.com/office/powerpoint/2015/main" val="1"/>
+              </p:ext>
+            </p:extLst>
+          </p:nvPr>
+        </p:nvSpPr>
+        <p:spPr>
+          <a:xfrm>
+            <a:off x="0" y="0"/>
+            <a:ext cx="12192000" cy="6858000"/>
+          </a:xfrm>
+          <a:prstGeom prst="rect">
+            <a:avLst/>
+          </a:prstGeom>
+          <a:ln>
+            <a:noFill/>
+          </a:ln>
+        </p:spPr>
+        <p:style>
+          <a:lnRef idx="2">
+            <a:schemeClr val="accent1">
+              <a:shade val="50000"/>
+            </a:schemeClr>
+          </a:lnRef>
+          <a:fillRef idx="1">
+            <a:schemeClr val="accent1"/>
+          </a:fillRef>
+          <a:effectRef idx="0">
+            <a:schemeClr val="accent1"/>
+          </a:effectRef>
+          <a:fontRef idx="minor">
+            <a:schemeClr val="lt1"/>
+          </a:fontRef>
+        </p:style>
+        <p:txBody>
+          <a:bodyPr rtlCol="0" anchor="ctr"/>
+          <a:lstStyle/>
+          <a:p>
+            <a:pPr algn="ctr"/>
+            <a:endParaRPr lang="en-US"/>
+          </a:p>
+        </p:txBody>
+      </p:sp>
       <p:sp>
         <p:nvSpPr>
           <p:cNvPr id="2" name="Titel 1">
@@ -15341,18 +19176,136 @@
             <p:ph type="title"/>
           </p:nvPr>
         </p:nvSpPr>
-        <p:spPr/>
+        <p:spPr>
+          <a:xfrm>
+            <a:off x="1043950" y="1179151"/>
+            <a:ext cx="3300646" cy="4463889"/>
+          </a:xfrm>
+        </p:spPr>
+        <p:txBody>
+          <a:bodyPr anchor="ctr">
+            <a:normAutofit/>
+          </a:bodyPr>
+          <a:lstStyle/>
+          <a:p>
+            <a:r>
+              <a:rPr lang="de-DE"/>
+              <a:t>Noch Fragen?</a:t>
+            </a:r>
+            <a:endParaRPr lang="de-DE" dirty="0"/>
+          </a:p>
+        </p:txBody>
+      </p:sp>
+      <p:sp>
+        <p:nvSpPr>
+          <p:cNvPr id="11" name="Isosceles Triangle 10">
+            <a:extLst>
+              <a:ext uri="{FF2B5EF4-FFF2-40B4-BE49-F238E27FC236}">
+                <a16:creationId xmlns:a16="http://schemas.microsoft.com/office/drawing/2014/main" id="{9323D83D-50D6-4040-A58B-FCEA340F886A}"/>
+              </a:ext>
+              <a:ext uri="{C183D7F6-B498-43B3-948B-1728B52AA6E4}">
+                <adec:decorative xmlns:adec="http://schemas.microsoft.com/office/drawing/2017/decorative" val="1"/>
+              </a:ext>
+            </a:extLst>
+          </p:cNvPr>
+          <p:cNvSpPr>
+            <a:spLocks noGrp="1" noRot="1" noChangeAspect="1" noMove="1" noResize="1" noEditPoints="1" noAdjustHandles="1" noChangeArrowheads="1" noChangeShapeType="1" noTextEdit="1"/>
+          </p:cNvSpPr>
+          <p:nvPr>
+            <p:extLst>
+              <p:ext uri="{386F3935-93C4-4BCD-93E2-E3B085C9AB24}">
+                <p16:designElem xmlns:p16="http://schemas.microsoft.com/office/powerpoint/2015/main" val="1"/>
+              </p:ext>
+            </p:extLst>
+          </p:nvPr>
+        </p:nvSpPr>
+        <p:spPr>
+          <a:xfrm>
+            <a:off x="0" y="4013200"/>
+            <a:ext cx="448733" cy="2844800"/>
+          </a:xfrm>
+          <a:prstGeom prst="triangle">
+            <a:avLst>
+              <a:gd name="adj" fmla="val 0"/>
+            </a:avLst>
+          </a:prstGeom>
+          <a:solidFill>
+            <a:schemeClr val="accent1"/>
+          </a:solidFill>
+          <a:ln>
+            <a:noFill/>
+          </a:ln>
+          <a:effectLst/>
+        </p:spPr>
+        <p:style>
+          <a:lnRef idx="1">
+            <a:schemeClr val="accent1"/>
+          </a:lnRef>
+          <a:fillRef idx="3">
+            <a:schemeClr val="accent1"/>
+          </a:fillRef>
+          <a:effectRef idx="2">
+            <a:schemeClr val="accent1"/>
+          </a:effectRef>
+          <a:fontRef idx="minor">
+            <a:schemeClr val="lt1"/>
+          </a:fontRef>
+        </p:style>
         <p:txBody>
           <a:bodyPr/>
           <a:lstStyle/>
           <a:p>
-            <a:r>
-              <a:rPr lang="de-DE" dirty="0"/>
-              <a:t>Noch Fragen?</a:t>
-            </a:r>
+            <a:endParaRPr lang="de-DE"/>
           </a:p>
         </p:txBody>
       </p:sp>
+      <p:cxnSp>
+        <p:nvCxnSpPr>
+          <p:cNvPr id="13" name="Straight Connector 12">
+            <a:extLst>
+              <a:ext uri="{FF2B5EF4-FFF2-40B4-BE49-F238E27FC236}">
+                <a16:creationId xmlns:a16="http://schemas.microsoft.com/office/drawing/2014/main" id="{1A1FE6BB-DFB2-4080-9B5E-076EF5DDE67B}"/>
+              </a:ext>
+              <a:ext uri="{C183D7F6-B498-43B3-948B-1728B52AA6E4}">
+                <adec:decorative xmlns:adec="http://schemas.microsoft.com/office/drawing/2017/decorative" val="1"/>
+              </a:ext>
+            </a:extLst>
+          </p:cNvPr>
+          <p:cNvCxnSpPr>
+            <a:cxnSpLocks noGrp="1" noRot="1" noChangeAspect="1" noMove="1" noResize="1" noEditPoints="1" noAdjustHandles="1" noChangeArrowheads="1" noChangeShapeType="1"/>
+          </p:cNvCxnSpPr>
+          <p:nvPr>
+            <p:extLst>
+              <p:ext uri="{386F3935-93C4-4BCD-93E2-E3B085C9AB24}">
+                <p16:designElem xmlns:p16="http://schemas.microsoft.com/office/powerpoint/2015/main" val="1"/>
+              </p:ext>
+            </p:extLst>
+          </p:nvPr>
+        </p:nvCxnSpPr>
+        <p:spPr>
+          <a:xfrm>
+            <a:off x="4656670" y="1442595"/>
+            <a:ext cx="0" cy="3937000"/>
+          </a:xfrm>
+          <a:prstGeom prst="line">
+            <a:avLst/>
+          </a:prstGeom>
+        </p:spPr>
+        <p:style>
+          <a:lnRef idx="1">
+            <a:schemeClr val="accent1"/>
+          </a:lnRef>
+          <a:fillRef idx="0">
+            <a:schemeClr val="accent1"/>
+          </a:fillRef>
+          <a:effectRef idx="0">
+            <a:schemeClr val="accent1"/>
+          </a:effectRef>
+          <a:fontRef idx="minor">
+            <a:schemeClr val="tx1"/>
+          </a:fontRef>
+        </p:style>
+      </p:cxnSp>
       <p:sp>
         <p:nvSpPr>
           <p:cNvPr id="3" name="Inhaltsplatzhalter 2">
@@ -15369,76 +19322,147 @@
             <p:ph idx="1"/>
           </p:nvPr>
         </p:nvSpPr>
-        <p:spPr/>
+        <p:spPr>
+          <a:xfrm>
+            <a:off x="4978918" y="1109145"/>
+            <a:ext cx="6341016" cy="4603900"/>
+          </a:xfrm>
+        </p:spPr>
         <p:txBody>
-          <a:bodyPr/>
+          <a:bodyPr anchor="ctr">
+            <a:normAutofit/>
+          </a:bodyPr>
           <a:lstStyle/>
           <a:p>
             <a:pPr marL="0" indent="0">
               <a:buNone/>
             </a:pPr>
             <a:r>
-              <a:rPr lang="de-DE" dirty="0"/>
+              <a:rPr lang="de-DE"/>
               <a:t>Quellen</a:t>
             </a:r>
-            <a:endParaRPr lang="de-DE" dirty="0">
+            <a:endParaRPr lang="de-DE">
               <a:hlinkClick r:id="rId2"/>
             </a:endParaRPr>
           </a:p>
           <a:p>
             <a:r>
-              <a:rPr lang="de-DE" dirty="0">
+              <a:rPr lang="de-DE">
                 <a:hlinkClick r:id="rId2"/>
               </a:rPr>
               <a:t>https://de.wikipedia.org/wiki/Teile-und-herrsche-Verfahren</a:t>
             </a:r>
-            <a:endParaRPr lang="de-DE" dirty="0"/>
+            <a:endParaRPr lang="de-DE"/>
           </a:p>
           <a:p>
             <a:r>
-              <a:rPr lang="de-DE" dirty="0">
+              <a:rPr lang="de-DE">
                 <a:hlinkClick r:id="rId3"/>
               </a:rPr>
               <a:t>https://www.jetbrains.com/pages/intellij-idea-profiler/</a:t>
             </a:r>
-            <a:endParaRPr lang="de-DE" dirty="0"/>
+            <a:endParaRPr lang="de-DE"/>
           </a:p>
           <a:p>
             <a:r>
-              <a:rPr lang="de-DE" dirty="0">
+              <a:rPr lang="de-DE">
                 <a:hlinkClick r:id="rId4"/>
               </a:rPr>
               <a:t>https://www.bosch-sensortec.com/software/bme/docs/process-steps/evaluate-algorithms.html</a:t>
             </a:r>
-            <a:endParaRPr lang="de-DE" dirty="0"/>
+            <a:endParaRPr lang="de-DE"/>
           </a:p>
           <a:p>
             <a:r>
-              <a:rPr lang="de-DE" dirty="0">
+              <a:rPr lang="de-DE">
                 <a:hlinkClick r:id="rId5"/>
               </a:rPr>
               <a:t>https://de.wikipedia.org/wiki/Effizienz_(Informatik)</a:t>
             </a:r>
-            <a:endParaRPr lang="de-DE" dirty="0"/>
+            <a:endParaRPr lang="de-DE"/>
           </a:p>
           <a:p>
             <a:r>
-              <a:rPr lang="de-DE" dirty="0"/>
+              <a:rPr lang="de-DE"/>
               <a:t>Struktur: </a:t>
             </a:r>
             <a:r>
-              <a:rPr lang="de-DE" dirty="0">
+              <a:rPr lang="de-DE">
                 <a:hlinkClick r:id="rId6"/>
               </a:rPr>
               <a:t>https://chatgpt.com/</a:t>
             </a:r>
-            <a:endParaRPr lang="de-DE" dirty="0"/>
+            <a:endParaRPr lang="de-DE"/>
           </a:p>
           <a:p>
             <a:r>
-              <a:rPr lang="de-DE" dirty="0"/>
+              <a:rPr lang="de-DE"/>
               <a:t>Self-Experience</a:t>
             </a:r>
+            <a:endParaRPr lang="de-DE" dirty="0"/>
+          </a:p>
+        </p:txBody>
+      </p:sp>
+      <p:sp>
+        <p:nvSpPr>
+          <p:cNvPr id="15" name="Isosceles Triangle 14">
+            <a:extLst>
+              <a:ext uri="{FF2B5EF4-FFF2-40B4-BE49-F238E27FC236}">
+                <a16:creationId xmlns:a16="http://schemas.microsoft.com/office/drawing/2014/main" id="{F10FD715-4DCE-4779-B634-EC78315EA213}"/>
+              </a:ext>
+              <a:ext uri="{C183D7F6-B498-43B3-948B-1728B52AA6E4}">
+                <adec:decorative xmlns:adec="http://schemas.microsoft.com/office/drawing/2017/decorative" val="1"/>
+              </a:ext>
+            </a:extLst>
+          </p:cNvPr>
+          <p:cNvSpPr>
+            <a:spLocks noGrp="1" noRot="1" noChangeAspect="1" noMove="1" noResize="1" noEditPoints="1" noAdjustHandles="1" noChangeArrowheads="1" noChangeShapeType="1" noTextEdit="1"/>
+          </p:cNvSpPr>
+          <p:nvPr>
+            <p:extLst>
+              <p:ext uri="{386F3935-93C4-4BCD-93E2-E3B085C9AB24}">
+                <p16:designElem xmlns:p16="http://schemas.microsoft.com/office/powerpoint/2015/main" val="1"/>
+              </p:ext>
+            </p:extLst>
+          </p:nvPr>
+        </p:nvSpPr>
+        <p:spPr>
+          <a:xfrm rot="10800000" flipH="1">
+            <a:off x="11364139" y="0"/>
+            <a:ext cx="842596" cy="4616289"/>
+          </a:xfrm>
+          <a:prstGeom prst="triangle">
+            <a:avLst>
+              <a:gd name="adj" fmla="val 100000"/>
+            </a:avLst>
+          </a:prstGeom>
+          <a:solidFill>
+            <a:schemeClr val="accent2"/>
+          </a:solidFill>
+          <a:ln>
+            <a:noFill/>
+          </a:ln>
+          <a:effectLst/>
+        </p:spPr>
+        <p:style>
+          <a:lnRef idx="1">
+            <a:schemeClr val="accent1"/>
+          </a:lnRef>
+          <a:fillRef idx="3">
+            <a:schemeClr val="accent1"/>
+          </a:fillRef>
+          <a:effectRef idx="2">
+            <a:schemeClr val="accent1"/>
+          </a:effectRef>
+          <a:fontRef idx="minor">
+            <a:schemeClr val="lt1"/>
+          </a:fontRef>
+        </p:style>
+        <p:txBody>
+          <a:bodyPr/>
+          <a:lstStyle/>
+          <a:p>
+            <a:endParaRPr lang="de-DE"/>
           </a:p>
         </p:txBody>
       </p:sp>
@@ -15458,13 +19482,30 @@
             <p:ph type="sldNum" sz="quarter" idx="12"/>
           </p:nvPr>
         </p:nvSpPr>
-        <p:spPr/>
+        <p:spPr>
+          <a:xfrm>
+            <a:off x="8590663" y="6041362"/>
+            <a:ext cx="683339" cy="365125"/>
+          </a:xfrm>
+        </p:spPr>
         <p:txBody>
-          <a:bodyPr/>
+          <a:bodyPr>
+            <a:normAutofit/>
+          </a:bodyPr>
           <a:lstStyle/>
           <a:p>
+            <a:pPr>
+              <a:spcAft>
+                <a:spcPts val="600"/>
+              </a:spcAft>
+            </a:pPr>
             <a:fld id="{09424A48-D681-4D16-914C-14144854F3C2}" type="slidenum">
               <a:rPr lang="de-DE" smtClean="0"/>
+              <a:pPr>
+                <a:spcAft>
+                  <a:spcPts val="600"/>
+                </a:spcAft>
+              </a:pPr>
               <a:t>13</a:t>
             </a:fld>
             <a:endParaRPr lang="de-DE"/>
